--- a/AndroidStudio.pptx
+++ b/AndroidStudio.pptx
@@ -31,13 +31,13 @@
     <p:sldId id="265" r:id="rId19"/>
     <p:sldId id="266" r:id="rId20"/>
     <p:sldId id="267" r:id="rId21"/>
-    <p:sldId id="268" r:id="rId22"/>
-    <p:sldId id="277" r:id="rId23"/>
-    <p:sldId id="278" r:id="rId24"/>
-    <p:sldId id="279" r:id="rId25"/>
-    <p:sldId id="280" r:id="rId26"/>
-    <p:sldId id="281" r:id="rId27"/>
-    <p:sldId id="282" r:id="rId28"/>
+    <p:sldId id="308" r:id="rId22"/>
+    <p:sldId id="268" r:id="rId23"/>
+    <p:sldId id="277" r:id="rId24"/>
+    <p:sldId id="278" r:id="rId25"/>
+    <p:sldId id="279" r:id="rId26"/>
+    <p:sldId id="280" r:id="rId27"/>
+    <p:sldId id="281" r:id="rId28"/>
     <p:sldId id="271" r:id="rId29"/>
     <p:sldId id="273" r:id="rId30"/>
     <p:sldId id="275" r:id="rId31"/>
@@ -198,6 +198,7 @@
             <p14:sldId id="265"/>
             <p14:sldId id="266"/>
             <p14:sldId id="267"/>
+            <p14:sldId id="308"/>
             <p14:sldId id="268"/>
           </p14:sldIdLst>
         </p14:section>
@@ -208,7 +209,6 @@
             <p14:sldId id="279"/>
             <p14:sldId id="280"/>
             <p14:sldId id="281"/>
-            <p14:sldId id="282"/>
           </p14:sldIdLst>
         </p14:section>
         <p14:section name="Flutter" id="{C979FA38-2DA0-42ED-977D-4C7D0B76DDF7}">
@@ -362,7 +362,7 @@
                   <a:schemeClr val="tx2"/>
                 </a:solidFill>
               </a:rPr>
-              <a:t>22.02.2022</a:t>
+              <a:t>23.02.2022</a:t>
             </a:fld>
             <a:endParaRPr lang="de-DE">
               <a:solidFill>
@@ -712,7 +712,7 @@
             <a:fld id="{B4113CCE-1A1A-46DB-884A-AE560F65C3AF}" type="datetimeFigureOut">
               <a:rPr lang="de-DE" smtClean="0"/>
               <a:pPr/>
-              <a:t>22.02.2022</a:t>
+              <a:t>23.02.2022</a:t>
             </a:fld>
             <a:endParaRPr lang="de-DE"/>
           </a:p>
@@ -1177,7 +1177,12 @@
             <p:ph type="sldImg"/>
           </p:nvPr>
         </p:nvSpPr>
-        <p:spPr/>
+        <p:spPr>
+          <a:xfrm>
+            <a:off x="685800" y="1143000"/>
+            <a:ext cx="4270375" cy="2401888"/>
+          </a:xfrm>
+        </p:spPr>
       </p:sp>
       <p:sp>
         <p:nvSpPr>
@@ -1787,7 +1792,7 @@
             <a:fld id="{927DBD90-B360-417B-B4B3-F05A4AFC1996}" type="slidenum">
               <a:rPr lang="de-DE" smtClean="0"/>
               <a:pPr/>
-              <a:t>20</a:t>
+              <a:t>21</a:t>
             </a:fld>
             <a:endParaRPr lang="de-DE"/>
           </a:p>
@@ -4155,7 +4160,7 @@
           <a:p>
             <a:fld id="{0617C99F-8972-4D55-9FC9-20A8973FEFCD}" type="datetime1">
               <a:rPr lang="de-DE" smtClean="0"/>
-              <a:t>22.02.2022</a:t>
+              <a:t>23.02.2022</a:t>
             </a:fld>
             <a:endParaRPr lang="de-DE"/>
           </a:p>
@@ -4360,7 +4365,7 @@
           <a:p>
             <a:fld id="{1CE60AF2-85CA-4EDA-9C85-340F8B534780}" type="datetime1">
               <a:rPr lang="de-DE" smtClean="0"/>
-              <a:t>22.02.2022</a:t>
+              <a:t>23.02.2022</a:t>
             </a:fld>
             <a:endParaRPr lang="de-DE"/>
           </a:p>
@@ -4514,7 +4519,7 @@
           <a:p>
             <a:fld id="{838A6544-C481-4408-8F7B-396A7E058B8C}" type="datetime1">
               <a:rPr lang="de-DE" smtClean="0"/>
-              <a:t>22.02.2022</a:t>
+              <a:t>23.02.2022</a:t>
             </a:fld>
             <a:endParaRPr lang="de-DE"/>
           </a:p>
@@ -4751,7 +4756,7 @@
           <a:p>
             <a:fld id="{849F51E4-763F-47D5-9CC8-41F20D31A3F9}" type="datetime1">
               <a:rPr lang="de-DE" smtClean="0"/>
-              <a:t>22.02.2022</a:t>
+              <a:t>23.02.2022</a:t>
             </a:fld>
             <a:endParaRPr lang="de-DE"/>
           </a:p>
@@ -4927,7 +4932,7 @@
           <a:p>
             <a:fld id="{DAFA5E08-56C4-4D00-93E8-8E8047A8DE89}" type="datetime1">
               <a:rPr lang="de-DE" smtClean="0"/>
-              <a:t>22.02.2022</a:t>
+              <a:t>23.02.2022</a:t>
             </a:fld>
             <a:endParaRPr lang="de-DE"/>
           </a:p>
@@ -5103,7 +5108,7 @@
           <a:p>
             <a:fld id="{7CE3AD37-5ABD-4692-BEC2-A42E3889EE4D}" type="datetime1">
               <a:rPr lang="de-DE" smtClean="0"/>
-              <a:t>22.02.2022</a:t>
+              <a:t>23.02.2022</a:t>
             </a:fld>
             <a:endParaRPr lang="de-DE"/>
           </a:p>
@@ -5253,7 +5258,7 @@
           <a:p>
             <a:fld id="{928CC653-232E-48C4-B8E8-A0241EBA0795}" type="datetime1">
               <a:rPr lang="de-DE" smtClean="0"/>
-              <a:t>22.02.2022</a:t>
+              <a:t>23.02.2022</a:t>
             </a:fld>
             <a:endParaRPr lang="de-DE"/>
           </a:p>
@@ -5351,7 +5356,7 @@
           <a:p>
             <a:fld id="{E83E20E9-81C0-4ABC-AE04-EB499B127B15}" type="datetime1">
               <a:rPr lang="de-DE" smtClean="0"/>
-              <a:t>22.02.2022</a:t>
+              <a:t>23.02.2022</a:t>
             </a:fld>
             <a:endParaRPr lang="de-DE"/>
           </a:p>
@@ -5475,7 +5480,7 @@
           <a:p>
             <a:fld id="{40D99F92-1030-4142-B53F-F0FAA5D39B24}" type="datetime1">
               <a:rPr lang="de-DE" smtClean="0"/>
-              <a:t>22.02.2022</a:t>
+              <a:t>23.02.2022</a:t>
             </a:fld>
             <a:endParaRPr lang="de-DE"/>
           </a:p>
@@ -5659,7 +5664,7 @@
           <a:p>
             <a:fld id="{71988543-CE63-49C4-AF7F-C87F3B679192}" type="datetime1">
               <a:rPr lang="de-DE" smtClean="0"/>
-              <a:t>22.02.2022</a:t>
+              <a:t>23.02.2022</a:t>
             </a:fld>
             <a:endParaRPr lang="de-DE"/>
           </a:p>
@@ -5864,7 +5869,7 @@
           <a:p>
             <a:fld id="{5D221FBA-B6C3-4E3C-B071-170A70C47015}" type="datetime1">
               <a:rPr lang="de-DE" smtClean="0"/>
-              <a:t>22.02.2022</a:t>
+              <a:t>23.02.2022</a:t>
             </a:fld>
             <a:endParaRPr lang="de-DE"/>
           </a:p>
@@ -6222,7 +6227,7 @@
           <a:p>
             <a:fld id="{990527E8-55A3-4E9A-A49F-ADA7D9BD24A6}" type="datetime1">
               <a:rPr lang="de-DE" smtClean="0"/>
-              <a:t>22.02.2022</a:t>
+              <a:t>23.02.2022</a:t>
             </a:fld>
             <a:endParaRPr lang="de-DE" dirty="0"/>
           </a:p>
@@ -6863,7 +6868,7 @@
           <a:p>
             <a:fld id="{ADC6AC59-7092-41FF-BAE3-16B17FCDA478}" type="datetime1">
               <a:rPr lang="de-DE" smtClean="0"/>
-              <a:t>22.02.2022</a:t>
+              <a:t>23.02.2022</a:t>
             </a:fld>
             <a:endParaRPr lang="de-DE" dirty="0"/>
           </a:p>
@@ -7033,7 +7038,7 @@
           <p:cNvPr id="11" name="Grafik 10">
             <a:extLst>
               <a:ext uri="{FF2B5EF4-FFF2-40B4-BE49-F238E27FC236}">
-                <a16:creationId xmlns:a16="http://schemas.microsoft.com/office/drawing/2014/main" id="{C4559D41-751B-4D7C-9655-A71341095138}"/>
+                <a16:creationId xmlns:a16="http://schemas.microsoft.com/office/drawing/2014/main" xmlns="" id="{C4559D41-751B-4D7C-9655-A71341095138}"/>
               </a:ext>
             </a:extLst>
           </p:cNvPr>
@@ -7069,7 +7074,7 @@
           <p:cNvPr id="14" name="Straight Connector 6">
             <a:extLst>
               <a:ext uri="{FF2B5EF4-FFF2-40B4-BE49-F238E27FC236}">
-                <a16:creationId xmlns:a16="http://schemas.microsoft.com/office/drawing/2014/main" id="{C797F233-091D-4DE9-86F5-01F20A8E02B8}"/>
+                <a16:creationId xmlns:a16="http://schemas.microsoft.com/office/drawing/2014/main" xmlns="" id="{C797F233-091D-4DE9-86F5-01F20A8E02B8}"/>
               </a:ext>
             </a:extLst>
           </p:cNvPr>
@@ -7535,7 +7540,7 @@
           <a:p>
             <a:fld id="{98371805-B777-4F9B-8B57-8DFA4E0BDD1E}" type="datetime1">
               <a:rPr lang="de-DE" smtClean="0"/>
-              <a:t>22.02.2022</a:t>
+              <a:t>23.02.2022</a:t>
             </a:fld>
             <a:endParaRPr lang="de-DE"/>
           </a:p>
@@ -7621,7 +7626,7 @@
           <p:cNvPr id="2" name="Titel 1">
             <a:extLst>
               <a:ext uri="{FF2B5EF4-FFF2-40B4-BE49-F238E27FC236}">
-                <a16:creationId xmlns:a16="http://schemas.microsoft.com/office/drawing/2014/main" id="{98DA1DC6-2840-43C2-BADE-8F04EB7CC782}"/>
+                <a16:creationId xmlns:a16="http://schemas.microsoft.com/office/drawing/2014/main" xmlns="" id="{98DA1DC6-2840-43C2-BADE-8F04EB7CC782}"/>
               </a:ext>
             </a:extLst>
           </p:cNvPr>
@@ -7649,7 +7654,7 @@
           <p:cNvPr id="3" name="Inhaltsplatzhalter 2">
             <a:extLst>
               <a:ext uri="{FF2B5EF4-FFF2-40B4-BE49-F238E27FC236}">
-                <a16:creationId xmlns:a16="http://schemas.microsoft.com/office/drawing/2014/main" id="{DFF29FE4-BCC1-4A5E-A85A-C669153D7311}"/>
+                <a16:creationId xmlns:a16="http://schemas.microsoft.com/office/drawing/2014/main" xmlns="" id="{DFF29FE4-BCC1-4A5E-A85A-C669153D7311}"/>
               </a:ext>
             </a:extLst>
           </p:cNvPr>
@@ -7765,7 +7770,7 @@
           <p:cNvPr id="4" name="Datumsplatzhalter 3">
             <a:extLst>
               <a:ext uri="{FF2B5EF4-FFF2-40B4-BE49-F238E27FC236}">
-                <a16:creationId xmlns:a16="http://schemas.microsoft.com/office/drawing/2014/main" id="{595E5A5A-8A37-465E-954A-A950D7B72763}"/>
+                <a16:creationId xmlns:a16="http://schemas.microsoft.com/office/drawing/2014/main" xmlns="" id="{595E5A5A-8A37-465E-954A-A950D7B72763}"/>
               </a:ext>
             </a:extLst>
           </p:cNvPr>
@@ -7783,7 +7788,7 @@
           <a:p>
             <a:fld id="{DAFA5E08-56C4-4D00-93E8-8E8047A8DE89}" type="datetime1">
               <a:rPr lang="de-DE" smtClean="0"/>
-              <a:t>22.02.2022</a:t>
+              <a:t>23.02.2022</a:t>
             </a:fld>
             <a:endParaRPr lang="de-DE"/>
           </a:p>
@@ -7794,7 +7799,7 @@
           <p:cNvPr id="5" name="Fußzeilenplatzhalter 4">
             <a:extLst>
               <a:ext uri="{FF2B5EF4-FFF2-40B4-BE49-F238E27FC236}">
-                <a16:creationId xmlns:a16="http://schemas.microsoft.com/office/drawing/2014/main" id="{4F195F40-8F35-481F-B4C6-EC37F0A4A33C}"/>
+                <a16:creationId xmlns:a16="http://schemas.microsoft.com/office/drawing/2014/main" xmlns="" id="{4F195F40-8F35-481F-B4C6-EC37F0A4A33C}"/>
               </a:ext>
             </a:extLst>
           </p:cNvPr>
@@ -7822,7 +7827,7 @@
           <p:cNvPr id="6" name="Foliennummernplatzhalter 5">
             <a:extLst>
               <a:ext uri="{FF2B5EF4-FFF2-40B4-BE49-F238E27FC236}">
-                <a16:creationId xmlns:a16="http://schemas.microsoft.com/office/drawing/2014/main" id="{60362E32-2D99-4065-BB41-DF3E484CEB24}"/>
+                <a16:creationId xmlns:a16="http://schemas.microsoft.com/office/drawing/2014/main" xmlns="" id="{60362E32-2D99-4065-BB41-DF3E484CEB24}"/>
               </a:ext>
             </a:extLst>
           </p:cNvPr>
@@ -7851,7 +7856,7 @@
           <p:cNvPr id="8" name="Grafik 7">
             <a:extLst>
               <a:ext uri="{FF2B5EF4-FFF2-40B4-BE49-F238E27FC236}">
-                <a16:creationId xmlns:a16="http://schemas.microsoft.com/office/drawing/2014/main" id="{CAFD8B39-204A-4ECC-B94D-4CF5C8B19051}"/>
+                <a16:creationId xmlns:a16="http://schemas.microsoft.com/office/drawing/2014/main" xmlns="" id="{CAFD8B39-204A-4ECC-B94D-4CF5C8B19051}"/>
               </a:ext>
             </a:extLst>
           </p:cNvPr>
@@ -7887,7 +7892,7 @@
           <p:cNvPr id="9" name="Gerader Verbinder 8">
             <a:extLst>
               <a:ext uri="{FF2B5EF4-FFF2-40B4-BE49-F238E27FC236}">
-                <a16:creationId xmlns:a16="http://schemas.microsoft.com/office/drawing/2014/main" id="{AC9A9245-36C6-413B-8DEB-567A901F157B}"/>
+                <a16:creationId xmlns:a16="http://schemas.microsoft.com/office/drawing/2014/main" xmlns="" id="{AC9A9245-36C6-413B-8DEB-567A901F157B}"/>
               </a:ext>
             </a:extLst>
           </p:cNvPr>
@@ -7955,7 +7960,7 @@
           <p:cNvPr id="2" name="Titel 1">
             <a:extLst>
               <a:ext uri="{FF2B5EF4-FFF2-40B4-BE49-F238E27FC236}">
-                <a16:creationId xmlns:a16="http://schemas.microsoft.com/office/drawing/2014/main" id="{93A6331E-A8C4-486C-A64C-8B9C696F1F33}"/>
+                <a16:creationId xmlns:a16="http://schemas.microsoft.com/office/drawing/2014/main" xmlns="" id="{93A6331E-A8C4-486C-A64C-8B9C696F1F33}"/>
               </a:ext>
             </a:extLst>
           </p:cNvPr>
@@ -7983,7 +7988,7 @@
           <p:cNvPr id="3" name="Inhaltsplatzhalter 2">
             <a:extLst>
               <a:ext uri="{FF2B5EF4-FFF2-40B4-BE49-F238E27FC236}">
-                <a16:creationId xmlns:a16="http://schemas.microsoft.com/office/drawing/2014/main" id="{25831F29-3E28-41E5-A5D4-1FF3105A70F1}"/>
+                <a16:creationId xmlns:a16="http://schemas.microsoft.com/office/drawing/2014/main" xmlns="" id="{25831F29-3E28-41E5-A5D4-1FF3105A70F1}"/>
               </a:ext>
             </a:extLst>
           </p:cNvPr>
@@ -8090,7 +8095,7 @@
           <p:cNvPr id="4" name="Datumsplatzhalter 3">
             <a:extLst>
               <a:ext uri="{FF2B5EF4-FFF2-40B4-BE49-F238E27FC236}">
-                <a16:creationId xmlns:a16="http://schemas.microsoft.com/office/drawing/2014/main" id="{D9EC2A7A-2AD4-4758-BB7E-5E81354AC985}"/>
+                <a16:creationId xmlns:a16="http://schemas.microsoft.com/office/drawing/2014/main" xmlns="" id="{D9EC2A7A-2AD4-4758-BB7E-5E81354AC985}"/>
               </a:ext>
             </a:extLst>
           </p:cNvPr>
@@ -8108,7 +8113,7 @@
           <a:p>
             <a:fld id="{DAFA5E08-56C4-4D00-93E8-8E8047A8DE89}" type="datetime1">
               <a:rPr lang="de-DE" smtClean="0"/>
-              <a:t>22.02.2022</a:t>
+              <a:t>23.02.2022</a:t>
             </a:fld>
             <a:endParaRPr lang="de-DE"/>
           </a:p>
@@ -8119,7 +8124,7 @@
           <p:cNvPr id="5" name="Fußzeilenplatzhalter 4">
             <a:extLst>
               <a:ext uri="{FF2B5EF4-FFF2-40B4-BE49-F238E27FC236}">
-                <a16:creationId xmlns:a16="http://schemas.microsoft.com/office/drawing/2014/main" id="{55AA4FF6-2A08-4BC2-87D9-3C7B11095DB9}"/>
+                <a16:creationId xmlns:a16="http://schemas.microsoft.com/office/drawing/2014/main" xmlns="" id="{55AA4FF6-2A08-4BC2-87D9-3C7B11095DB9}"/>
               </a:ext>
             </a:extLst>
           </p:cNvPr>
@@ -8147,7 +8152,7 @@
           <p:cNvPr id="6" name="Foliennummernplatzhalter 5">
             <a:extLst>
               <a:ext uri="{FF2B5EF4-FFF2-40B4-BE49-F238E27FC236}">
-                <a16:creationId xmlns:a16="http://schemas.microsoft.com/office/drawing/2014/main" id="{E277469C-8922-4D6D-A38C-297797F4ED4D}"/>
+                <a16:creationId xmlns:a16="http://schemas.microsoft.com/office/drawing/2014/main" xmlns="" id="{E277469C-8922-4D6D-A38C-297797F4ED4D}"/>
               </a:ext>
             </a:extLst>
           </p:cNvPr>
@@ -8206,7 +8211,7 @@
           <p:cNvPr id="2" name="Titel 1">
             <a:extLst>
               <a:ext uri="{FF2B5EF4-FFF2-40B4-BE49-F238E27FC236}">
-                <a16:creationId xmlns:a16="http://schemas.microsoft.com/office/drawing/2014/main" id="{2AD4A0AE-E61B-471F-BF8D-5365EDCF6D86}"/>
+                <a16:creationId xmlns:a16="http://schemas.microsoft.com/office/drawing/2014/main" xmlns="" id="{2AD4A0AE-E61B-471F-BF8D-5365EDCF6D86}"/>
               </a:ext>
             </a:extLst>
           </p:cNvPr>
@@ -8239,7 +8244,7 @@
           <p:cNvPr id="3" name="Inhaltsplatzhalter 2">
             <a:extLst>
               <a:ext uri="{FF2B5EF4-FFF2-40B4-BE49-F238E27FC236}">
-                <a16:creationId xmlns:a16="http://schemas.microsoft.com/office/drawing/2014/main" id="{6C4027E6-6CFA-48B6-81B7-4C4C0B388C7B}"/>
+                <a16:creationId xmlns:a16="http://schemas.microsoft.com/office/drawing/2014/main" xmlns="" id="{6C4027E6-6CFA-48B6-81B7-4C4C0B388C7B}"/>
               </a:ext>
             </a:extLst>
           </p:cNvPr>
@@ -8270,7 +8275,7 @@
           <p:cNvPr id="4" name="Datumsplatzhalter 3">
             <a:extLst>
               <a:ext uri="{FF2B5EF4-FFF2-40B4-BE49-F238E27FC236}">
-                <a16:creationId xmlns:a16="http://schemas.microsoft.com/office/drawing/2014/main" id="{591CD9E4-C636-42B1-99C6-BF1405435B93}"/>
+                <a16:creationId xmlns:a16="http://schemas.microsoft.com/office/drawing/2014/main" xmlns="" id="{591CD9E4-C636-42B1-99C6-BF1405435B93}"/>
               </a:ext>
             </a:extLst>
           </p:cNvPr>
@@ -8288,7 +8293,7 @@
           <a:p>
             <a:fld id="{DAFA5E08-56C4-4D00-93E8-8E8047A8DE89}" type="datetime1">
               <a:rPr lang="de-DE" smtClean="0"/>
-              <a:t>22.02.2022</a:t>
+              <a:t>23.02.2022</a:t>
             </a:fld>
             <a:endParaRPr lang="de-DE"/>
           </a:p>
@@ -8299,7 +8304,7 @@
           <p:cNvPr id="5" name="Fußzeilenplatzhalter 4">
             <a:extLst>
               <a:ext uri="{FF2B5EF4-FFF2-40B4-BE49-F238E27FC236}">
-                <a16:creationId xmlns:a16="http://schemas.microsoft.com/office/drawing/2014/main" id="{FF5A3F88-F046-4DFD-A592-32A456C9D19E}"/>
+                <a16:creationId xmlns:a16="http://schemas.microsoft.com/office/drawing/2014/main" xmlns="" id="{FF5A3F88-F046-4DFD-A592-32A456C9D19E}"/>
               </a:ext>
             </a:extLst>
           </p:cNvPr>
@@ -8327,7 +8332,7 @@
           <p:cNvPr id="6" name="Foliennummernplatzhalter 5">
             <a:extLst>
               <a:ext uri="{FF2B5EF4-FFF2-40B4-BE49-F238E27FC236}">
-                <a16:creationId xmlns:a16="http://schemas.microsoft.com/office/drawing/2014/main" id="{337959C4-1262-4187-BB96-6DE1F5668633}"/>
+                <a16:creationId xmlns:a16="http://schemas.microsoft.com/office/drawing/2014/main" xmlns="" id="{337959C4-1262-4187-BB96-6DE1F5668633}"/>
               </a:ext>
             </a:extLst>
           </p:cNvPr>
@@ -8356,7 +8361,7 @@
           <p:cNvPr id="1026" name="Picture 2">
             <a:extLst>
               <a:ext uri="{FF2B5EF4-FFF2-40B4-BE49-F238E27FC236}">
-                <a16:creationId xmlns:a16="http://schemas.microsoft.com/office/drawing/2014/main" id="{9BC0F9EA-0507-46A4-A609-B12C87CCAFE5}"/>
+                <a16:creationId xmlns:a16="http://schemas.microsoft.com/office/drawing/2014/main" xmlns="" id="{9BC0F9EA-0507-46A4-A609-B12C87CCAFE5}"/>
               </a:ext>
             </a:extLst>
           </p:cNvPr>
@@ -8406,6 +8411,14 @@
   <p:clrMapOvr>
     <a:masterClrMapping/>
   </p:clrMapOvr>
+  <mc:AlternateContent xmlns:mc="http://schemas.openxmlformats.org/markup-compatibility/2006">
+    <mc:Choice xmlns:p14="http://schemas.microsoft.com/office/powerpoint/2010/main" Requires="p14">
+      <p:transition spd="slow" p14:dur="2000"/>
+    </mc:Choice>
+    <mc:Fallback>
+      <p:transition spd="slow"/>
+    </mc:Fallback>
+  </mc:AlternateContent>
 </p:sld>
 </file>
 
@@ -8431,7 +8444,7 @@
           <p:cNvPr id="2" name="Titel 1">
             <a:extLst>
               <a:ext uri="{FF2B5EF4-FFF2-40B4-BE49-F238E27FC236}">
-                <a16:creationId xmlns:a16="http://schemas.microsoft.com/office/drawing/2014/main" id="{E97A0CCE-7604-495E-BD3D-6BBFAE588EA1}"/>
+                <a16:creationId xmlns:a16="http://schemas.microsoft.com/office/drawing/2014/main" xmlns="" id="{E97A0CCE-7604-495E-BD3D-6BBFAE588EA1}"/>
               </a:ext>
             </a:extLst>
           </p:cNvPr>
@@ -8467,7 +8480,7 @@
           <p:cNvPr id="3" name="Inhaltsplatzhalter 2">
             <a:extLst>
               <a:ext uri="{FF2B5EF4-FFF2-40B4-BE49-F238E27FC236}">
-                <a16:creationId xmlns:a16="http://schemas.microsoft.com/office/drawing/2014/main" id="{BCC85DE8-76B6-48E7-AD4E-1AD7D41B1A54}"/>
+                <a16:creationId xmlns:a16="http://schemas.microsoft.com/office/drawing/2014/main" xmlns="" id="{BCC85DE8-76B6-48E7-AD4E-1AD7D41B1A54}"/>
               </a:ext>
             </a:extLst>
           </p:cNvPr>
@@ -8515,7 +8528,7 @@
           <p:cNvPr id="4" name="Datumsplatzhalter 3">
             <a:extLst>
               <a:ext uri="{FF2B5EF4-FFF2-40B4-BE49-F238E27FC236}">
-                <a16:creationId xmlns:a16="http://schemas.microsoft.com/office/drawing/2014/main" id="{21BFED41-FDA6-45E1-968D-56ADBB1F3B6A}"/>
+                <a16:creationId xmlns:a16="http://schemas.microsoft.com/office/drawing/2014/main" xmlns="" id="{21BFED41-FDA6-45E1-968D-56ADBB1F3B6A}"/>
               </a:ext>
             </a:extLst>
           </p:cNvPr>
@@ -8533,7 +8546,7 @@
           <a:p>
             <a:fld id="{DAFA5E08-56C4-4D00-93E8-8E8047A8DE89}" type="datetime1">
               <a:rPr lang="de-DE" smtClean="0"/>
-              <a:t>22.02.2022</a:t>
+              <a:t>23.02.2022</a:t>
             </a:fld>
             <a:endParaRPr lang="de-DE"/>
           </a:p>
@@ -8544,7 +8557,7 @@
           <p:cNvPr id="5" name="Fußzeilenplatzhalter 4">
             <a:extLst>
               <a:ext uri="{FF2B5EF4-FFF2-40B4-BE49-F238E27FC236}">
-                <a16:creationId xmlns:a16="http://schemas.microsoft.com/office/drawing/2014/main" id="{77DAE993-7879-47E2-95E1-6BE3D59B4C09}"/>
+                <a16:creationId xmlns:a16="http://schemas.microsoft.com/office/drawing/2014/main" xmlns="" id="{77DAE993-7879-47E2-95E1-6BE3D59B4C09}"/>
               </a:ext>
             </a:extLst>
           </p:cNvPr>
@@ -8572,7 +8585,7 @@
           <p:cNvPr id="6" name="Foliennummernplatzhalter 5">
             <a:extLst>
               <a:ext uri="{FF2B5EF4-FFF2-40B4-BE49-F238E27FC236}">
-                <a16:creationId xmlns:a16="http://schemas.microsoft.com/office/drawing/2014/main" id="{C965A3D1-CC5F-4F5C-BC6D-CD7B976DBE8E}"/>
+                <a16:creationId xmlns:a16="http://schemas.microsoft.com/office/drawing/2014/main" xmlns="" id="{C965A3D1-CC5F-4F5C-BC6D-CD7B976DBE8E}"/>
               </a:ext>
             </a:extLst>
           </p:cNvPr>
@@ -8601,7 +8614,7 @@
           <p:cNvPr id="15" name="Gruppieren 14">
             <a:extLst>
               <a:ext uri="{FF2B5EF4-FFF2-40B4-BE49-F238E27FC236}">
-                <a16:creationId xmlns:a16="http://schemas.microsoft.com/office/drawing/2014/main" id="{B476B94E-D4A2-4F1F-A51F-701D74ACE5D9}"/>
+                <a16:creationId xmlns:a16="http://schemas.microsoft.com/office/drawing/2014/main" xmlns="" id="{B476B94E-D4A2-4F1F-A51F-701D74ACE5D9}"/>
               </a:ext>
             </a:extLst>
           </p:cNvPr>
@@ -8621,7 +8634,7 @@
             <p:cNvPr id="8" name="Grafik 7">
               <a:extLst>
                 <a:ext uri="{FF2B5EF4-FFF2-40B4-BE49-F238E27FC236}">
-                  <a16:creationId xmlns:a16="http://schemas.microsoft.com/office/drawing/2014/main" id="{8EAEB599-93CC-4D5F-B943-7DF00958055D}"/>
+                  <a16:creationId xmlns:a16="http://schemas.microsoft.com/office/drawing/2014/main" xmlns="" id="{8EAEB599-93CC-4D5F-B943-7DF00958055D}"/>
                 </a:ext>
               </a:extLst>
             </p:cNvPr>
@@ -8651,7 +8664,7 @@
             <p:cNvPr id="10" name="Grafik 9">
               <a:extLst>
                 <a:ext uri="{FF2B5EF4-FFF2-40B4-BE49-F238E27FC236}">
-                  <a16:creationId xmlns:a16="http://schemas.microsoft.com/office/drawing/2014/main" id="{C507A51E-B377-4C60-A101-0D25902317C5}"/>
+                  <a16:creationId xmlns:a16="http://schemas.microsoft.com/office/drawing/2014/main" xmlns="" id="{C507A51E-B377-4C60-A101-0D25902317C5}"/>
                 </a:ext>
               </a:extLst>
             </p:cNvPr>
@@ -8681,7 +8694,7 @@
             <p:cNvPr id="12" name="Grafik 11">
               <a:extLst>
                 <a:ext uri="{FF2B5EF4-FFF2-40B4-BE49-F238E27FC236}">
-                  <a16:creationId xmlns:a16="http://schemas.microsoft.com/office/drawing/2014/main" id="{5FB676AB-56E1-4BBF-80D2-2D0AB1F6A852}"/>
+                  <a16:creationId xmlns:a16="http://schemas.microsoft.com/office/drawing/2014/main" xmlns="" id="{5FB676AB-56E1-4BBF-80D2-2D0AB1F6A852}"/>
                 </a:ext>
               </a:extLst>
             </p:cNvPr>
@@ -8711,7 +8724,7 @@
             <p:cNvPr id="14" name="Grafik 13">
               <a:extLst>
                 <a:ext uri="{FF2B5EF4-FFF2-40B4-BE49-F238E27FC236}">
-                  <a16:creationId xmlns:a16="http://schemas.microsoft.com/office/drawing/2014/main" id="{C178C23A-8CBD-4443-986A-36FD7ED85C0F}"/>
+                  <a16:creationId xmlns:a16="http://schemas.microsoft.com/office/drawing/2014/main" xmlns="" id="{C178C23A-8CBD-4443-986A-36FD7ED85C0F}"/>
                 </a:ext>
               </a:extLst>
             </p:cNvPr>
@@ -8772,7 +8785,7 @@
           <p:cNvPr id="2" name="Titel 1">
             <a:extLst>
               <a:ext uri="{FF2B5EF4-FFF2-40B4-BE49-F238E27FC236}">
-                <a16:creationId xmlns:a16="http://schemas.microsoft.com/office/drawing/2014/main" id="{98DA1DC6-2840-43C2-BADE-8F04EB7CC782}"/>
+                <a16:creationId xmlns:a16="http://schemas.microsoft.com/office/drawing/2014/main" xmlns="" id="{98DA1DC6-2840-43C2-BADE-8F04EB7CC782}"/>
               </a:ext>
             </a:extLst>
           </p:cNvPr>
@@ -8800,7 +8813,7 @@
           <p:cNvPr id="3" name="Inhaltsplatzhalter 2">
             <a:extLst>
               <a:ext uri="{FF2B5EF4-FFF2-40B4-BE49-F238E27FC236}">
-                <a16:creationId xmlns:a16="http://schemas.microsoft.com/office/drawing/2014/main" id="{DFF29FE4-BCC1-4A5E-A85A-C669153D7311}"/>
+                <a16:creationId xmlns:a16="http://schemas.microsoft.com/office/drawing/2014/main" xmlns="" id="{DFF29FE4-BCC1-4A5E-A85A-C669153D7311}"/>
               </a:ext>
             </a:extLst>
           </p:cNvPr>
@@ -8849,7 +8862,7 @@
           <p:cNvPr id="4" name="Datumsplatzhalter 3">
             <a:extLst>
               <a:ext uri="{FF2B5EF4-FFF2-40B4-BE49-F238E27FC236}">
-                <a16:creationId xmlns:a16="http://schemas.microsoft.com/office/drawing/2014/main" id="{595E5A5A-8A37-465E-954A-A950D7B72763}"/>
+                <a16:creationId xmlns:a16="http://schemas.microsoft.com/office/drawing/2014/main" xmlns="" id="{595E5A5A-8A37-465E-954A-A950D7B72763}"/>
               </a:ext>
             </a:extLst>
           </p:cNvPr>
@@ -8867,7 +8880,7 @@
           <a:p>
             <a:fld id="{DAFA5E08-56C4-4D00-93E8-8E8047A8DE89}" type="datetime1">
               <a:rPr lang="de-DE" smtClean="0"/>
-              <a:t>22.02.2022</a:t>
+              <a:t>23.02.2022</a:t>
             </a:fld>
             <a:endParaRPr lang="de-DE"/>
           </a:p>
@@ -8878,7 +8891,7 @@
           <p:cNvPr id="5" name="Fußzeilenplatzhalter 4">
             <a:extLst>
               <a:ext uri="{FF2B5EF4-FFF2-40B4-BE49-F238E27FC236}">
-                <a16:creationId xmlns:a16="http://schemas.microsoft.com/office/drawing/2014/main" id="{4F195F40-8F35-481F-B4C6-EC37F0A4A33C}"/>
+                <a16:creationId xmlns:a16="http://schemas.microsoft.com/office/drawing/2014/main" xmlns="" id="{4F195F40-8F35-481F-B4C6-EC37F0A4A33C}"/>
               </a:ext>
             </a:extLst>
           </p:cNvPr>
@@ -8906,7 +8919,7 @@
           <p:cNvPr id="6" name="Foliennummernplatzhalter 5">
             <a:extLst>
               <a:ext uri="{FF2B5EF4-FFF2-40B4-BE49-F238E27FC236}">
-                <a16:creationId xmlns:a16="http://schemas.microsoft.com/office/drawing/2014/main" id="{60362E32-2D99-4065-BB41-DF3E484CEB24}"/>
+                <a16:creationId xmlns:a16="http://schemas.microsoft.com/office/drawing/2014/main" xmlns="" id="{60362E32-2D99-4065-BB41-DF3E484CEB24}"/>
               </a:ext>
             </a:extLst>
           </p:cNvPr>
@@ -8935,7 +8948,7 @@
           <p:cNvPr id="15" name="Gruppieren 14">
             <a:extLst>
               <a:ext uri="{FF2B5EF4-FFF2-40B4-BE49-F238E27FC236}">
-                <a16:creationId xmlns:a16="http://schemas.microsoft.com/office/drawing/2014/main" id="{B5687E92-1084-4A59-AF1F-381C1419B04B}"/>
+                <a16:creationId xmlns:a16="http://schemas.microsoft.com/office/drawing/2014/main" xmlns="" id="{B5687E92-1084-4A59-AF1F-381C1419B04B}"/>
               </a:ext>
             </a:extLst>
           </p:cNvPr>
@@ -8955,7 +8968,7 @@
             <p:cNvPr id="8" name="Grafik 7">
               <a:extLst>
                 <a:ext uri="{FF2B5EF4-FFF2-40B4-BE49-F238E27FC236}">
-                  <a16:creationId xmlns:a16="http://schemas.microsoft.com/office/drawing/2014/main" id="{216200D2-90FD-4B50-9098-4AA7DA04FEBC}"/>
+                  <a16:creationId xmlns:a16="http://schemas.microsoft.com/office/drawing/2014/main" xmlns="" id="{216200D2-90FD-4B50-9098-4AA7DA04FEBC}"/>
                 </a:ext>
               </a:extLst>
             </p:cNvPr>
@@ -8985,7 +8998,7 @@
             <p:cNvPr id="10" name="Grafik 9">
               <a:extLst>
                 <a:ext uri="{FF2B5EF4-FFF2-40B4-BE49-F238E27FC236}">
-                  <a16:creationId xmlns:a16="http://schemas.microsoft.com/office/drawing/2014/main" id="{D6902DD7-B93F-44B5-AAFD-3CD26E32F9C2}"/>
+                  <a16:creationId xmlns:a16="http://schemas.microsoft.com/office/drawing/2014/main" xmlns="" id="{D6902DD7-B93F-44B5-AAFD-3CD26E32F9C2}"/>
                 </a:ext>
               </a:extLst>
             </p:cNvPr>
@@ -9015,7 +9028,7 @@
             <p:cNvPr id="12" name="Grafik 11">
               <a:extLst>
                 <a:ext uri="{FF2B5EF4-FFF2-40B4-BE49-F238E27FC236}">
-                  <a16:creationId xmlns:a16="http://schemas.microsoft.com/office/drawing/2014/main" id="{6E4F34F6-CCB3-424E-96B2-9B346FADB004}"/>
+                  <a16:creationId xmlns:a16="http://schemas.microsoft.com/office/drawing/2014/main" xmlns="" id="{6E4F34F6-CCB3-424E-96B2-9B346FADB004}"/>
                 </a:ext>
               </a:extLst>
             </p:cNvPr>
@@ -9045,7 +9058,7 @@
             <p:cNvPr id="14" name="Grafik 13">
               <a:extLst>
                 <a:ext uri="{FF2B5EF4-FFF2-40B4-BE49-F238E27FC236}">
-                  <a16:creationId xmlns:a16="http://schemas.microsoft.com/office/drawing/2014/main" id="{6F82693E-6146-4536-8EA5-8A860C940A84}"/>
+                  <a16:creationId xmlns:a16="http://schemas.microsoft.com/office/drawing/2014/main" xmlns="" id="{6F82693E-6146-4536-8EA5-8A860C940A84}"/>
                 </a:ext>
               </a:extLst>
             </p:cNvPr>
@@ -9106,7 +9119,7 @@
           <p:cNvPr id="2" name="Titel 1">
             <a:extLst>
               <a:ext uri="{FF2B5EF4-FFF2-40B4-BE49-F238E27FC236}">
-                <a16:creationId xmlns:a16="http://schemas.microsoft.com/office/drawing/2014/main" id="{16ADB3E7-94B3-4ED3-A487-FD153446E9F0}"/>
+                <a16:creationId xmlns:a16="http://schemas.microsoft.com/office/drawing/2014/main" xmlns="" id="{16ADB3E7-94B3-4ED3-A487-FD153446E9F0}"/>
               </a:ext>
             </a:extLst>
           </p:cNvPr>
@@ -9134,7 +9147,7 @@
           <p:cNvPr id="3" name="Inhaltsplatzhalter 2">
             <a:extLst>
               <a:ext uri="{FF2B5EF4-FFF2-40B4-BE49-F238E27FC236}">
-                <a16:creationId xmlns:a16="http://schemas.microsoft.com/office/drawing/2014/main" id="{5DD76D7B-024D-4FFF-A509-6BF0CA8FED35}"/>
+                <a16:creationId xmlns:a16="http://schemas.microsoft.com/office/drawing/2014/main" xmlns="" id="{5DD76D7B-024D-4FFF-A509-6BF0CA8FED35}"/>
               </a:ext>
             </a:extLst>
           </p:cNvPr>
@@ -9162,7 +9175,7 @@
           <p:cNvPr id="4" name="Datumsplatzhalter 3">
             <a:extLst>
               <a:ext uri="{FF2B5EF4-FFF2-40B4-BE49-F238E27FC236}">
-                <a16:creationId xmlns:a16="http://schemas.microsoft.com/office/drawing/2014/main" id="{002941F6-2D27-433E-B664-5803BC7F9910}"/>
+                <a16:creationId xmlns:a16="http://schemas.microsoft.com/office/drawing/2014/main" xmlns="" id="{002941F6-2D27-433E-B664-5803BC7F9910}"/>
               </a:ext>
             </a:extLst>
           </p:cNvPr>
@@ -9180,7 +9193,7 @@
           <a:p>
             <a:fld id="{DAFA5E08-56C4-4D00-93E8-8E8047A8DE89}" type="datetime1">
               <a:rPr lang="de-DE" smtClean="0"/>
-              <a:t>22.02.2022</a:t>
+              <a:t>23.02.2022</a:t>
             </a:fld>
             <a:endParaRPr lang="de-DE"/>
           </a:p>
@@ -9191,7 +9204,7 @@
           <p:cNvPr id="5" name="Fußzeilenplatzhalter 4">
             <a:extLst>
               <a:ext uri="{FF2B5EF4-FFF2-40B4-BE49-F238E27FC236}">
-                <a16:creationId xmlns:a16="http://schemas.microsoft.com/office/drawing/2014/main" id="{731475E5-55C7-4800-A9D7-D8CB8F33E0B7}"/>
+                <a16:creationId xmlns:a16="http://schemas.microsoft.com/office/drawing/2014/main" xmlns="" id="{731475E5-55C7-4800-A9D7-D8CB8F33E0B7}"/>
               </a:ext>
             </a:extLst>
           </p:cNvPr>
@@ -9219,7 +9232,7 @@
           <p:cNvPr id="6" name="Foliennummernplatzhalter 5">
             <a:extLst>
               <a:ext uri="{FF2B5EF4-FFF2-40B4-BE49-F238E27FC236}">
-                <a16:creationId xmlns:a16="http://schemas.microsoft.com/office/drawing/2014/main" id="{6F7857CC-FA44-4105-9302-08B032DC721F}"/>
+                <a16:creationId xmlns:a16="http://schemas.microsoft.com/office/drawing/2014/main" xmlns="" id="{6F7857CC-FA44-4105-9302-08B032DC721F}"/>
               </a:ext>
             </a:extLst>
           </p:cNvPr>
@@ -9248,7 +9261,7 @@
           <p:cNvPr id="8" name="Grafik 7">
             <a:extLst>
               <a:ext uri="{FF2B5EF4-FFF2-40B4-BE49-F238E27FC236}">
-                <a16:creationId xmlns:a16="http://schemas.microsoft.com/office/drawing/2014/main" id="{4F7925CA-1F7A-44C8-AF59-2D647C9A032F}"/>
+                <a16:creationId xmlns:a16="http://schemas.microsoft.com/office/drawing/2014/main" xmlns="" id="{4F7925CA-1F7A-44C8-AF59-2D647C9A032F}"/>
               </a:ext>
             </a:extLst>
           </p:cNvPr>
@@ -9278,7 +9291,7 @@
           <p:cNvPr id="9" name="Rechteck 8">
             <a:extLst>
               <a:ext uri="{FF2B5EF4-FFF2-40B4-BE49-F238E27FC236}">
-                <a16:creationId xmlns:a16="http://schemas.microsoft.com/office/drawing/2014/main" id="{BFFD02EA-5BBD-47A8-A0E5-6BC08B796483}"/>
+                <a16:creationId xmlns:a16="http://schemas.microsoft.com/office/drawing/2014/main" xmlns="" id="{BFFD02EA-5BBD-47A8-A0E5-6BC08B796483}"/>
               </a:ext>
             </a:extLst>
           </p:cNvPr>
@@ -9360,7 +9373,7 @@
           <p:cNvPr id="2" name="Titel 1">
             <a:extLst>
               <a:ext uri="{FF2B5EF4-FFF2-40B4-BE49-F238E27FC236}">
-                <a16:creationId xmlns:a16="http://schemas.microsoft.com/office/drawing/2014/main" id="{16ADB3E7-94B3-4ED3-A487-FD153446E9F0}"/>
+                <a16:creationId xmlns:a16="http://schemas.microsoft.com/office/drawing/2014/main" xmlns="" id="{16ADB3E7-94B3-4ED3-A487-FD153446E9F0}"/>
               </a:ext>
             </a:extLst>
           </p:cNvPr>
@@ -9388,7 +9401,7 @@
           <p:cNvPr id="3" name="Inhaltsplatzhalter 2">
             <a:extLst>
               <a:ext uri="{FF2B5EF4-FFF2-40B4-BE49-F238E27FC236}">
-                <a16:creationId xmlns:a16="http://schemas.microsoft.com/office/drawing/2014/main" id="{5DD76D7B-024D-4FFF-A509-6BF0CA8FED35}"/>
+                <a16:creationId xmlns:a16="http://schemas.microsoft.com/office/drawing/2014/main" xmlns="" id="{5DD76D7B-024D-4FFF-A509-6BF0CA8FED35}"/>
               </a:ext>
             </a:extLst>
           </p:cNvPr>
@@ -9416,7 +9429,7 @@
           <p:cNvPr id="4" name="Datumsplatzhalter 3">
             <a:extLst>
               <a:ext uri="{FF2B5EF4-FFF2-40B4-BE49-F238E27FC236}">
-                <a16:creationId xmlns:a16="http://schemas.microsoft.com/office/drawing/2014/main" id="{002941F6-2D27-433E-B664-5803BC7F9910}"/>
+                <a16:creationId xmlns:a16="http://schemas.microsoft.com/office/drawing/2014/main" xmlns="" id="{002941F6-2D27-433E-B664-5803BC7F9910}"/>
               </a:ext>
             </a:extLst>
           </p:cNvPr>
@@ -9434,7 +9447,7 @@
           <a:p>
             <a:fld id="{DAFA5E08-56C4-4D00-93E8-8E8047A8DE89}" type="datetime1">
               <a:rPr lang="de-DE" smtClean="0"/>
-              <a:t>22.02.2022</a:t>
+              <a:t>23.02.2022</a:t>
             </a:fld>
             <a:endParaRPr lang="de-DE"/>
           </a:p>
@@ -9445,7 +9458,7 @@
           <p:cNvPr id="5" name="Fußzeilenplatzhalter 4">
             <a:extLst>
               <a:ext uri="{FF2B5EF4-FFF2-40B4-BE49-F238E27FC236}">
-                <a16:creationId xmlns:a16="http://schemas.microsoft.com/office/drawing/2014/main" id="{731475E5-55C7-4800-A9D7-D8CB8F33E0B7}"/>
+                <a16:creationId xmlns:a16="http://schemas.microsoft.com/office/drawing/2014/main" xmlns="" id="{731475E5-55C7-4800-A9D7-D8CB8F33E0B7}"/>
               </a:ext>
             </a:extLst>
           </p:cNvPr>
@@ -9473,7 +9486,7 @@
           <p:cNvPr id="6" name="Foliennummernplatzhalter 5">
             <a:extLst>
               <a:ext uri="{FF2B5EF4-FFF2-40B4-BE49-F238E27FC236}">
-                <a16:creationId xmlns:a16="http://schemas.microsoft.com/office/drawing/2014/main" id="{6F7857CC-FA44-4105-9302-08B032DC721F}"/>
+                <a16:creationId xmlns:a16="http://schemas.microsoft.com/office/drawing/2014/main" xmlns="" id="{6F7857CC-FA44-4105-9302-08B032DC721F}"/>
               </a:ext>
             </a:extLst>
           </p:cNvPr>
@@ -9502,7 +9515,7 @@
           <p:cNvPr id="9" name="Grafik 8">
             <a:extLst>
               <a:ext uri="{FF2B5EF4-FFF2-40B4-BE49-F238E27FC236}">
-                <a16:creationId xmlns:a16="http://schemas.microsoft.com/office/drawing/2014/main" id="{1D881B3F-B05D-4FAC-A0E8-A96E1E8FB9C0}"/>
+                <a16:creationId xmlns:a16="http://schemas.microsoft.com/office/drawing/2014/main" xmlns="" id="{1D881B3F-B05D-4FAC-A0E8-A96E1E8FB9C0}"/>
               </a:ext>
             </a:extLst>
           </p:cNvPr>
@@ -9532,7 +9545,7 @@
           <p:cNvPr id="10" name="Rechteck 9">
             <a:extLst>
               <a:ext uri="{FF2B5EF4-FFF2-40B4-BE49-F238E27FC236}">
-                <a16:creationId xmlns:a16="http://schemas.microsoft.com/office/drawing/2014/main" id="{018F6639-6E53-46A3-80EB-978EF3AD143F}"/>
+                <a16:creationId xmlns:a16="http://schemas.microsoft.com/office/drawing/2014/main" xmlns="" id="{018F6639-6E53-46A3-80EB-978EF3AD143F}"/>
               </a:ext>
             </a:extLst>
           </p:cNvPr>
@@ -9614,7 +9627,7 @@
           <p:cNvPr id="2" name="Titel 1">
             <a:extLst>
               <a:ext uri="{FF2B5EF4-FFF2-40B4-BE49-F238E27FC236}">
-                <a16:creationId xmlns:a16="http://schemas.microsoft.com/office/drawing/2014/main" id="{A56A3C71-0828-4A7E-9681-AA40B4DE0D4A}"/>
+                <a16:creationId xmlns:a16="http://schemas.microsoft.com/office/drawing/2014/main" xmlns="" id="{A56A3C71-0828-4A7E-9681-AA40B4DE0D4A}"/>
               </a:ext>
             </a:extLst>
           </p:cNvPr>
@@ -9642,7 +9655,7 @@
           <p:cNvPr id="3" name="Inhaltsplatzhalter 2">
             <a:extLst>
               <a:ext uri="{FF2B5EF4-FFF2-40B4-BE49-F238E27FC236}">
-                <a16:creationId xmlns:a16="http://schemas.microsoft.com/office/drawing/2014/main" id="{80846B57-57A1-47DF-BEC3-3173BA4DA1B9}"/>
+                <a16:creationId xmlns:a16="http://schemas.microsoft.com/office/drawing/2014/main" xmlns="" id="{80846B57-57A1-47DF-BEC3-3173BA4DA1B9}"/>
               </a:ext>
             </a:extLst>
           </p:cNvPr>
@@ -9690,7 +9703,7 @@
           <p:cNvPr id="4" name="Datumsplatzhalter 3">
             <a:extLst>
               <a:ext uri="{FF2B5EF4-FFF2-40B4-BE49-F238E27FC236}">
-                <a16:creationId xmlns:a16="http://schemas.microsoft.com/office/drawing/2014/main" id="{9340631C-2B07-4CB2-98CE-46376800EBCA}"/>
+                <a16:creationId xmlns:a16="http://schemas.microsoft.com/office/drawing/2014/main" xmlns="" id="{9340631C-2B07-4CB2-98CE-46376800EBCA}"/>
               </a:ext>
             </a:extLst>
           </p:cNvPr>
@@ -9708,7 +9721,7 @@
           <a:p>
             <a:fld id="{DAFA5E08-56C4-4D00-93E8-8E8047A8DE89}" type="datetime1">
               <a:rPr lang="de-DE" smtClean="0"/>
-              <a:t>22.02.2022</a:t>
+              <a:t>23.02.2022</a:t>
             </a:fld>
             <a:endParaRPr lang="de-DE"/>
           </a:p>
@@ -9719,7 +9732,7 @@
           <p:cNvPr id="5" name="Fußzeilenplatzhalter 4">
             <a:extLst>
               <a:ext uri="{FF2B5EF4-FFF2-40B4-BE49-F238E27FC236}">
-                <a16:creationId xmlns:a16="http://schemas.microsoft.com/office/drawing/2014/main" id="{6DF0D719-C859-45FA-95C0-6B1301316FB5}"/>
+                <a16:creationId xmlns:a16="http://schemas.microsoft.com/office/drawing/2014/main" xmlns="" id="{6DF0D719-C859-45FA-95C0-6B1301316FB5}"/>
               </a:ext>
             </a:extLst>
           </p:cNvPr>
@@ -9747,7 +9760,7 @@
           <p:cNvPr id="6" name="Foliennummernplatzhalter 5">
             <a:extLst>
               <a:ext uri="{FF2B5EF4-FFF2-40B4-BE49-F238E27FC236}">
-                <a16:creationId xmlns:a16="http://schemas.microsoft.com/office/drawing/2014/main" id="{AFD47342-FAA9-407A-96CA-81E8AF6D3E28}"/>
+                <a16:creationId xmlns:a16="http://schemas.microsoft.com/office/drawing/2014/main" xmlns="" id="{AFD47342-FAA9-407A-96CA-81E8AF6D3E28}"/>
               </a:ext>
             </a:extLst>
           </p:cNvPr>
@@ -9776,7 +9789,7 @@
           <p:cNvPr id="8" name="Grafik 7">
             <a:extLst>
               <a:ext uri="{FF2B5EF4-FFF2-40B4-BE49-F238E27FC236}">
-                <a16:creationId xmlns:a16="http://schemas.microsoft.com/office/drawing/2014/main" id="{7A29DAF5-1648-4DFC-A35B-C4AB6DC03041}"/>
+                <a16:creationId xmlns:a16="http://schemas.microsoft.com/office/drawing/2014/main" xmlns="" id="{7A29DAF5-1648-4DFC-A35B-C4AB6DC03041}"/>
               </a:ext>
             </a:extLst>
           </p:cNvPr>
@@ -9806,7 +9819,7 @@
           <p:cNvPr id="9" name="Rechteck 8">
             <a:extLst>
               <a:ext uri="{FF2B5EF4-FFF2-40B4-BE49-F238E27FC236}">
-                <a16:creationId xmlns:a16="http://schemas.microsoft.com/office/drawing/2014/main" id="{3EDBF443-9BB4-446D-BAA5-42EF2A49600C}"/>
+                <a16:creationId xmlns:a16="http://schemas.microsoft.com/office/drawing/2014/main" xmlns="" id="{3EDBF443-9BB4-446D-BAA5-42EF2A49600C}"/>
               </a:ext>
             </a:extLst>
           </p:cNvPr>
@@ -9888,7 +9901,7 @@
           <p:cNvPr id="2" name="Titel 1">
             <a:extLst>
               <a:ext uri="{FF2B5EF4-FFF2-40B4-BE49-F238E27FC236}">
-                <a16:creationId xmlns:a16="http://schemas.microsoft.com/office/drawing/2014/main" id="{79150114-E9DD-442F-A61E-F1D745879F88}"/>
+                <a16:creationId xmlns:a16="http://schemas.microsoft.com/office/drawing/2014/main" xmlns="" id="{79150114-E9DD-442F-A61E-F1D745879F88}"/>
               </a:ext>
             </a:extLst>
           </p:cNvPr>
@@ -9916,7 +9929,7 @@
           <p:cNvPr id="3" name="Inhaltsplatzhalter 2">
             <a:extLst>
               <a:ext uri="{FF2B5EF4-FFF2-40B4-BE49-F238E27FC236}">
-                <a16:creationId xmlns:a16="http://schemas.microsoft.com/office/drawing/2014/main" id="{7080547F-B3A2-469B-9BC4-661C38739F69}"/>
+                <a16:creationId xmlns:a16="http://schemas.microsoft.com/office/drawing/2014/main" xmlns="" id="{7080547F-B3A2-469B-9BC4-661C38739F69}"/>
               </a:ext>
             </a:extLst>
           </p:cNvPr>
@@ -9944,7 +9957,7 @@
           <p:cNvPr id="4" name="Datumsplatzhalter 3">
             <a:extLst>
               <a:ext uri="{FF2B5EF4-FFF2-40B4-BE49-F238E27FC236}">
-                <a16:creationId xmlns:a16="http://schemas.microsoft.com/office/drawing/2014/main" id="{5DCC446B-C35F-45FA-9D08-6331931EF4A1}"/>
+                <a16:creationId xmlns:a16="http://schemas.microsoft.com/office/drawing/2014/main" xmlns="" id="{5DCC446B-C35F-45FA-9D08-6331931EF4A1}"/>
               </a:ext>
             </a:extLst>
           </p:cNvPr>
@@ -9962,7 +9975,7 @@
           <a:p>
             <a:fld id="{DAFA5E08-56C4-4D00-93E8-8E8047A8DE89}" type="datetime1">
               <a:rPr lang="de-DE" smtClean="0"/>
-              <a:t>22.02.2022</a:t>
+              <a:t>23.02.2022</a:t>
             </a:fld>
             <a:endParaRPr lang="de-DE"/>
           </a:p>
@@ -9973,7 +9986,7 @@
           <p:cNvPr id="5" name="Fußzeilenplatzhalter 4">
             <a:extLst>
               <a:ext uri="{FF2B5EF4-FFF2-40B4-BE49-F238E27FC236}">
-                <a16:creationId xmlns:a16="http://schemas.microsoft.com/office/drawing/2014/main" id="{543325A1-B617-48B2-9C83-2F6158DA302E}"/>
+                <a16:creationId xmlns:a16="http://schemas.microsoft.com/office/drawing/2014/main" xmlns="" id="{543325A1-B617-48B2-9C83-2F6158DA302E}"/>
               </a:ext>
             </a:extLst>
           </p:cNvPr>
@@ -10001,7 +10014,7 @@
           <p:cNvPr id="6" name="Foliennummernplatzhalter 5">
             <a:extLst>
               <a:ext uri="{FF2B5EF4-FFF2-40B4-BE49-F238E27FC236}">
-                <a16:creationId xmlns:a16="http://schemas.microsoft.com/office/drawing/2014/main" id="{F505E8DE-AE66-4A85-B04B-3ECCFEA67047}"/>
+                <a16:creationId xmlns:a16="http://schemas.microsoft.com/office/drawing/2014/main" xmlns="" id="{F505E8DE-AE66-4A85-B04B-3ECCFEA67047}"/>
               </a:ext>
             </a:extLst>
           </p:cNvPr>
@@ -10030,7 +10043,7 @@
           <p:cNvPr id="8" name="Grafik 7">
             <a:extLst>
               <a:ext uri="{FF2B5EF4-FFF2-40B4-BE49-F238E27FC236}">
-                <a16:creationId xmlns:a16="http://schemas.microsoft.com/office/drawing/2014/main" id="{E7B20B1B-8416-4246-B382-997731B1F889}"/>
+                <a16:creationId xmlns:a16="http://schemas.microsoft.com/office/drawing/2014/main" xmlns="" id="{E7B20B1B-8416-4246-B382-997731B1F889}"/>
               </a:ext>
             </a:extLst>
           </p:cNvPr>
@@ -10060,7 +10073,7 @@
           <p:cNvPr id="9" name="Rechteck 8">
             <a:extLst>
               <a:ext uri="{FF2B5EF4-FFF2-40B4-BE49-F238E27FC236}">
-                <a16:creationId xmlns:a16="http://schemas.microsoft.com/office/drawing/2014/main" id="{3C33EB5A-B4EC-4FE4-93B2-2C679B4C25B9}"/>
+                <a16:creationId xmlns:a16="http://schemas.microsoft.com/office/drawing/2014/main" xmlns="" id="{3C33EB5A-B4EC-4FE4-93B2-2C679B4C25B9}"/>
               </a:ext>
             </a:extLst>
           </p:cNvPr>
@@ -10142,7 +10155,7 @@
           <p:cNvPr id="2" name="Titel 1">
             <a:extLst>
               <a:ext uri="{FF2B5EF4-FFF2-40B4-BE49-F238E27FC236}">
-                <a16:creationId xmlns:a16="http://schemas.microsoft.com/office/drawing/2014/main" id="{42561026-7C68-45A4-B2B4-88C432BB99DC}"/>
+                <a16:creationId xmlns:a16="http://schemas.microsoft.com/office/drawing/2014/main" xmlns="" id="{42561026-7C68-45A4-B2B4-88C432BB99DC}"/>
               </a:ext>
             </a:extLst>
           </p:cNvPr>
@@ -10170,7 +10183,7 @@
           <p:cNvPr id="3" name="Inhaltsplatzhalter 2">
             <a:extLst>
               <a:ext uri="{FF2B5EF4-FFF2-40B4-BE49-F238E27FC236}">
-                <a16:creationId xmlns:a16="http://schemas.microsoft.com/office/drawing/2014/main" id="{3342CCCA-2B6F-4937-8EDA-9DDBA156A051}"/>
+                <a16:creationId xmlns:a16="http://schemas.microsoft.com/office/drawing/2014/main" xmlns="" id="{3342CCCA-2B6F-4937-8EDA-9DDBA156A051}"/>
               </a:ext>
             </a:extLst>
           </p:cNvPr>
@@ -10207,7 +10220,7 @@
           <p:cNvPr id="4" name="Datumsplatzhalter 3">
             <a:extLst>
               <a:ext uri="{FF2B5EF4-FFF2-40B4-BE49-F238E27FC236}">
-                <a16:creationId xmlns:a16="http://schemas.microsoft.com/office/drawing/2014/main" id="{9EEEEDE6-A5FD-488A-AEFF-DFFB6DCFD442}"/>
+                <a16:creationId xmlns:a16="http://schemas.microsoft.com/office/drawing/2014/main" xmlns="" id="{9EEEEDE6-A5FD-488A-AEFF-DFFB6DCFD442}"/>
               </a:ext>
             </a:extLst>
           </p:cNvPr>
@@ -10225,7 +10238,7 @@
           <a:p>
             <a:fld id="{DAFA5E08-56C4-4D00-93E8-8E8047A8DE89}" type="datetime1">
               <a:rPr lang="de-DE" smtClean="0"/>
-              <a:t>22.02.2022</a:t>
+              <a:t>23.02.2022</a:t>
             </a:fld>
             <a:endParaRPr lang="de-DE"/>
           </a:p>
@@ -10236,7 +10249,7 @@
           <p:cNvPr id="5" name="Fußzeilenplatzhalter 4">
             <a:extLst>
               <a:ext uri="{FF2B5EF4-FFF2-40B4-BE49-F238E27FC236}">
-                <a16:creationId xmlns:a16="http://schemas.microsoft.com/office/drawing/2014/main" id="{627E02DF-0CF8-418F-B814-4BC971F2E384}"/>
+                <a16:creationId xmlns:a16="http://schemas.microsoft.com/office/drawing/2014/main" xmlns="" id="{627E02DF-0CF8-418F-B814-4BC971F2E384}"/>
               </a:ext>
             </a:extLst>
           </p:cNvPr>
@@ -10264,7 +10277,7 @@
           <p:cNvPr id="6" name="Foliennummernplatzhalter 5">
             <a:extLst>
               <a:ext uri="{FF2B5EF4-FFF2-40B4-BE49-F238E27FC236}">
-                <a16:creationId xmlns:a16="http://schemas.microsoft.com/office/drawing/2014/main" id="{BEF701DF-1C9F-4C2E-BE45-2674DAD9184C}"/>
+                <a16:creationId xmlns:a16="http://schemas.microsoft.com/office/drawing/2014/main" xmlns="" id="{BEF701DF-1C9F-4C2E-BE45-2674DAD9184C}"/>
               </a:ext>
             </a:extLst>
           </p:cNvPr>
@@ -10293,7 +10306,7 @@
           <p:cNvPr id="8" name="Grafik 7">
             <a:extLst>
               <a:ext uri="{FF2B5EF4-FFF2-40B4-BE49-F238E27FC236}">
-                <a16:creationId xmlns:a16="http://schemas.microsoft.com/office/drawing/2014/main" id="{42AE6410-9A3F-4D1E-8310-CE84E09E1716}"/>
+                <a16:creationId xmlns:a16="http://schemas.microsoft.com/office/drawing/2014/main" xmlns="" id="{42AE6410-9A3F-4D1E-8310-CE84E09E1716}"/>
               </a:ext>
             </a:extLst>
           </p:cNvPr>
@@ -10456,7 +10469,7 @@
           <a:p>
             <a:fld id="{6228E3B4-E3B1-4C82-9E48-25368E581931}" type="datetime1">
               <a:rPr lang="de-DE" smtClean="0"/>
-              <a:t>22.02.2022</a:t>
+              <a:t>23.02.2022</a:t>
             </a:fld>
             <a:endParaRPr lang="de-DE"/>
           </a:p>
@@ -10521,6 +10534,320 @@
 </file>
 
 <file path=ppt/slides/slide20.xml><?xml version="1.0" encoding="utf-8"?>
+<p:sld xmlns:a="http://schemas.openxmlformats.org/drawingml/2006/main" xmlns:r="http://schemas.openxmlformats.org/officeDocument/2006/relationships" xmlns:p="http://schemas.openxmlformats.org/presentationml/2006/main" show="0">
+  <p:cSld>
+    <p:spTree>
+      <p:nvGrpSpPr>
+        <p:cNvPr id="1" name=""/>
+        <p:cNvGrpSpPr/>
+        <p:nvPr/>
+      </p:nvGrpSpPr>
+      <p:grpSpPr>
+        <a:xfrm>
+          <a:off x="0" y="0"/>
+          <a:ext cx="0" cy="0"/>
+          <a:chOff x="0" y="0"/>
+          <a:chExt cx="0" cy="0"/>
+        </a:xfrm>
+      </p:grpSpPr>
+      <p:sp>
+        <p:nvSpPr>
+          <p:cNvPr id="2" name="Titel 1">
+            <a:extLst>
+              <a:ext uri="{FF2B5EF4-FFF2-40B4-BE49-F238E27FC236}">
+                <a16:creationId xmlns:a16="http://schemas.microsoft.com/office/drawing/2014/main" xmlns="" id="{2995BBF9-2E90-41B2-89DF-D7D3DCD6AEDD}"/>
+              </a:ext>
+            </a:extLst>
+          </p:cNvPr>
+          <p:cNvSpPr>
+            <a:spLocks noGrp="1"/>
+          </p:cNvSpPr>
+          <p:nvPr>
+            <p:ph type="title"/>
+          </p:nvPr>
+        </p:nvSpPr>
+        <p:spPr/>
+        <p:txBody>
+          <a:bodyPr/>
+          <a:lstStyle/>
+          <a:p>
+            <a:r>
+              <a:rPr lang="de-DE" dirty="0"/>
+              <a:t>Android Studio mit dem SDK verbinden</a:t>
+            </a:r>
+          </a:p>
+        </p:txBody>
+      </p:sp>
+      <p:sp>
+        <p:nvSpPr>
+          <p:cNvPr id="3" name="Inhaltsplatzhalter 2">
+            <a:extLst>
+              <a:ext uri="{FF2B5EF4-FFF2-40B4-BE49-F238E27FC236}">
+                <a16:creationId xmlns:a16="http://schemas.microsoft.com/office/drawing/2014/main" xmlns="" id="{870713BC-02A4-414C-B292-8C51DE3E10C6}"/>
+              </a:ext>
+            </a:extLst>
+          </p:cNvPr>
+          <p:cNvSpPr>
+            <a:spLocks noGrp="1"/>
+          </p:cNvSpPr>
+          <p:nvPr>
+            <p:ph idx="1"/>
+          </p:nvPr>
+        </p:nvSpPr>
+        <p:spPr/>
+        <p:txBody>
+          <a:bodyPr/>
+          <a:lstStyle/>
+          <a:p>
+            <a:r>
+              <a:rPr lang="de-DE" dirty="0"/>
+              <a:t>Lizenz akzeptieren</a:t>
+            </a:r>
+          </a:p>
+        </p:txBody>
+      </p:sp>
+      <p:sp>
+        <p:nvSpPr>
+          <p:cNvPr id="4" name="Datumsplatzhalter 3">
+            <a:extLst>
+              <a:ext uri="{FF2B5EF4-FFF2-40B4-BE49-F238E27FC236}">
+                <a16:creationId xmlns:a16="http://schemas.microsoft.com/office/drawing/2014/main" xmlns="" id="{9E18C798-9B6D-474E-8F0C-E831E129FC08}"/>
+              </a:ext>
+            </a:extLst>
+          </p:cNvPr>
+          <p:cNvSpPr>
+            <a:spLocks noGrp="1"/>
+          </p:cNvSpPr>
+          <p:nvPr>
+            <p:ph type="dt" sz="half" idx="10"/>
+          </p:nvPr>
+        </p:nvSpPr>
+        <p:spPr/>
+        <p:txBody>
+          <a:bodyPr/>
+          <a:lstStyle/>
+          <a:p>
+            <a:fld id="{DAFA5E08-56C4-4D00-93E8-8E8047A8DE89}" type="datetime1">
+              <a:rPr lang="de-DE" smtClean="0"/>
+              <a:t>23.02.2022</a:t>
+            </a:fld>
+            <a:endParaRPr lang="de-DE"/>
+          </a:p>
+        </p:txBody>
+      </p:sp>
+      <p:sp>
+        <p:nvSpPr>
+          <p:cNvPr id="5" name="Fußzeilenplatzhalter 4">
+            <a:extLst>
+              <a:ext uri="{FF2B5EF4-FFF2-40B4-BE49-F238E27FC236}">
+                <a16:creationId xmlns:a16="http://schemas.microsoft.com/office/drawing/2014/main" xmlns="" id="{0EFDF510-D953-4A53-ACF6-E9D6A98E9E8A}"/>
+              </a:ext>
+            </a:extLst>
+          </p:cNvPr>
+          <p:cNvSpPr>
+            <a:spLocks noGrp="1"/>
+          </p:cNvSpPr>
+          <p:nvPr>
+            <p:ph type="ftr" sz="quarter" idx="11"/>
+          </p:nvPr>
+        </p:nvSpPr>
+        <p:spPr/>
+        <p:txBody>
+          <a:bodyPr/>
+          <a:lstStyle/>
+          <a:p>
+            <a:r>
+              <a:rPr lang="de-DE"/>
+              <a:t>Android Studio</a:t>
+            </a:r>
+          </a:p>
+        </p:txBody>
+      </p:sp>
+      <p:sp>
+        <p:nvSpPr>
+          <p:cNvPr id="6" name="Foliennummernplatzhalter 5">
+            <a:extLst>
+              <a:ext uri="{FF2B5EF4-FFF2-40B4-BE49-F238E27FC236}">
+                <a16:creationId xmlns:a16="http://schemas.microsoft.com/office/drawing/2014/main" xmlns="" id="{8A5D8DBC-5EB0-493C-A2DB-54FD7FCBCEDF}"/>
+              </a:ext>
+            </a:extLst>
+          </p:cNvPr>
+          <p:cNvSpPr>
+            <a:spLocks noGrp="1"/>
+          </p:cNvSpPr>
+          <p:nvPr>
+            <p:ph type="sldNum" sz="quarter" idx="12"/>
+          </p:nvPr>
+        </p:nvSpPr>
+        <p:spPr/>
+        <p:txBody>
+          <a:bodyPr/>
+          <a:lstStyle/>
+          <a:p>
+            <a:fld id="{3A1F27E2-D58A-4028-9FF2-B12D897F257E}" type="slidenum">
+              <a:rPr lang="de-DE" smtClean="0"/>
+              <a:t>20</a:t>
+            </a:fld>
+            <a:endParaRPr lang="de-DE"/>
+          </a:p>
+        </p:txBody>
+      </p:sp>
+      <p:pic>
+        <p:nvPicPr>
+          <p:cNvPr id="10" name="Grafik 9">
+            <a:extLst>
+              <a:ext uri="{FF2B5EF4-FFF2-40B4-BE49-F238E27FC236}">
+                <a16:creationId xmlns:a16="http://schemas.microsoft.com/office/drawing/2014/main" xmlns="" id="{E34D7496-0784-4DB1-A3DA-657923709CC5}"/>
+              </a:ext>
+            </a:extLst>
+          </p:cNvPr>
+          <p:cNvPicPr>
+            <a:picLocks noChangeAspect="1"/>
+          </p:cNvPicPr>
+          <p:nvPr/>
+        </p:nvPicPr>
+        <p:blipFill>
+          <a:blip r:embed="rId2"/>
+          <a:stretch>
+            <a:fillRect/>
+          </a:stretch>
+        </p:blipFill>
+        <p:spPr>
+          <a:xfrm>
+            <a:off x="838200" y="2154203"/>
+            <a:ext cx="7527793" cy="4011647"/>
+          </a:xfrm>
+          <a:prstGeom prst="rect">
+            <a:avLst/>
+          </a:prstGeom>
+        </p:spPr>
+      </p:pic>
+      <p:sp>
+        <p:nvSpPr>
+          <p:cNvPr id="11" name="Rechteck 10">
+            <a:extLst>
+              <a:ext uri="{FF2B5EF4-FFF2-40B4-BE49-F238E27FC236}">
+                <a16:creationId xmlns:a16="http://schemas.microsoft.com/office/drawing/2014/main" xmlns="" id="{D70E282D-509E-48A1-B387-2316D96FED6E}"/>
+              </a:ext>
+            </a:extLst>
+          </p:cNvPr>
+          <p:cNvSpPr/>
+          <p:nvPr/>
+        </p:nvSpPr>
+        <p:spPr>
+          <a:xfrm>
+            <a:off x="4516916" y="5118711"/>
+            <a:ext cx="782197" cy="436928"/>
+          </a:xfrm>
+          <a:prstGeom prst="rect">
+            <a:avLst/>
+          </a:prstGeom>
+          <a:noFill/>
+          <a:ln w="28575">
+            <a:solidFill>
+              <a:schemeClr val="accent1"/>
+            </a:solidFill>
+          </a:ln>
+        </p:spPr>
+        <p:style>
+          <a:lnRef idx="2">
+            <a:schemeClr val="accent1">
+              <a:shade val="50000"/>
+            </a:schemeClr>
+          </a:lnRef>
+          <a:fillRef idx="1">
+            <a:schemeClr val="accent1"/>
+          </a:fillRef>
+          <a:effectRef idx="0">
+            <a:schemeClr val="accent1"/>
+          </a:effectRef>
+          <a:fontRef idx="minor">
+            <a:schemeClr val="lt1"/>
+          </a:fontRef>
+        </p:style>
+        <p:txBody>
+          <a:bodyPr rtlCol="0" anchor="ctr"/>
+          <a:lstStyle/>
+          <a:p>
+            <a:pPr algn="ctr"/>
+            <a:endParaRPr lang="de-DE"/>
+          </a:p>
+        </p:txBody>
+      </p:sp>
+      <p:sp>
+        <p:nvSpPr>
+          <p:cNvPr id="12" name="Rechteck 11">
+            <a:extLst>
+              <a:ext uri="{FF2B5EF4-FFF2-40B4-BE49-F238E27FC236}">
+                <a16:creationId xmlns:a16="http://schemas.microsoft.com/office/drawing/2014/main" xmlns="" id="{B32C574A-D6EC-4E57-BEB6-F9FD3748A9BF}"/>
+              </a:ext>
+            </a:extLst>
+          </p:cNvPr>
+          <p:cNvSpPr/>
+          <p:nvPr/>
+        </p:nvSpPr>
+        <p:spPr>
+          <a:xfrm>
+            <a:off x="5860149" y="5728922"/>
+            <a:ext cx="816073" cy="436928"/>
+          </a:xfrm>
+          <a:prstGeom prst="rect">
+            <a:avLst/>
+          </a:prstGeom>
+          <a:noFill/>
+          <a:ln w="28575">
+            <a:solidFill>
+              <a:schemeClr val="accent1"/>
+            </a:solidFill>
+          </a:ln>
+        </p:spPr>
+        <p:style>
+          <a:lnRef idx="2">
+            <a:schemeClr val="accent1">
+              <a:shade val="50000"/>
+            </a:schemeClr>
+          </a:lnRef>
+          <a:fillRef idx="1">
+            <a:schemeClr val="accent1"/>
+          </a:fillRef>
+          <a:effectRef idx="0">
+            <a:schemeClr val="accent1"/>
+          </a:effectRef>
+          <a:fontRef idx="minor">
+            <a:schemeClr val="lt1"/>
+          </a:fontRef>
+        </p:style>
+        <p:txBody>
+          <a:bodyPr rtlCol="0" anchor="ctr"/>
+          <a:lstStyle/>
+          <a:p>
+            <a:pPr algn="ctr"/>
+            <a:endParaRPr lang="de-DE"/>
+          </a:p>
+        </p:txBody>
+      </p:sp>
+    </p:spTree>
+    <p:extLst>
+      <p:ext uri="{BB962C8B-B14F-4D97-AF65-F5344CB8AC3E}">
+        <p14:creationId xmlns:p14="http://schemas.microsoft.com/office/powerpoint/2010/main" val="223758621"/>
+      </p:ext>
+    </p:extLst>
+  </p:cSld>
+  <p:clrMapOvr>
+    <a:masterClrMapping/>
+  </p:clrMapOvr>
+  <mc:AlternateContent xmlns:mc="http://schemas.openxmlformats.org/markup-compatibility/2006">
+    <mc:Choice xmlns:p14="http://schemas.microsoft.com/office/powerpoint/2010/main" Requires="p14">
+      <p:transition spd="slow" p14:dur="2000"/>
+    </mc:Choice>
+    <mc:Fallback>
+      <p:transition spd="slow"/>
+    </mc:Fallback>
+  </mc:AlternateContent>
+</p:sld>
+</file>
+
+<file path=ppt/slides/slide21.xml><?xml version="1.0" encoding="utf-8"?>
 <p:sld xmlns:a="http://schemas.openxmlformats.org/drawingml/2006/main" xmlns:r="http://schemas.openxmlformats.org/officeDocument/2006/relationships" xmlns:p="http://schemas.openxmlformats.org/presentationml/2006/main">
   <p:cSld>
     <p:spTree>
@@ -10542,7 +10869,7 @@
           <p:cNvPr id="2" name="Titel 1">
             <a:extLst>
               <a:ext uri="{FF2B5EF4-FFF2-40B4-BE49-F238E27FC236}">
-                <a16:creationId xmlns:a16="http://schemas.microsoft.com/office/drawing/2014/main" id="{C982FEC1-5F3B-4EFA-8BAE-638A7105ACF8}"/>
+                <a16:creationId xmlns:a16="http://schemas.microsoft.com/office/drawing/2014/main" xmlns="" id="{C982FEC1-5F3B-4EFA-8BAE-638A7105ACF8}"/>
               </a:ext>
             </a:extLst>
           </p:cNvPr>
@@ -10570,7 +10897,7 @@
           <p:cNvPr id="3" name="Inhaltsplatzhalter 2">
             <a:extLst>
               <a:ext uri="{FF2B5EF4-FFF2-40B4-BE49-F238E27FC236}">
-                <a16:creationId xmlns:a16="http://schemas.microsoft.com/office/drawing/2014/main" id="{A3346B7D-DD71-42F0-92D3-3384A15DDA2C}"/>
+                <a16:creationId xmlns:a16="http://schemas.microsoft.com/office/drawing/2014/main" xmlns="" id="{A3346B7D-DD71-42F0-92D3-3384A15DDA2C}"/>
               </a:ext>
             </a:extLst>
           </p:cNvPr>
@@ -10613,7 +10940,7 @@
           <p:cNvPr id="4" name="Datumsplatzhalter 3">
             <a:extLst>
               <a:ext uri="{FF2B5EF4-FFF2-40B4-BE49-F238E27FC236}">
-                <a16:creationId xmlns:a16="http://schemas.microsoft.com/office/drawing/2014/main" id="{38D25B03-E426-4953-9A06-19BAD747F663}"/>
+                <a16:creationId xmlns:a16="http://schemas.microsoft.com/office/drawing/2014/main" xmlns="" id="{38D25B03-E426-4953-9A06-19BAD747F663}"/>
               </a:ext>
             </a:extLst>
           </p:cNvPr>
@@ -10631,7 +10958,7 @@
           <a:p>
             <a:fld id="{DAFA5E08-56C4-4D00-93E8-8E8047A8DE89}" type="datetime1">
               <a:rPr lang="de-DE" smtClean="0"/>
-              <a:t>22.02.2022</a:t>
+              <a:t>23.02.2022</a:t>
             </a:fld>
             <a:endParaRPr lang="de-DE"/>
           </a:p>
@@ -10642,7 +10969,7 @@
           <p:cNvPr id="5" name="Fußzeilenplatzhalter 4">
             <a:extLst>
               <a:ext uri="{FF2B5EF4-FFF2-40B4-BE49-F238E27FC236}">
-                <a16:creationId xmlns:a16="http://schemas.microsoft.com/office/drawing/2014/main" id="{0B6FB483-1DB2-47F9-9399-CC7161D56AE3}"/>
+                <a16:creationId xmlns:a16="http://schemas.microsoft.com/office/drawing/2014/main" xmlns="" id="{0B6FB483-1DB2-47F9-9399-CC7161D56AE3}"/>
               </a:ext>
             </a:extLst>
           </p:cNvPr>
@@ -10670,7 +10997,7 @@
           <p:cNvPr id="6" name="Foliennummernplatzhalter 5">
             <a:extLst>
               <a:ext uri="{FF2B5EF4-FFF2-40B4-BE49-F238E27FC236}">
-                <a16:creationId xmlns:a16="http://schemas.microsoft.com/office/drawing/2014/main" id="{409B12C0-7E5B-4296-BB6D-30403E0AAB32}"/>
+                <a16:creationId xmlns:a16="http://schemas.microsoft.com/office/drawing/2014/main" xmlns="" id="{409B12C0-7E5B-4296-BB6D-30403E0AAB32}"/>
               </a:ext>
             </a:extLst>
           </p:cNvPr>
@@ -10688,7 +11015,7 @@
           <a:p>
             <a:fld id="{3A1F27E2-D58A-4028-9FF2-B12D897F257E}" type="slidenum">
               <a:rPr lang="de-DE" smtClean="0"/>
-              <a:t>20</a:t>
+              <a:t>21</a:t>
             </a:fld>
             <a:endParaRPr lang="de-DE"/>
           </a:p>
@@ -10699,7 +11026,7 @@
           <p:cNvPr id="8" name="Grafik 7">
             <a:extLst>
               <a:ext uri="{FF2B5EF4-FFF2-40B4-BE49-F238E27FC236}">
-                <a16:creationId xmlns:a16="http://schemas.microsoft.com/office/drawing/2014/main" id="{8D0C7E75-77F5-4DC7-B209-85CFFD046FB5}"/>
+                <a16:creationId xmlns:a16="http://schemas.microsoft.com/office/drawing/2014/main" xmlns="" id="{8D0C7E75-77F5-4DC7-B209-85CFFD046FB5}"/>
               </a:ext>
             </a:extLst>
           </p:cNvPr>
@@ -10729,7 +11056,7 @@
           <p:cNvPr id="9" name="Rechteck 8">
             <a:extLst>
               <a:ext uri="{FF2B5EF4-FFF2-40B4-BE49-F238E27FC236}">
-                <a16:creationId xmlns:a16="http://schemas.microsoft.com/office/drawing/2014/main" id="{C58AB962-47DE-47A1-AAB9-6341F3CC01FE}"/>
+                <a16:creationId xmlns:a16="http://schemas.microsoft.com/office/drawing/2014/main" xmlns="" id="{C58AB962-47DE-47A1-AAB9-6341F3CC01FE}"/>
               </a:ext>
             </a:extLst>
           </p:cNvPr>
@@ -10789,7 +11116,7 @@
 </p:sld>
 </file>
 
-<file path=ppt/slides/slide21.xml><?xml version="1.0" encoding="utf-8"?>
+<file path=ppt/slides/slide22.xml><?xml version="1.0" encoding="utf-8"?>
 <p:sld xmlns:a="http://schemas.openxmlformats.org/drawingml/2006/main" xmlns:r="http://schemas.openxmlformats.org/officeDocument/2006/relationships" xmlns:p="http://schemas.openxmlformats.org/presentationml/2006/main">
   <p:cSld>
     <p:spTree>
@@ -10811,7 +11138,7 @@
           <p:cNvPr id="2" name="Titel 1">
             <a:extLst>
               <a:ext uri="{FF2B5EF4-FFF2-40B4-BE49-F238E27FC236}">
-                <a16:creationId xmlns:a16="http://schemas.microsoft.com/office/drawing/2014/main" id="{874F4253-59F8-4043-B739-6361EFD91581}"/>
+                <a16:creationId xmlns:a16="http://schemas.microsoft.com/office/drawing/2014/main" xmlns="" id="{874F4253-59F8-4043-B739-6361EFD91581}"/>
               </a:ext>
             </a:extLst>
           </p:cNvPr>
@@ -10839,7 +11166,7 @@
           <p:cNvPr id="3" name="Inhaltsplatzhalter 2">
             <a:extLst>
               <a:ext uri="{FF2B5EF4-FFF2-40B4-BE49-F238E27FC236}">
-                <a16:creationId xmlns:a16="http://schemas.microsoft.com/office/drawing/2014/main" id="{06B8EDB9-223A-4FAC-B9B0-9B4BB87210EF}"/>
+                <a16:creationId xmlns:a16="http://schemas.microsoft.com/office/drawing/2014/main" xmlns="" id="{06B8EDB9-223A-4FAC-B9B0-9B4BB87210EF}"/>
               </a:ext>
             </a:extLst>
           </p:cNvPr>
@@ -10875,7 +11202,7 @@
           <p:cNvPr id="4" name="Datumsplatzhalter 3">
             <a:extLst>
               <a:ext uri="{FF2B5EF4-FFF2-40B4-BE49-F238E27FC236}">
-                <a16:creationId xmlns:a16="http://schemas.microsoft.com/office/drawing/2014/main" id="{961CF908-1ECC-4D52-A78D-B751386BA5F2}"/>
+                <a16:creationId xmlns:a16="http://schemas.microsoft.com/office/drawing/2014/main" xmlns="" id="{961CF908-1ECC-4D52-A78D-B751386BA5F2}"/>
               </a:ext>
             </a:extLst>
           </p:cNvPr>
@@ -10893,7 +11220,7 @@
           <a:p>
             <a:fld id="{DAFA5E08-56C4-4D00-93E8-8E8047A8DE89}" type="datetime1">
               <a:rPr lang="de-DE" smtClean="0"/>
-              <a:t>22.02.2022</a:t>
+              <a:t>23.02.2022</a:t>
             </a:fld>
             <a:endParaRPr lang="de-DE"/>
           </a:p>
@@ -10904,7 +11231,7 @@
           <p:cNvPr id="5" name="Fußzeilenplatzhalter 4">
             <a:extLst>
               <a:ext uri="{FF2B5EF4-FFF2-40B4-BE49-F238E27FC236}">
-                <a16:creationId xmlns:a16="http://schemas.microsoft.com/office/drawing/2014/main" id="{BE378895-F615-4AB7-B16B-E17E68B24B2F}"/>
+                <a16:creationId xmlns:a16="http://schemas.microsoft.com/office/drawing/2014/main" xmlns="" id="{BE378895-F615-4AB7-B16B-E17E68B24B2F}"/>
               </a:ext>
             </a:extLst>
           </p:cNvPr>
@@ -10932,7 +11259,7 @@
           <p:cNvPr id="6" name="Foliennummernplatzhalter 5">
             <a:extLst>
               <a:ext uri="{FF2B5EF4-FFF2-40B4-BE49-F238E27FC236}">
-                <a16:creationId xmlns:a16="http://schemas.microsoft.com/office/drawing/2014/main" id="{1DACD878-0D04-4BD0-B50D-A7FCA227E301}"/>
+                <a16:creationId xmlns:a16="http://schemas.microsoft.com/office/drawing/2014/main" xmlns="" id="{1DACD878-0D04-4BD0-B50D-A7FCA227E301}"/>
               </a:ext>
             </a:extLst>
           </p:cNvPr>
@@ -10950,7 +11277,7 @@
           <a:p>
             <a:fld id="{3A1F27E2-D58A-4028-9FF2-B12D897F257E}" type="slidenum">
               <a:rPr lang="de-DE" smtClean="0"/>
-              <a:t>21</a:t>
+              <a:t>22</a:t>
             </a:fld>
             <a:endParaRPr lang="de-DE"/>
           </a:p>
@@ -10961,7 +11288,7 @@
           <p:cNvPr id="8" name="Grafik 7">
             <a:extLst>
               <a:ext uri="{FF2B5EF4-FFF2-40B4-BE49-F238E27FC236}">
-                <a16:creationId xmlns:a16="http://schemas.microsoft.com/office/drawing/2014/main" id="{933D42DE-A371-4D5B-B1E4-4965414287F6}"/>
+                <a16:creationId xmlns:a16="http://schemas.microsoft.com/office/drawing/2014/main" xmlns="" id="{933D42DE-A371-4D5B-B1E4-4965414287F6}"/>
               </a:ext>
             </a:extLst>
           </p:cNvPr>
@@ -10991,7 +11318,7 @@
           <p:cNvPr id="9" name="Rechteck 8">
             <a:extLst>
               <a:ext uri="{FF2B5EF4-FFF2-40B4-BE49-F238E27FC236}">
-                <a16:creationId xmlns:a16="http://schemas.microsoft.com/office/drawing/2014/main" id="{126B7DE4-3ECE-4A57-829E-2FE7111B344D}"/>
+                <a16:creationId xmlns:a16="http://schemas.microsoft.com/office/drawing/2014/main" xmlns="" id="{126B7DE4-3ECE-4A57-829E-2FE7111B344D}"/>
               </a:ext>
             </a:extLst>
           </p:cNvPr>
@@ -11051,7 +11378,7 @@
 </p:sld>
 </file>
 
-<file path=ppt/slides/slide22.xml><?xml version="1.0" encoding="utf-8"?>
+<file path=ppt/slides/slide23.xml><?xml version="1.0" encoding="utf-8"?>
 <p:sld xmlns:a="http://schemas.openxmlformats.org/drawingml/2006/main" xmlns:r="http://schemas.openxmlformats.org/officeDocument/2006/relationships" xmlns:p="http://schemas.openxmlformats.org/presentationml/2006/main">
   <p:cSld>
     <p:spTree>
@@ -11073,7 +11400,7 @@
           <p:cNvPr id="2" name="Titel 1">
             <a:extLst>
               <a:ext uri="{FF2B5EF4-FFF2-40B4-BE49-F238E27FC236}">
-                <a16:creationId xmlns:a16="http://schemas.microsoft.com/office/drawing/2014/main" id="{874F4253-59F8-4043-B739-6361EFD91581}"/>
+                <a16:creationId xmlns:a16="http://schemas.microsoft.com/office/drawing/2014/main" xmlns="" id="{874F4253-59F8-4043-B739-6361EFD91581}"/>
               </a:ext>
             </a:extLst>
           </p:cNvPr>
@@ -11101,7 +11428,7 @@
           <p:cNvPr id="3" name="Inhaltsplatzhalter 2">
             <a:extLst>
               <a:ext uri="{FF2B5EF4-FFF2-40B4-BE49-F238E27FC236}">
-                <a16:creationId xmlns:a16="http://schemas.microsoft.com/office/drawing/2014/main" id="{06B8EDB9-223A-4FAC-B9B0-9B4BB87210EF}"/>
+                <a16:creationId xmlns:a16="http://schemas.microsoft.com/office/drawing/2014/main" xmlns="" id="{06B8EDB9-223A-4FAC-B9B0-9B4BB87210EF}"/>
               </a:ext>
             </a:extLst>
           </p:cNvPr>
@@ -11156,7 +11483,7 @@
           <p:cNvPr id="4" name="Datumsplatzhalter 3">
             <a:extLst>
               <a:ext uri="{FF2B5EF4-FFF2-40B4-BE49-F238E27FC236}">
-                <a16:creationId xmlns:a16="http://schemas.microsoft.com/office/drawing/2014/main" id="{961CF908-1ECC-4D52-A78D-B751386BA5F2}"/>
+                <a16:creationId xmlns:a16="http://schemas.microsoft.com/office/drawing/2014/main" xmlns="" id="{961CF908-1ECC-4D52-A78D-B751386BA5F2}"/>
               </a:ext>
             </a:extLst>
           </p:cNvPr>
@@ -11174,7 +11501,7 @@
           <a:p>
             <a:fld id="{DAFA5E08-56C4-4D00-93E8-8E8047A8DE89}" type="datetime1">
               <a:rPr lang="de-DE" smtClean="0"/>
-              <a:t>22.02.2022</a:t>
+              <a:t>23.02.2022</a:t>
             </a:fld>
             <a:endParaRPr lang="de-DE"/>
           </a:p>
@@ -11185,7 +11512,7 @@
           <p:cNvPr id="5" name="Fußzeilenplatzhalter 4">
             <a:extLst>
               <a:ext uri="{FF2B5EF4-FFF2-40B4-BE49-F238E27FC236}">
-                <a16:creationId xmlns:a16="http://schemas.microsoft.com/office/drawing/2014/main" id="{BE378895-F615-4AB7-B16B-E17E68B24B2F}"/>
+                <a16:creationId xmlns:a16="http://schemas.microsoft.com/office/drawing/2014/main" xmlns="" id="{BE378895-F615-4AB7-B16B-E17E68B24B2F}"/>
               </a:ext>
             </a:extLst>
           </p:cNvPr>
@@ -11213,7 +11540,7 @@
           <p:cNvPr id="6" name="Foliennummernplatzhalter 5">
             <a:extLst>
               <a:ext uri="{FF2B5EF4-FFF2-40B4-BE49-F238E27FC236}">
-                <a16:creationId xmlns:a16="http://schemas.microsoft.com/office/drawing/2014/main" id="{1DACD878-0D04-4BD0-B50D-A7FCA227E301}"/>
+                <a16:creationId xmlns:a16="http://schemas.microsoft.com/office/drawing/2014/main" xmlns="" id="{1DACD878-0D04-4BD0-B50D-A7FCA227E301}"/>
               </a:ext>
             </a:extLst>
           </p:cNvPr>
@@ -11231,7 +11558,7 @@
           <a:p>
             <a:fld id="{3A1F27E2-D58A-4028-9FF2-B12D897F257E}" type="slidenum">
               <a:rPr lang="de-DE" smtClean="0"/>
-              <a:t>22</a:t>
+              <a:t>23</a:t>
             </a:fld>
             <a:endParaRPr lang="de-DE"/>
           </a:p>
@@ -11242,7 +11569,7 @@
           <p:cNvPr id="10" name="Grafik 9">
             <a:extLst>
               <a:ext uri="{FF2B5EF4-FFF2-40B4-BE49-F238E27FC236}">
-                <a16:creationId xmlns:a16="http://schemas.microsoft.com/office/drawing/2014/main" id="{A1FA11EE-CC4D-4797-AF3C-47EF88627F48}"/>
+                <a16:creationId xmlns:a16="http://schemas.microsoft.com/office/drawing/2014/main" xmlns="" id="{A1FA11EE-CC4D-4797-AF3C-47EF88627F48}"/>
               </a:ext>
             </a:extLst>
           </p:cNvPr>
@@ -11271,7 +11598,7 @@
           <p:cNvPr id="11" name="Rechteck 10">
             <a:extLst>
               <a:ext uri="{FF2B5EF4-FFF2-40B4-BE49-F238E27FC236}">
-                <a16:creationId xmlns:a16="http://schemas.microsoft.com/office/drawing/2014/main" id="{BE9536E8-391A-40E4-AFCD-8EB4B3804C04}"/>
+                <a16:creationId xmlns:a16="http://schemas.microsoft.com/office/drawing/2014/main" xmlns="" id="{BE9536E8-391A-40E4-AFCD-8EB4B3804C04}"/>
               </a:ext>
             </a:extLst>
           </p:cNvPr>
@@ -11323,7 +11650,7 @@
           <p:cNvPr id="12" name="Rechteck 11">
             <a:extLst>
               <a:ext uri="{FF2B5EF4-FFF2-40B4-BE49-F238E27FC236}">
-                <a16:creationId xmlns:a16="http://schemas.microsoft.com/office/drawing/2014/main" id="{D541F42D-629E-4BC0-935F-A2CC4A27B805}"/>
+                <a16:creationId xmlns:a16="http://schemas.microsoft.com/office/drawing/2014/main" xmlns="" id="{D541F42D-629E-4BC0-935F-A2CC4A27B805}"/>
               </a:ext>
             </a:extLst>
           </p:cNvPr>
@@ -11383,7 +11710,7 @@
 </p:sld>
 </file>
 
-<file path=ppt/slides/slide23.xml><?xml version="1.0" encoding="utf-8"?>
+<file path=ppt/slides/slide24.xml><?xml version="1.0" encoding="utf-8"?>
 <p:sld xmlns:a="http://schemas.openxmlformats.org/drawingml/2006/main" xmlns:r="http://schemas.openxmlformats.org/officeDocument/2006/relationships" xmlns:p="http://schemas.openxmlformats.org/presentationml/2006/main">
   <p:cSld>
     <p:spTree>
@@ -11405,7 +11732,7 @@
           <p:cNvPr id="2" name="Titel 1">
             <a:extLst>
               <a:ext uri="{FF2B5EF4-FFF2-40B4-BE49-F238E27FC236}">
-                <a16:creationId xmlns:a16="http://schemas.microsoft.com/office/drawing/2014/main" id="{874F4253-59F8-4043-B739-6361EFD91581}"/>
+                <a16:creationId xmlns:a16="http://schemas.microsoft.com/office/drawing/2014/main" xmlns="" id="{874F4253-59F8-4043-B739-6361EFD91581}"/>
               </a:ext>
             </a:extLst>
           </p:cNvPr>
@@ -11433,7 +11760,7 @@
           <p:cNvPr id="3" name="Inhaltsplatzhalter 2">
             <a:extLst>
               <a:ext uri="{FF2B5EF4-FFF2-40B4-BE49-F238E27FC236}">
-                <a16:creationId xmlns:a16="http://schemas.microsoft.com/office/drawing/2014/main" id="{06B8EDB9-223A-4FAC-B9B0-9B4BB87210EF}"/>
+                <a16:creationId xmlns:a16="http://schemas.microsoft.com/office/drawing/2014/main" xmlns="" id="{06B8EDB9-223A-4FAC-B9B0-9B4BB87210EF}"/>
               </a:ext>
             </a:extLst>
           </p:cNvPr>
@@ -11486,7 +11813,7 @@
           <p:cNvPr id="4" name="Datumsplatzhalter 3">
             <a:extLst>
               <a:ext uri="{FF2B5EF4-FFF2-40B4-BE49-F238E27FC236}">
-                <a16:creationId xmlns:a16="http://schemas.microsoft.com/office/drawing/2014/main" id="{961CF908-1ECC-4D52-A78D-B751386BA5F2}"/>
+                <a16:creationId xmlns:a16="http://schemas.microsoft.com/office/drawing/2014/main" xmlns="" id="{961CF908-1ECC-4D52-A78D-B751386BA5F2}"/>
               </a:ext>
             </a:extLst>
           </p:cNvPr>
@@ -11504,7 +11831,7 @@
           <a:p>
             <a:fld id="{DAFA5E08-56C4-4D00-93E8-8E8047A8DE89}" type="datetime1">
               <a:rPr lang="de-DE" smtClean="0"/>
-              <a:t>22.02.2022</a:t>
+              <a:t>23.02.2022</a:t>
             </a:fld>
             <a:endParaRPr lang="de-DE"/>
           </a:p>
@@ -11515,7 +11842,7 @@
           <p:cNvPr id="5" name="Fußzeilenplatzhalter 4">
             <a:extLst>
               <a:ext uri="{FF2B5EF4-FFF2-40B4-BE49-F238E27FC236}">
-                <a16:creationId xmlns:a16="http://schemas.microsoft.com/office/drawing/2014/main" id="{BE378895-F615-4AB7-B16B-E17E68B24B2F}"/>
+                <a16:creationId xmlns:a16="http://schemas.microsoft.com/office/drawing/2014/main" xmlns="" id="{BE378895-F615-4AB7-B16B-E17E68B24B2F}"/>
               </a:ext>
             </a:extLst>
           </p:cNvPr>
@@ -11543,7 +11870,7 @@
           <p:cNvPr id="6" name="Foliennummernplatzhalter 5">
             <a:extLst>
               <a:ext uri="{FF2B5EF4-FFF2-40B4-BE49-F238E27FC236}">
-                <a16:creationId xmlns:a16="http://schemas.microsoft.com/office/drawing/2014/main" id="{1DACD878-0D04-4BD0-B50D-A7FCA227E301}"/>
+                <a16:creationId xmlns:a16="http://schemas.microsoft.com/office/drawing/2014/main" xmlns="" id="{1DACD878-0D04-4BD0-B50D-A7FCA227E301}"/>
               </a:ext>
             </a:extLst>
           </p:cNvPr>
@@ -11561,7 +11888,7 @@
           <a:p>
             <a:fld id="{3A1F27E2-D58A-4028-9FF2-B12D897F257E}" type="slidenum">
               <a:rPr lang="de-DE" smtClean="0"/>
-              <a:t>23</a:t>
+              <a:t>24</a:t>
             </a:fld>
             <a:endParaRPr lang="de-DE"/>
           </a:p>
@@ -11572,7 +11899,7 @@
           <p:cNvPr id="8" name="Grafik 7">
             <a:extLst>
               <a:ext uri="{FF2B5EF4-FFF2-40B4-BE49-F238E27FC236}">
-                <a16:creationId xmlns:a16="http://schemas.microsoft.com/office/drawing/2014/main" id="{A299725E-9D14-4E61-966D-E991DD81AFD2}"/>
+                <a16:creationId xmlns:a16="http://schemas.microsoft.com/office/drawing/2014/main" xmlns="" id="{A299725E-9D14-4E61-966D-E991DD81AFD2}"/>
               </a:ext>
             </a:extLst>
           </p:cNvPr>
@@ -11602,7 +11929,7 @@
           <p:cNvPr id="11" name="Rechteck 10">
             <a:extLst>
               <a:ext uri="{FF2B5EF4-FFF2-40B4-BE49-F238E27FC236}">
-                <a16:creationId xmlns:a16="http://schemas.microsoft.com/office/drawing/2014/main" id="{BD33DBCD-A274-4639-A215-86ADF392A577}"/>
+                <a16:creationId xmlns:a16="http://schemas.microsoft.com/office/drawing/2014/main" xmlns="" id="{BD33DBCD-A274-4639-A215-86ADF392A577}"/>
               </a:ext>
             </a:extLst>
           </p:cNvPr>
@@ -11662,7 +11989,7 @@
 </p:sld>
 </file>
 
-<file path=ppt/slides/slide24.xml><?xml version="1.0" encoding="utf-8"?>
+<file path=ppt/slides/slide25.xml><?xml version="1.0" encoding="utf-8"?>
 <p:sld xmlns:a="http://schemas.openxmlformats.org/drawingml/2006/main" xmlns:r="http://schemas.openxmlformats.org/officeDocument/2006/relationships" xmlns:p="http://schemas.openxmlformats.org/presentationml/2006/main">
   <p:cSld>
     <p:spTree>
@@ -11684,7 +12011,7 @@
           <p:cNvPr id="2" name="Titel 1">
             <a:extLst>
               <a:ext uri="{FF2B5EF4-FFF2-40B4-BE49-F238E27FC236}">
-                <a16:creationId xmlns:a16="http://schemas.microsoft.com/office/drawing/2014/main" id="{E73047BB-B6AB-49A4-8EC7-726B4E29EA8D}"/>
+                <a16:creationId xmlns:a16="http://schemas.microsoft.com/office/drawing/2014/main" xmlns="" id="{E73047BB-B6AB-49A4-8EC7-726B4E29EA8D}"/>
               </a:ext>
             </a:extLst>
           </p:cNvPr>
@@ -11712,7 +12039,7 @@
           <p:cNvPr id="3" name="Inhaltsplatzhalter 2">
             <a:extLst>
               <a:ext uri="{FF2B5EF4-FFF2-40B4-BE49-F238E27FC236}">
-                <a16:creationId xmlns:a16="http://schemas.microsoft.com/office/drawing/2014/main" id="{B1770FD1-98BE-44A4-9206-C0E9ACDCB515}"/>
+                <a16:creationId xmlns:a16="http://schemas.microsoft.com/office/drawing/2014/main" xmlns="" id="{B1770FD1-98BE-44A4-9206-C0E9ACDCB515}"/>
               </a:ext>
             </a:extLst>
           </p:cNvPr>
@@ -11751,7 +12078,7 @@
           <p:cNvPr id="4" name="Datumsplatzhalter 3">
             <a:extLst>
               <a:ext uri="{FF2B5EF4-FFF2-40B4-BE49-F238E27FC236}">
-                <a16:creationId xmlns:a16="http://schemas.microsoft.com/office/drawing/2014/main" id="{5F130967-188A-4163-93B1-96B8F6FE102A}"/>
+                <a16:creationId xmlns:a16="http://schemas.microsoft.com/office/drawing/2014/main" xmlns="" id="{5F130967-188A-4163-93B1-96B8F6FE102A}"/>
               </a:ext>
             </a:extLst>
           </p:cNvPr>
@@ -11769,7 +12096,7 @@
           <a:p>
             <a:fld id="{DAFA5E08-56C4-4D00-93E8-8E8047A8DE89}" type="datetime1">
               <a:rPr lang="de-DE" smtClean="0"/>
-              <a:t>22.02.2022</a:t>
+              <a:t>23.02.2022</a:t>
             </a:fld>
             <a:endParaRPr lang="de-DE"/>
           </a:p>
@@ -11780,7 +12107,7 @@
           <p:cNvPr id="5" name="Fußzeilenplatzhalter 4">
             <a:extLst>
               <a:ext uri="{FF2B5EF4-FFF2-40B4-BE49-F238E27FC236}">
-                <a16:creationId xmlns:a16="http://schemas.microsoft.com/office/drawing/2014/main" id="{B22F22E4-EF8B-4205-91FD-9CD66B43AA21}"/>
+                <a16:creationId xmlns:a16="http://schemas.microsoft.com/office/drawing/2014/main" xmlns="" id="{B22F22E4-EF8B-4205-91FD-9CD66B43AA21}"/>
               </a:ext>
             </a:extLst>
           </p:cNvPr>
@@ -11808,7 +12135,7 @@
           <p:cNvPr id="6" name="Foliennummernplatzhalter 5">
             <a:extLst>
               <a:ext uri="{FF2B5EF4-FFF2-40B4-BE49-F238E27FC236}">
-                <a16:creationId xmlns:a16="http://schemas.microsoft.com/office/drawing/2014/main" id="{E9432AF3-08A7-4973-A935-9B0879C6C3FF}"/>
+                <a16:creationId xmlns:a16="http://schemas.microsoft.com/office/drawing/2014/main" xmlns="" id="{E9432AF3-08A7-4973-A935-9B0879C6C3FF}"/>
               </a:ext>
             </a:extLst>
           </p:cNvPr>
@@ -11826,7 +12153,7 @@
           <a:p>
             <a:fld id="{3A1F27E2-D58A-4028-9FF2-B12D897F257E}" type="slidenum">
               <a:rPr lang="de-DE" smtClean="0"/>
-              <a:t>24</a:t>
+              <a:t>25</a:t>
             </a:fld>
             <a:endParaRPr lang="de-DE"/>
           </a:p>
@@ -11837,7 +12164,7 @@
           <p:cNvPr id="7" name="Grafik 6">
             <a:extLst>
               <a:ext uri="{FF2B5EF4-FFF2-40B4-BE49-F238E27FC236}">
-                <a16:creationId xmlns:a16="http://schemas.microsoft.com/office/drawing/2014/main" id="{636A5F43-7B3F-478A-A54C-1F337BC18639}"/>
+                <a16:creationId xmlns:a16="http://schemas.microsoft.com/office/drawing/2014/main" xmlns="" id="{636A5F43-7B3F-478A-A54C-1F337BC18639}"/>
               </a:ext>
             </a:extLst>
           </p:cNvPr>
@@ -11867,7 +12194,7 @@
           <p:cNvPr id="8" name="Rechteck 7">
             <a:extLst>
               <a:ext uri="{FF2B5EF4-FFF2-40B4-BE49-F238E27FC236}">
-                <a16:creationId xmlns:a16="http://schemas.microsoft.com/office/drawing/2014/main" id="{A33F5FD5-3818-4D26-9BEA-661B3BAA54B5}"/>
+                <a16:creationId xmlns:a16="http://schemas.microsoft.com/office/drawing/2014/main" xmlns="" id="{A33F5FD5-3818-4D26-9BEA-661B3BAA54B5}"/>
               </a:ext>
             </a:extLst>
           </p:cNvPr>
@@ -11919,7 +12246,7 @@
           <p:cNvPr id="10" name="Grafik 9">
             <a:extLst>
               <a:ext uri="{FF2B5EF4-FFF2-40B4-BE49-F238E27FC236}">
-                <a16:creationId xmlns:a16="http://schemas.microsoft.com/office/drawing/2014/main" id="{27D5F9B8-FAA5-4A88-A507-9C3B8B825AB9}"/>
+                <a16:creationId xmlns:a16="http://schemas.microsoft.com/office/drawing/2014/main" xmlns="" id="{27D5F9B8-FAA5-4A88-A507-9C3B8B825AB9}"/>
               </a:ext>
             </a:extLst>
           </p:cNvPr>
@@ -11949,7 +12276,7 @@
           <p:cNvPr id="11" name="Rechteck 10">
             <a:extLst>
               <a:ext uri="{FF2B5EF4-FFF2-40B4-BE49-F238E27FC236}">
-                <a16:creationId xmlns:a16="http://schemas.microsoft.com/office/drawing/2014/main" id="{ED6B3E5A-3738-4E52-8772-5C6D8085BE64}"/>
+                <a16:creationId xmlns:a16="http://schemas.microsoft.com/office/drawing/2014/main" xmlns="" id="{ED6B3E5A-3738-4E52-8772-5C6D8085BE64}"/>
               </a:ext>
             </a:extLst>
           </p:cNvPr>
@@ -12009,7 +12336,7 @@
 </p:sld>
 </file>
 
-<file path=ppt/slides/slide25.xml><?xml version="1.0" encoding="utf-8"?>
+<file path=ppt/slides/slide26.xml><?xml version="1.0" encoding="utf-8"?>
 <p:sld xmlns:a="http://schemas.openxmlformats.org/drawingml/2006/main" xmlns:r="http://schemas.openxmlformats.org/officeDocument/2006/relationships" xmlns:p="http://schemas.openxmlformats.org/presentationml/2006/main">
   <p:cSld>
     <p:spTree>
@@ -12031,7 +12358,7 @@
           <p:cNvPr id="2" name="Titel 1">
             <a:extLst>
               <a:ext uri="{FF2B5EF4-FFF2-40B4-BE49-F238E27FC236}">
-                <a16:creationId xmlns:a16="http://schemas.microsoft.com/office/drawing/2014/main" id="{1289D0B9-8C0B-40AF-BE80-84BC089CBB0E}"/>
+                <a16:creationId xmlns:a16="http://schemas.microsoft.com/office/drawing/2014/main" xmlns="" id="{1289D0B9-8C0B-40AF-BE80-84BC089CBB0E}"/>
               </a:ext>
             </a:extLst>
           </p:cNvPr>
@@ -12059,7 +12386,7 @@
           <p:cNvPr id="3" name="Inhaltsplatzhalter 2">
             <a:extLst>
               <a:ext uri="{FF2B5EF4-FFF2-40B4-BE49-F238E27FC236}">
-                <a16:creationId xmlns:a16="http://schemas.microsoft.com/office/drawing/2014/main" id="{FA9CCC63-8AC3-4DA9-BF98-7DD2717EC41D}"/>
+                <a16:creationId xmlns:a16="http://schemas.microsoft.com/office/drawing/2014/main" xmlns="" id="{FA9CCC63-8AC3-4DA9-BF98-7DD2717EC41D}"/>
               </a:ext>
             </a:extLst>
           </p:cNvPr>
@@ -12095,7 +12422,7 @@
           <p:cNvPr id="4" name="Datumsplatzhalter 3">
             <a:extLst>
               <a:ext uri="{FF2B5EF4-FFF2-40B4-BE49-F238E27FC236}">
-                <a16:creationId xmlns:a16="http://schemas.microsoft.com/office/drawing/2014/main" id="{04C8AF02-7303-4C54-91B6-7AC3A42B9F73}"/>
+                <a16:creationId xmlns:a16="http://schemas.microsoft.com/office/drawing/2014/main" xmlns="" id="{04C8AF02-7303-4C54-91B6-7AC3A42B9F73}"/>
               </a:ext>
             </a:extLst>
           </p:cNvPr>
@@ -12113,7 +12440,7 @@
           <a:p>
             <a:fld id="{DAFA5E08-56C4-4D00-93E8-8E8047A8DE89}" type="datetime1">
               <a:rPr lang="de-DE" smtClean="0"/>
-              <a:t>22.02.2022</a:t>
+              <a:t>23.02.2022</a:t>
             </a:fld>
             <a:endParaRPr lang="de-DE"/>
           </a:p>
@@ -12124,7 +12451,7 @@
           <p:cNvPr id="5" name="Fußzeilenplatzhalter 4">
             <a:extLst>
               <a:ext uri="{FF2B5EF4-FFF2-40B4-BE49-F238E27FC236}">
-                <a16:creationId xmlns:a16="http://schemas.microsoft.com/office/drawing/2014/main" id="{889C349C-3C3C-40A6-BAAC-A9FF0CCD7BFA}"/>
+                <a16:creationId xmlns:a16="http://schemas.microsoft.com/office/drawing/2014/main" xmlns="" id="{889C349C-3C3C-40A6-BAAC-A9FF0CCD7BFA}"/>
               </a:ext>
             </a:extLst>
           </p:cNvPr>
@@ -12152,7 +12479,7 @@
           <p:cNvPr id="6" name="Foliennummernplatzhalter 5">
             <a:extLst>
               <a:ext uri="{FF2B5EF4-FFF2-40B4-BE49-F238E27FC236}">
-                <a16:creationId xmlns:a16="http://schemas.microsoft.com/office/drawing/2014/main" id="{76D11C4B-FB07-431B-9C5F-5836AAD726F9}"/>
+                <a16:creationId xmlns:a16="http://schemas.microsoft.com/office/drawing/2014/main" xmlns="" id="{76D11C4B-FB07-431B-9C5F-5836AAD726F9}"/>
               </a:ext>
             </a:extLst>
           </p:cNvPr>
@@ -12170,7 +12497,7 @@
           <a:p>
             <a:fld id="{3A1F27E2-D58A-4028-9FF2-B12D897F257E}" type="slidenum">
               <a:rPr lang="de-DE" smtClean="0"/>
-              <a:t>25</a:t>
+              <a:t>26</a:t>
             </a:fld>
             <a:endParaRPr lang="de-DE"/>
           </a:p>
@@ -12181,7 +12508,7 @@
           <p:cNvPr id="8" name="Grafik 7">
             <a:extLst>
               <a:ext uri="{FF2B5EF4-FFF2-40B4-BE49-F238E27FC236}">
-                <a16:creationId xmlns:a16="http://schemas.microsoft.com/office/drawing/2014/main" id="{FFDF6C4B-A2AD-4275-9E90-BF4A57CBAB49}"/>
+                <a16:creationId xmlns:a16="http://schemas.microsoft.com/office/drawing/2014/main" xmlns="" id="{FFDF6C4B-A2AD-4275-9E90-BF4A57CBAB49}"/>
               </a:ext>
             </a:extLst>
           </p:cNvPr>
@@ -12210,7 +12537,7 @@
           <p:cNvPr id="11" name="Rechteck 10">
             <a:extLst>
               <a:ext uri="{FF2B5EF4-FFF2-40B4-BE49-F238E27FC236}">
-                <a16:creationId xmlns:a16="http://schemas.microsoft.com/office/drawing/2014/main" id="{47DEC905-1039-4AF5-BB52-DAA9E447C110}"/>
+                <a16:creationId xmlns:a16="http://schemas.microsoft.com/office/drawing/2014/main" xmlns="" id="{47DEC905-1039-4AF5-BB52-DAA9E447C110}"/>
               </a:ext>
             </a:extLst>
           </p:cNvPr>
@@ -12262,7 +12589,7 @@
           <p:cNvPr id="9" name="Rechteck 8">
             <a:extLst>
               <a:ext uri="{FF2B5EF4-FFF2-40B4-BE49-F238E27FC236}">
-                <a16:creationId xmlns:a16="http://schemas.microsoft.com/office/drawing/2014/main" id="{575CEE2C-08AF-40AC-BD9F-7ACF186E6BD3}"/>
+                <a16:creationId xmlns:a16="http://schemas.microsoft.com/office/drawing/2014/main" xmlns="" id="{575CEE2C-08AF-40AC-BD9F-7ACF186E6BD3}"/>
               </a:ext>
             </a:extLst>
           </p:cNvPr>
@@ -12322,312 +12649,6 @@
 </p:sld>
 </file>
 
-<file path=ppt/slides/slide26.xml><?xml version="1.0" encoding="utf-8"?>
-<p:sld xmlns:a="http://schemas.openxmlformats.org/drawingml/2006/main" xmlns:r="http://schemas.openxmlformats.org/officeDocument/2006/relationships" xmlns:p="http://schemas.openxmlformats.org/presentationml/2006/main">
-  <p:cSld>
-    <p:spTree>
-      <p:nvGrpSpPr>
-        <p:cNvPr id="1" name=""/>
-        <p:cNvGrpSpPr/>
-        <p:nvPr/>
-      </p:nvGrpSpPr>
-      <p:grpSpPr>
-        <a:xfrm>
-          <a:off x="0" y="0"/>
-          <a:ext cx="0" cy="0"/>
-          <a:chOff x="0" y="0"/>
-          <a:chExt cx="0" cy="0"/>
-        </a:xfrm>
-      </p:grpSpPr>
-      <p:sp>
-        <p:nvSpPr>
-          <p:cNvPr id="2" name="Titel 1">
-            <a:extLst>
-              <a:ext uri="{FF2B5EF4-FFF2-40B4-BE49-F238E27FC236}">
-                <a16:creationId xmlns:a16="http://schemas.microsoft.com/office/drawing/2014/main" id="{2995BBF9-2E90-41B2-89DF-D7D3DCD6AEDD}"/>
-              </a:ext>
-            </a:extLst>
-          </p:cNvPr>
-          <p:cNvSpPr>
-            <a:spLocks noGrp="1"/>
-          </p:cNvSpPr>
-          <p:nvPr>
-            <p:ph type="title"/>
-          </p:nvPr>
-        </p:nvSpPr>
-        <p:spPr/>
-        <p:txBody>
-          <a:bodyPr/>
-          <a:lstStyle/>
-          <a:p>
-            <a:r>
-              <a:rPr lang="de-DE" dirty="0"/>
-              <a:t>Android Studio mit dem SDK verbinden</a:t>
-            </a:r>
-          </a:p>
-        </p:txBody>
-      </p:sp>
-      <p:sp>
-        <p:nvSpPr>
-          <p:cNvPr id="3" name="Inhaltsplatzhalter 2">
-            <a:extLst>
-              <a:ext uri="{FF2B5EF4-FFF2-40B4-BE49-F238E27FC236}">
-                <a16:creationId xmlns:a16="http://schemas.microsoft.com/office/drawing/2014/main" id="{870713BC-02A4-414C-B292-8C51DE3E10C6}"/>
-              </a:ext>
-            </a:extLst>
-          </p:cNvPr>
-          <p:cNvSpPr>
-            <a:spLocks noGrp="1"/>
-          </p:cNvSpPr>
-          <p:nvPr>
-            <p:ph idx="1"/>
-          </p:nvPr>
-        </p:nvSpPr>
-        <p:spPr/>
-        <p:txBody>
-          <a:bodyPr/>
-          <a:lstStyle/>
-          <a:p>
-            <a:r>
-              <a:rPr lang="de-DE" dirty="0"/>
-              <a:t>Lizenz akzeptieren</a:t>
-            </a:r>
-          </a:p>
-        </p:txBody>
-      </p:sp>
-      <p:sp>
-        <p:nvSpPr>
-          <p:cNvPr id="4" name="Datumsplatzhalter 3">
-            <a:extLst>
-              <a:ext uri="{FF2B5EF4-FFF2-40B4-BE49-F238E27FC236}">
-                <a16:creationId xmlns:a16="http://schemas.microsoft.com/office/drawing/2014/main" id="{9E18C798-9B6D-474E-8F0C-E831E129FC08}"/>
-              </a:ext>
-            </a:extLst>
-          </p:cNvPr>
-          <p:cNvSpPr>
-            <a:spLocks noGrp="1"/>
-          </p:cNvSpPr>
-          <p:nvPr>
-            <p:ph type="dt" sz="half" idx="10"/>
-          </p:nvPr>
-        </p:nvSpPr>
-        <p:spPr/>
-        <p:txBody>
-          <a:bodyPr/>
-          <a:lstStyle/>
-          <a:p>
-            <a:fld id="{DAFA5E08-56C4-4D00-93E8-8E8047A8DE89}" type="datetime1">
-              <a:rPr lang="de-DE" smtClean="0"/>
-              <a:t>22.02.2022</a:t>
-            </a:fld>
-            <a:endParaRPr lang="de-DE"/>
-          </a:p>
-        </p:txBody>
-      </p:sp>
-      <p:sp>
-        <p:nvSpPr>
-          <p:cNvPr id="5" name="Fußzeilenplatzhalter 4">
-            <a:extLst>
-              <a:ext uri="{FF2B5EF4-FFF2-40B4-BE49-F238E27FC236}">
-                <a16:creationId xmlns:a16="http://schemas.microsoft.com/office/drawing/2014/main" id="{0EFDF510-D953-4A53-ACF6-E9D6A98E9E8A}"/>
-              </a:ext>
-            </a:extLst>
-          </p:cNvPr>
-          <p:cNvSpPr>
-            <a:spLocks noGrp="1"/>
-          </p:cNvSpPr>
-          <p:nvPr>
-            <p:ph type="ftr" sz="quarter" idx="11"/>
-          </p:nvPr>
-        </p:nvSpPr>
-        <p:spPr/>
-        <p:txBody>
-          <a:bodyPr/>
-          <a:lstStyle/>
-          <a:p>
-            <a:r>
-              <a:rPr lang="de-DE"/>
-              <a:t>Android Studio</a:t>
-            </a:r>
-          </a:p>
-        </p:txBody>
-      </p:sp>
-      <p:sp>
-        <p:nvSpPr>
-          <p:cNvPr id="6" name="Foliennummernplatzhalter 5">
-            <a:extLst>
-              <a:ext uri="{FF2B5EF4-FFF2-40B4-BE49-F238E27FC236}">
-                <a16:creationId xmlns:a16="http://schemas.microsoft.com/office/drawing/2014/main" id="{8A5D8DBC-5EB0-493C-A2DB-54FD7FCBCEDF}"/>
-              </a:ext>
-            </a:extLst>
-          </p:cNvPr>
-          <p:cNvSpPr>
-            <a:spLocks noGrp="1"/>
-          </p:cNvSpPr>
-          <p:nvPr>
-            <p:ph type="sldNum" sz="quarter" idx="12"/>
-          </p:nvPr>
-        </p:nvSpPr>
-        <p:spPr/>
-        <p:txBody>
-          <a:bodyPr/>
-          <a:lstStyle/>
-          <a:p>
-            <a:fld id="{3A1F27E2-D58A-4028-9FF2-B12D897F257E}" type="slidenum">
-              <a:rPr lang="de-DE" smtClean="0"/>
-              <a:t>26</a:t>
-            </a:fld>
-            <a:endParaRPr lang="de-DE"/>
-          </a:p>
-        </p:txBody>
-      </p:sp>
-      <p:pic>
-        <p:nvPicPr>
-          <p:cNvPr id="10" name="Grafik 9">
-            <a:extLst>
-              <a:ext uri="{FF2B5EF4-FFF2-40B4-BE49-F238E27FC236}">
-                <a16:creationId xmlns:a16="http://schemas.microsoft.com/office/drawing/2014/main" id="{E34D7496-0784-4DB1-A3DA-657923709CC5}"/>
-              </a:ext>
-            </a:extLst>
-          </p:cNvPr>
-          <p:cNvPicPr>
-            <a:picLocks noChangeAspect="1"/>
-          </p:cNvPicPr>
-          <p:nvPr/>
-        </p:nvPicPr>
-        <p:blipFill>
-          <a:blip r:embed="rId2"/>
-          <a:stretch>
-            <a:fillRect/>
-          </a:stretch>
-        </p:blipFill>
-        <p:spPr>
-          <a:xfrm>
-            <a:off x="838200" y="2154203"/>
-            <a:ext cx="7527793" cy="4011647"/>
-          </a:xfrm>
-          <a:prstGeom prst="rect">
-            <a:avLst/>
-          </a:prstGeom>
-        </p:spPr>
-      </p:pic>
-      <p:sp>
-        <p:nvSpPr>
-          <p:cNvPr id="11" name="Rechteck 10">
-            <a:extLst>
-              <a:ext uri="{FF2B5EF4-FFF2-40B4-BE49-F238E27FC236}">
-                <a16:creationId xmlns:a16="http://schemas.microsoft.com/office/drawing/2014/main" id="{D70E282D-509E-48A1-B387-2316D96FED6E}"/>
-              </a:ext>
-            </a:extLst>
-          </p:cNvPr>
-          <p:cNvSpPr/>
-          <p:nvPr/>
-        </p:nvSpPr>
-        <p:spPr>
-          <a:xfrm>
-            <a:off x="4516916" y="5118711"/>
-            <a:ext cx="782197" cy="436928"/>
-          </a:xfrm>
-          <a:prstGeom prst="rect">
-            <a:avLst/>
-          </a:prstGeom>
-          <a:noFill/>
-          <a:ln w="28575">
-            <a:solidFill>
-              <a:schemeClr val="accent1"/>
-            </a:solidFill>
-          </a:ln>
-        </p:spPr>
-        <p:style>
-          <a:lnRef idx="2">
-            <a:schemeClr val="accent1">
-              <a:shade val="50000"/>
-            </a:schemeClr>
-          </a:lnRef>
-          <a:fillRef idx="1">
-            <a:schemeClr val="accent1"/>
-          </a:fillRef>
-          <a:effectRef idx="0">
-            <a:schemeClr val="accent1"/>
-          </a:effectRef>
-          <a:fontRef idx="minor">
-            <a:schemeClr val="lt1"/>
-          </a:fontRef>
-        </p:style>
-        <p:txBody>
-          <a:bodyPr rtlCol="0" anchor="ctr"/>
-          <a:lstStyle/>
-          <a:p>
-            <a:pPr algn="ctr"/>
-            <a:endParaRPr lang="de-DE"/>
-          </a:p>
-        </p:txBody>
-      </p:sp>
-      <p:sp>
-        <p:nvSpPr>
-          <p:cNvPr id="12" name="Rechteck 11">
-            <a:extLst>
-              <a:ext uri="{FF2B5EF4-FFF2-40B4-BE49-F238E27FC236}">
-                <a16:creationId xmlns:a16="http://schemas.microsoft.com/office/drawing/2014/main" id="{B32C574A-D6EC-4E57-BEB6-F9FD3748A9BF}"/>
-              </a:ext>
-            </a:extLst>
-          </p:cNvPr>
-          <p:cNvSpPr/>
-          <p:nvPr/>
-        </p:nvSpPr>
-        <p:spPr>
-          <a:xfrm>
-            <a:off x="5860149" y="5728922"/>
-            <a:ext cx="816073" cy="436928"/>
-          </a:xfrm>
-          <a:prstGeom prst="rect">
-            <a:avLst/>
-          </a:prstGeom>
-          <a:noFill/>
-          <a:ln w="28575">
-            <a:solidFill>
-              <a:schemeClr val="accent1"/>
-            </a:solidFill>
-          </a:ln>
-        </p:spPr>
-        <p:style>
-          <a:lnRef idx="2">
-            <a:schemeClr val="accent1">
-              <a:shade val="50000"/>
-            </a:schemeClr>
-          </a:lnRef>
-          <a:fillRef idx="1">
-            <a:schemeClr val="accent1"/>
-          </a:fillRef>
-          <a:effectRef idx="0">
-            <a:schemeClr val="accent1"/>
-          </a:effectRef>
-          <a:fontRef idx="minor">
-            <a:schemeClr val="lt1"/>
-          </a:fontRef>
-        </p:style>
-        <p:txBody>
-          <a:bodyPr rtlCol="0" anchor="ctr"/>
-          <a:lstStyle/>
-          <a:p>
-            <a:pPr algn="ctr"/>
-            <a:endParaRPr lang="de-DE"/>
-          </a:p>
-        </p:txBody>
-      </p:sp>
-    </p:spTree>
-    <p:extLst>
-      <p:ext uri="{BB962C8B-B14F-4D97-AF65-F5344CB8AC3E}">
-        <p14:creationId xmlns:p14="http://schemas.microsoft.com/office/powerpoint/2010/main" val="399866669"/>
-      </p:ext>
-    </p:extLst>
-  </p:cSld>
-  <p:clrMapOvr>
-    <a:masterClrMapping/>
-  </p:clrMapOvr>
-</p:sld>
-</file>
-
 <file path=ppt/slides/slide27.xml><?xml version="1.0" encoding="utf-8"?>
 <p:sld xmlns:a="http://schemas.openxmlformats.org/drawingml/2006/main" xmlns:r="http://schemas.openxmlformats.org/officeDocument/2006/relationships" xmlns:p="http://schemas.openxmlformats.org/presentationml/2006/main">
   <p:cSld>
@@ -12650,7 +12671,7 @@
           <p:cNvPr id="10" name="Grafik 9">
             <a:extLst>
               <a:ext uri="{FF2B5EF4-FFF2-40B4-BE49-F238E27FC236}">
-                <a16:creationId xmlns:a16="http://schemas.microsoft.com/office/drawing/2014/main" id="{2D30EC07-1B70-4F00-8467-2ADBCF6EDD71}"/>
+                <a16:creationId xmlns:a16="http://schemas.microsoft.com/office/drawing/2014/main" xmlns="" id="{2D30EC07-1B70-4F00-8467-2ADBCF6EDD71}"/>
               </a:ext>
             </a:extLst>
           </p:cNvPr>
@@ -12679,7 +12700,7 @@
           <p:cNvPr id="2" name="Titel 1">
             <a:extLst>
               <a:ext uri="{FF2B5EF4-FFF2-40B4-BE49-F238E27FC236}">
-                <a16:creationId xmlns:a16="http://schemas.microsoft.com/office/drawing/2014/main" id="{BC25B335-ED05-4C72-AD39-0CCD75012E4D}"/>
+                <a16:creationId xmlns:a16="http://schemas.microsoft.com/office/drawing/2014/main" xmlns="" id="{BC25B335-ED05-4C72-AD39-0CCD75012E4D}"/>
               </a:ext>
             </a:extLst>
           </p:cNvPr>
@@ -12707,7 +12728,7 @@
           <p:cNvPr id="3" name="Inhaltsplatzhalter 2">
             <a:extLst>
               <a:ext uri="{FF2B5EF4-FFF2-40B4-BE49-F238E27FC236}">
-                <a16:creationId xmlns:a16="http://schemas.microsoft.com/office/drawing/2014/main" id="{48DCE85E-7E7C-46D8-BE9C-3805E18A54D9}"/>
+                <a16:creationId xmlns:a16="http://schemas.microsoft.com/office/drawing/2014/main" xmlns="" id="{48DCE85E-7E7C-46D8-BE9C-3805E18A54D9}"/>
               </a:ext>
             </a:extLst>
           </p:cNvPr>
@@ -12797,7 +12818,7 @@
           <p:cNvPr id="4" name="Datumsplatzhalter 3">
             <a:extLst>
               <a:ext uri="{FF2B5EF4-FFF2-40B4-BE49-F238E27FC236}">
-                <a16:creationId xmlns:a16="http://schemas.microsoft.com/office/drawing/2014/main" id="{65E1D4CB-2C49-4372-86F8-A97C7AF985E9}"/>
+                <a16:creationId xmlns:a16="http://schemas.microsoft.com/office/drawing/2014/main" xmlns="" id="{65E1D4CB-2C49-4372-86F8-A97C7AF985E9}"/>
               </a:ext>
             </a:extLst>
           </p:cNvPr>
@@ -12815,7 +12836,7 @@
           <a:p>
             <a:fld id="{DAFA5E08-56C4-4D00-93E8-8E8047A8DE89}" type="datetime1">
               <a:rPr lang="de-DE" smtClean="0"/>
-              <a:t>22.02.2022</a:t>
+              <a:t>23.02.2022</a:t>
             </a:fld>
             <a:endParaRPr lang="de-DE"/>
           </a:p>
@@ -12826,7 +12847,7 @@
           <p:cNvPr id="5" name="Fußzeilenplatzhalter 4">
             <a:extLst>
               <a:ext uri="{FF2B5EF4-FFF2-40B4-BE49-F238E27FC236}">
-                <a16:creationId xmlns:a16="http://schemas.microsoft.com/office/drawing/2014/main" id="{EE0A8B45-5963-4A31-B280-B7B8B3FE92D2}"/>
+                <a16:creationId xmlns:a16="http://schemas.microsoft.com/office/drawing/2014/main" xmlns="" id="{EE0A8B45-5963-4A31-B280-B7B8B3FE92D2}"/>
               </a:ext>
             </a:extLst>
           </p:cNvPr>
@@ -12854,7 +12875,7 @@
           <p:cNvPr id="6" name="Foliennummernplatzhalter 5">
             <a:extLst>
               <a:ext uri="{FF2B5EF4-FFF2-40B4-BE49-F238E27FC236}">
-                <a16:creationId xmlns:a16="http://schemas.microsoft.com/office/drawing/2014/main" id="{B8AFD331-0C92-4F82-A792-431E790E83CF}"/>
+                <a16:creationId xmlns:a16="http://schemas.microsoft.com/office/drawing/2014/main" xmlns="" id="{B8AFD331-0C92-4F82-A792-431E790E83CF}"/>
               </a:ext>
             </a:extLst>
           </p:cNvPr>
@@ -12913,7 +12934,7 @@
           <p:cNvPr id="2" name="Titel 1">
             <a:extLst>
               <a:ext uri="{FF2B5EF4-FFF2-40B4-BE49-F238E27FC236}">
-                <a16:creationId xmlns:a16="http://schemas.microsoft.com/office/drawing/2014/main" id="{AB053D24-1FE3-4B7B-9895-51FF20732C5E}"/>
+                <a16:creationId xmlns:a16="http://schemas.microsoft.com/office/drawing/2014/main" xmlns="" id="{AB053D24-1FE3-4B7B-9895-51FF20732C5E}"/>
               </a:ext>
             </a:extLst>
           </p:cNvPr>
@@ -12941,7 +12962,7 @@
           <p:cNvPr id="3" name="Inhaltsplatzhalter 2">
             <a:extLst>
               <a:ext uri="{FF2B5EF4-FFF2-40B4-BE49-F238E27FC236}">
-                <a16:creationId xmlns:a16="http://schemas.microsoft.com/office/drawing/2014/main" id="{0665880A-9774-4EB2-BD50-1C9D79165DC5}"/>
+                <a16:creationId xmlns:a16="http://schemas.microsoft.com/office/drawing/2014/main" xmlns="" id="{0665880A-9774-4EB2-BD50-1C9D79165DC5}"/>
               </a:ext>
             </a:extLst>
           </p:cNvPr>
@@ -13079,7 +13100,7 @@
           <p:cNvPr id="4" name="Datumsplatzhalter 3">
             <a:extLst>
               <a:ext uri="{FF2B5EF4-FFF2-40B4-BE49-F238E27FC236}">
-                <a16:creationId xmlns:a16="http://schemas.microsoft.com/office/drawing/2014/main" id="{E32919A9-C024-4813-ABBB-A4B3E8AD89EF}"/>
+                <a16:creationId xmlns:a16="http://schemas.microsoft.com/office/drawing/2014/main" xmlns="" id="{E32919A9-C024-4813-ABBB-A4B3E8AD89EF}"/>
               </a:ext>
             </a:extLst>
           </p:cNvPr>
@@ -13097,7 +13118,7 @@
           <a:p>
             <a:fld id="{DAFA5E08-56C4-4D00-93E8-8E8047A8DE89}" type="datetime1">
               <a:rPr lang="de-DE" smtClean="0"/>
-              <a:t>22.02.2022</a:t>
+              <a:t>23.02.2022</a:t>
             </a:fld>
             <a:endParaRPr lang="de-DE"/>
           </a:p>
@@ -13108,7 +13129,7 @@
           <p:cNvPr id="5" name="Fußzeilenplatzhalter 4">
             <a:extLst>
               <a:ext uri="{FF2B5EF4-FFF2-40B4-BE49-F238E27FC236}">
-                <a16:creationId xmlns:a16="http://schemas.microsoft.com/office/drawing/2014/main" id="{DC1DB8D0-6F9C-41BE-A5DE-8D38C99718CF}"/>
+                <a16:creationId xmlns:a16="http://schemas.microsoft.com/office/drawing/2014/main" xmlns="" id="{DC1DB8D0-6F9C-41BE-A5DE-8D38C99718CF}"/>
               </a:ext>
             </a:extLst>
           </p:cNvPr>
@@ -13136,7 +13157,7 @@
           <p:cNvPr id="6" name="Foliennummernplatzhalter 5">
             <a:extLst>
               <a:ext uri="{FF2B5EF4-FFF2-40B4-BE49-F238E27FC236}">
-                <a16:creationId xmlns:a16="http://schemas.microsoft.com/office/drawing/2014/main" id="{312C7BFB-0C4C-49E2-80AB-A5AA14638F6E}"/>
+                <a16:creationId xmlns:a16="http://schemas.microsoft.com/office/drawing/2014/main" xmlns="" id="{312C7BFB-0C4C-49E2-80AB-A5AA14638F6E}"/>
               </a:ext>
             </a:extLst>
           </p:cNvPr>
@@ -13162,27 +13183,22 @@
       </p:sp>
       <p:pic>
         <p:nvPicPr>
-          <p:cNvPr id="12" name="Grafik 11">
-            <a:extLst>
-              <a:ext uri="{FF2B5EF4-FFF2-40B4-BE49-F238E27FC236}">
-                <a16:creationId xmlns:a16="http://schemas.microsoft.com/office/drawing/2014/main" id="{2A552B68-27F2-4E8F-BA68-652DDAF5F455}"/>
-              </a:ext>
-            </a:extLst>
-          </p:cNvPr>
+          <p:cNvPr id="7" name="Grafik 6"/>
           <p:cNvPicPr>
             <a:picLocks noChangeAspect="1"/>
           </p:cNvPicPr>
           <p:nvPr/>
         </p:nvPicPr>
-        <p:blipFill rotWithShape="1">
+        <p:blipFill>
           <a:blip r:embed="rId2"/>
-          <a:srcRect b="22728"/>
-          <a:stretch/>
+          <a:stretch>
+            <a:fillRect/>
+          </a:stretch>
         </p:blipFill>
         <p:spPr>
           <a:xfrm>
-            <a:off x="1167074" y="3429000"/>
-            <a:ext cx="7139625" cy="1947538"/>
+            <a:off x="1087426" y="3463714"/>
+            <a:ext cx="8260969" cy="2492360"/>
           </a:xfrm>
           <a:prstGeom prst="rect">
             <a:avLst/>
@@ -13224,7 +13240,7 @@
           <p:cNvPr id="2" name="Titel 1">
             <a:extLst>
               <a:ext uri="{FF2B5EF4-FFF2-40B4-BE49-F238E27FC236}">
-                <a16:creationId xmlns:a16="http://schemas.microsoft.com/office/drawing/2014/main" id="{154C777A-D993-469E-A975-02B0A927E92A}"/>
+                <a16:creationId xmlns:a16="http://schemas.microsoft.com/office/drawing/2014/main" xmlns="" id="{154C777A-D993-469E-A975-02B0A927E92A}"/>
               </a:ext>
             </a:extLst>
           </p:cNvPr>
@@ -13252,7 +13268,7 @@
           <p:cNvPr id="3" name="Inhaltsplatzhalter 2">
             <a:extLst>
               <a:ext uri="{FF2B5EF4-FFF2-40B4-BE49-F238E27FC236}">
-                <a16:creationId xmlns:a16="http://schemas.microsoft.com/office/drawing/2014/main" id="{7FD99158-B77C-4DA0-B078-CEB2FFB9560D}"/>
+                <a16:creationId xmlns:a16="http://schemas.microsoft.com/office/drawing/2014/main" xmlns="" id="{7FD99158-B77C-4DA0-B078-CEB2FFB9560D}"/>
               </a:ext>
             </a:extLst>
           </p:cNvPr>
@@ -13339,7 +13355,7 @@
           <p:cNvPr id="4" name="Datumsplatzhalter 3">
             <a:extLst>
               <a:ext uri="{FF2B5EF4-FFF2-40B4-BE49-F238E27FC236}">
-                <a16:creationId xmlns:a16="http://schemas.microsoft.com/office/drawing/2014/main" id="{19BA4A8D-192B-4580-827A-D4284005ABF7}"/>
+                <a16:creationId xmlns:a16="http://schemas.microsoft.com/office/drawing/2014/main" xmlns="" id="{19BA4A8D-192B-4580-827A-D4284005ABF7}"/>
               </a:ext>
             </a:extLst>
           </p:cNvPr>
@@ -13357,7 +13373,7 @@
           <a:p>
             <a:fld id="{DAFA5E08-56C4-4D00-93E8-8E8047A8DE89}" type="datetime1">
               <a:rPr lang="de-DE" smtClean="0"/>
-              <a:t>22.02.2022</a:t>
+              <a:t>23.02.2022</a:t>
             </a:fld>
             <a:endParaRPr lang="de-DE"/>
           </a:p>
@@ -13368,7 +13384,7 @@
           <p:cNvPr id="5" name="Fußzeilenplatzhalter 4">
             <a:extLst>
               <a:ext uri="{FF2B5EF4-FFF2-40B4-BE49-F238E27FC236}">
-                <a16:creationId xmlns:a16="http://schemas.microsoft.com/office/drawing/2014/main" id="{E6F1BA1B-FA83-4A35-8512-0E327679A872}"/>
+                <a16:creationId xmlns:a16="http://schemas.microsoft.com/office/drawing/2014/main" xmlns="" id="{E6F1BA1B-FA83-4A35-8512-0E327679A872}"/>
               </a:ext>
             </a:extLst>
           </p:cNvPr>
@@ -13396,7 +13412,7 @@
           <p:cNvPr id="6" name="Foliennummernplatzhalter 5">
             <a:extLst>
               <a:ext uri="{FF2B5EF4-FFF2-40B4-BE49-F238E27FC236}">
-                <a16:creationId xmlns:a16="http://schemas.microsoft.com/office/drawing/2014/main" id="{C85C17E5-ADA4-4EAF-A4F8-B42C730C6AF0}"/>
+                <a16:creationId xmlns:a16="http://schemas.microsoft.com/office/drawing/2014/main" xmlns="" id="{C85C17E5-ADA4-4EAF-A4F8-B42C730C6AF0}"/>
               </a:ext>
             </a:extLst>
           </p:cNvPr>
@@ -13425,7 +13441,7 @@
           <p:cNvPr id="10" name="Grafik 9">
             <a:extLst>
               <a:ext uri="{FF2B5EF4-FFF2-40B4-BE49-F238E27FC236}">
-                <a16:creationId xmlns:a16="http://schemas.microsoft.com/office/drawing/2014/main" id="{69B203E7-ECBE-4E1E-87B3-87C731336487}"/>
+                <a16:creationId xmlns:a16="http://schemas.microsoft.com/office/drawing/2014/main" xmlns="" id="{69B203E7-ECBE-4E1E-87B3-87C731336487}"/>
               </a:ext>
             </a:extLst>
           </p:cNvPr>
@@ -13455,7 +13471,7 @@
           <p:cNvPr id="12" name="Grafik 11">
             <a:extLst>
               <a:ext uri="{FF2B5EF4-FFF2-40B4-BE49-F238E27FC236}">
-                <a16:creationId xmlns:a16="http://schemas.microsoft.com/office/drawing/2014/main" id="{A1588B27-F807-4FCC-A4C2-703770C771D2}"/>
+                <a16:creationId xmlns:a16="http://schemas.microsoft.com/office/drawing/2014/main" xmlns="" id="{A1588B27-F807-4FCC-A4C2-703770C771D2}"/>
               </a:ext>
             </a:extLst>
           </p:cNvPr>
@@ -13496,6 +13512,14 @@
   <p:clrMapOvr>
     <a:masterClrMapping/>
   </p:clrMapOvr>
+  <mc:AlternateContent xmlns:mc="http://schemas.openxmlformats.org/markup-compatibility/2006">
+    <mc:Choice xmlns:p14="http://schemas.microsoft.com/office/powerpoint/2010/main" Requires="p14">
+      <p:transition spd="slow" p14:dur="2000"/>
+    </mc:Choice>
+    <mc:Fallback>
+      <p:transition spd="slow"/>
+    </mc:Fallback>
+  </mc:AlternateContent>
 </p:sld>
 </file>
 
@@ -13555,7 +13579,7 @@
           <a:p>
             <a:fld id="{29F03F87-5FC1-454A-B924-57348B963929}" type="datetime1">
               <a:rPr lang="de-DE" smtClean="0"/>
-              <a:t>22.02.2022</a:t>
+              <a:t>23.02.2022</a:t>
             </a:fld>
             <a:endParaRPr lang="de-DE"/>
           </a:p>
@@ -13641,7 +13665,7 @@
           <p:cNvPr id="2" name="Titel 1">
             <a:extLst>
               <a:ext uri="{FF2B5EF4-FFF2-40B4-BE49-F238E27FC236}">
-                <a16:creationId xmlns:a16="http://schemas.microsoft.com/office/drawing/2014/main" id="{154C777A-D993-469E-A975-02B0A927E92A}"/>
+                <a16:creationId xmlns:a16="http://schemas.microsoft.com/office/drawing/2014/main" xmlns="" id="{154C777A-D993-469E-A975-02B0A927E92A}"/>
               </a:ext>
             </a:extLst>
           </p:cNvPr>
@@ -13669,7 +13693,7 @@
           <p:cNvPr id="3" name="Inhaltsplatzhalter 2">
             <a:extLst>
               <a:ext uri="{FF2B5EF4-FFF2-40B4-BE49-F238E27FC236}">
-                <a16:creationId xmlns:a16="http://schemas.microsoft.com/office/drawing/2014/main" id="{7FD99158-B77C-4DA0-B078-CEB2FFB9560D}"/>
+                <a16:creationId xmlns:a16="http://schemas.microsoft.com/office/drawing/2014/main" xmlns="" id="{7FD99158-B77C-4DA0-B078-CEB2FFB9560D}"/>
               </a:ext>
             </a:extLst>
           </p:cNvPr>
@@ -13768,7 +13792,7 @@
           <p:cNvPr id="4" name="Datumsplatzhalter 3">
             <a:extLst>
               <a:ext uri="{FF2B5EF4-FFF2-40B4-BE49-F238E27FC236}">
-                <a16:creationId xmlns:a16="http://schemas.microsoft.com/office/drawing/2014/main" id="{19BA4A8D-192B-4580-827A-D4284005ABF7}"/>
+                <a16:creationId xmlns:a16="http://schemas.microsoft.com/office/drawing/2014/main" xmlns="" id="{19BA4A8D-192B-4580-827A-D4284005ABF7}"/>
               </a:ext>
             </a:extLst>
           </p:cNvPr>
@@ -13786,7 +13810,7 @@
           <a:p>
             <a:fld id="{DAFA5E08-56C4-4D00-93E8-8E8047A8DE89}" type="datetime1">
               <a:rPr lang="de-DE" smtClean="0"/>
-              <a:t>22.02.2022</a:t>
+              <a:t>23.02.2022</a:t>
             </a:fld>
             <a:endParaRPr lang="de-DE"/>
           </a:p>
@@ -13797,7 +13821,7 @@
           <p:cNvPr id="5" name="Fußzeilenplatzhalter 4">
             <a:extLst>
               <a:ext uri="{FF2B5EF4-FFF2-40B4-BE49-F238E27FC236}">
-                <a16:creationId xmlns:a16="http://schemas.microsoft.com/office/drawing/2014/main" id="{E6F1BA1B-FA83-4A35-8512-0E327679A872}"/>
+                <a16:creationId xmlns:a16="http://schemas.microsoft.com/office/drawing/2014/main" xmlns="" id="{E6F1BA1B-FA83-4A35-8512-0E327679A872}"/>
               </a:ext>
             </a:extLst>
           </p:cNvPr>
@@ -13825,7 +13849,7 @@
           <p:cNvPr id="6" name="Foliennummernplatzhalter 5">
             <a:extLst>
               <a:ext uri="{FF2B5EF4-FFF2-40B4-BE49-F238E27FC236}">
-                <a16:creationId xmlns:a16="http://schemas.microsoft.com/office/drawing/2014/main" id="{C85C17E5-ADA4-4EAF-A4F8-B42C730C6AF0}"/>
+                <a16:creationId xmlns:a16="http://schemas.microsoft.com/office/drawing/2014/main" xmlns="" id="{C85C17E5-ADA4-4EAF-A4F8-B42C730C6AF0}"/>
               </a:ext>
             </a:extLst>
           </p:cNvPr>
@@ -13854,7 +13878,7 @@
           <p:cNvPr id="14" name="Grafik 13">
             <a:extLst>
               <a:ext uri="{FF2B5EF4-FFF2-40B4-BE49-F238E27FC236}">
-                <a16:creationId xmlns:a16="http://schemas.microsoft.com/office/drawing/2014/main" id="{CD016515-D257-46CB-82D3-1AE6A93CD238}"/>
+                <a16:creationId xmlns:a16="http://schemas.microsoft.com/office/drawing/2014/main" xmlns="" id="{CD016515-D257-46CB-82D3-1AE6A93CD238}"/>
               </a:ext>
             </a:extLst>
           </p:cNvPr>
@@ -13884,7 +13908,7 @@
           <p:cNvPr id="11" name="Grafik 10">
             <a:extLst>
               <a:ext uri="{FF2B5EF4-FFF2-40B4-BE49-F238E27FC236}">
-                <a16:creationId xmlns:a16="http://schemas.microsoft.com/office/drawing/2014/main" id="{A5F50C68-E92F-4D6E-A707-71EBD7DA5472}"/>
+                <a16:creationId xmlns:a16="http://schemas.microsoft.com/office/drawing/2014/main" xmlns="" id="{A5F50C68-E92F-4D6E-A707-71EBD7DA5472}"/>
               </a:ext>
             </a:extLst>
           </p:cNvPr>
@@ -13929,7 +13953,7 @@
 </file>
 
 <file path=ppt/slides/slide31.xml><?xml version="1.0" encoding="utf-8"?>
-<p:sld xmlns:a="http://schemas.openxmlformats.org/drawingml/2006/main" xmlns:r="http://schemas.openxmlformats.org/officeDocument/2006/relationships" xmlns:p="http://schemas.openxmlformats.org/presentationml/2006/main">
+<p:sld xmlns:a="http://schemas.openxmlformats.org/drawingml/2006/main" xmlns:r="http://schemas.openxmlformats.org/officeDocument/2006/relationships" xmlns:p="http://schemas.openxmlformats.org/presentationml/2006/main" show="0">
   <p:cSld>
     <p:spTree>
       <p:nvGrpSpPr>
@@ -13950,7 +13974,7 @@
           <p:cNvPr id="2" name="Titel 1">
             <a:extLst>
               <a:ext uri="{FF2B5EF4-FFF2-40B4-BE49-F238E27FC236}">
-                <a16:creationId xmlns:a16="http://schemas.microsoft.com/office/drawing/2014/main" id="{874F4253-59F8-4043-B739-6361EFD91581}"/>
+                <a16:creationId xmlns:a16="http://schemas.microsoft.com/office/drawing/2014/main" xmlns="" id="{874F4253-59F8-4043-B739-6361EFD91581}"/>
               </a:ext>
             </a:extLst>
           </p:cNvPr>
@@ -13978,7 +14002,7 @@
           <p:cNvPr id="3" name="Inhaltsplatzhalter 2">
             <a:extLst>
               <a:ext uri="{FF2B5EF4-FFF2-40B4-BE49-F238E27FC236}">
-                <a16:creationId xmlns:a16="http://schemas.microsoft.com/office/drawing/2014/main" id="{06B8EDB9-223A-4FAC-B9B0-9B4BB87210EF}"/>
+                <a16:creationId xmlns:a16="http://schemas.microsoft.com/office/drawing/2014/main" xmlns="" id="{06B8EDB9-223A-4FAC-B9B0-9B4BB87210EF}"/>
               </a:ext>
             </a:extLst>
           </p:cNvPr>
@@ -14087,7 +14111,7 @@
           <p:cNvPr id="4" name="Datumsplatzhalter 3">
             <a:extLst>
               <a:ext uri="{FF2B5EF4-FFF2-40B4-BE49-F238E27FC236}">
-                <a16:creationId xmlns:a16="http://schemas.microsoft.com/office/drawing/2014/main" id="{961CF908-1ECC-4D52-A78D-B751386BA5F2}"/>
+                <a16:creationId xmlns:a16="http://schemas.microsoft.com/office/drawing/2014/main" xmlns="" id="{961CF908-1ECC-4D52-A78D-B751386BA5F2}"/>
               </a:ext>
             </a:extLst>
           </p:cNvPr>
@@ -14105,7 +14129,7 @@
           <a:p>
             <a:fld id="{DAFA5E08-56C4-4D00-93E8-8E8047A8DE89}" type="datetime1">
               <a:rPr lang="de-DE" smtClean="0"/>
-              <a:t>22.02.2022</a:t>
+              <a:t>23.02.2022</a:t>
             </a:fld>
             <a:endParaRPr lang="de-DE"/>
           </a:p>
@@ -14116,7 +14140,7 @@
           <p:cNvPr id="5" name="Fußzeilenplatzhalter 4">
             <a:extLst>
               <a:ext uri="{FF2B5EF4-FFF2-40B4-BE49-F238E27FC236}">
-                <a16:creationId xmlns:a16="http://schemas.microsoft.com/office/drawing/2014/main" id="{BE378895-F615-4AB7-B16B-E17E68B24B2F}"/>
+                <a16:creationId xmlns:a16="http://schemas.microsoft.com/office/drawing/2014/main" xmlns="" id="{BE378895-F615-4AB7-B16B-E17E68B24B2F}"/>
               </a:ext>
             </a:extLst>
           </p:cNvPr>
@@ -14144,7 +14168,7 @@
           <p:cNvPr id="6" name="Foliennummernplatzhalter 5">
             <a:extLst>
               <a:ext uri="{FF2B5EF4-FFF2-40B4-BE49-F238E27FC236}">
-                <a16:creationId xmlns:a16="http://schemas.microsoft.com/office/drawing/2014/main" id="{1DACD878-0D04-4BD0-B50D-A7FCA227E301}"/>
+                <a16:creationId xmlns:a16="http://schemas.microsoft.com/office/drawing/2014/main" xmlns="" id="{1DACD878-0D04-4BD0-B50D-A7FCA227E301}"/>
               </a:ext>
             </a:extLst>
           </p:cNvPr>
@@ -14173,7 +14197,7 @@
           <p:cNvPr id="12" name="Grafik 11">
             <a:extLst>
               <a:ext uri="{FF2B5EF4-FFF2-40B4-BE49-F238E27FC236}">
-                <a16:creationId xmlns:a16="http://schemas.microsoft.com/office/drawing/2014/main" id="{A283EDAA-5093-4801-AD0B-37E1E793F51C}"/>
+                <a16:creationId xmlns:a16="http://schemas.microsoft.com/office/drawing/2014/main" xmlns="" id="{A283EDAA-5093-4801-AD0B-37E1E793F51C}"/>
               </a:ext>
             </a:extLst>
           </p:cNvPr>
@@ -14208,6 +14232,14 @@
   <p:clrMapOvr>
     <a:masterClrMapping/>
   </p:clrMapOvr>
+  <mc:AlternateContent xmlns:mc="http://schemas.openxmlformats.org/markup-compatibility/2006">
+    <mc:Choice xmlns:p14="http://schemas.microsoft.com/office/powerpoint/2010/main" Requires="p14">
+      <p:transition spd="slow" p14:dur="2000"/>
+    </mc:Choice>
+    <mc:Fallback>
+      <p:transition spd="slow"/>
+    </mc:Fallback>
+  </mc:AlternateContent>
 </p:sld>
 </file>
 
@@ -14233,7 +14265,7 @@
           <p:cNvPr id="2" name="Titel 1">
             <a:extLst>
               <a:ext uri="{FF2B5EF4-FFF2-40B4-BE49-F238E27FC236}">
-                <a16:creationId xmlns:a16="http://schemas.microsoft.com/office/drawing/2014/main" id="{899C87DA-A1E1-4A0D-8697-B904CC32E2D0}"/>
+                <a16:creationId xmlns:a16="http://schemas.microsoft.com/office/drawing/2014/main" xmlns="" id="{899C87DA-A1E1-4A0D-8697-B904CC32E2D0}"/>
               </a:ext>
             </a:extLst>
           </p:cNvPr>
@@ -14261,7 +14293,7 @@
           <p:cNvPr id="3" name="Inhaltsplatzhalter 2">
             <a:extLst>
               <a:ext uri="{FF2B5EF4-FFF2-40B4-BE49-F238E27FC236}">
-                <a16:creationId xmlns:a16="http://schemas.microsoft.com/office/drawing/2014/main" id="{177D9904-1D40-4D37-9547-F95BA5437490}"/>
+                <a16:creationId xmlns:a16="http://schemas.microsoft.com/office/drawing/2014/main" xmlns="" id="{177D9904-1D40-4D37-9547-F95BA5437490}"/>
               </a:ext>
             </a:extLst>
           </p:cNvPr>
@@ -14289,7 +14321,7 @@
           <p:cNvPr id="4" name="Datumsplatzhalter 3">
             <a:extLst>
               <a:ext uri="{FF2B5EF4-FFF2-40B4-BE49-F238E27FC236}">
-                <a16:creationId xmlns:a16="http://schemas.microsoft.com/office/drawing/2014/main" id="{4761F2EA-E414-455E-9989-A9DEDD7D61A9}"/>
+                <a16:creationId xmlns:a16="http://schemas.microsoft.com/office/drawing/2014/main" xmlns="" id="{4761F2EA-E414-455E-9989-A9DEDD7D61A9}"/>
               </a:ext>
             </a:extLst>
           </p:cNvPr>
@@ -14307,7 +14339,7 @@
           <a:p>
             <a:fld id="{DAFA5E08-56C4-4D00-93E8-8E8047A8DE89}" type="datetime1">
               <a:rPr lang="de-DE" smtClean="0"/>
-              <a:t>22.02.2022</a:t>
+              <a:t>23.02.2022</a:t>
             </a:fld>
             <a:endParaRPr lang="de-DE"/>
           </a:p>
@@ -14318,7 +14350,7 @@
           <p:cNvPr id="5" name="Fußzeilenplatzhalter 4">
             <a:extLst>
               <a:ext uri="{FF2B5EF4-FFF2-40B4-BE49-F238E27FC236}">
-                <a16:creationId xmlns:a16="http://schemas.microsoft.com/office/drawing/2014/main" id="{C9F552B5-2D0D-4029-A75C-37DCD890FEA6}"/>
+                <a16:creationId xmlns:a16="http://schemas.microsoft.com/office/drawing/2014/main" xmlns="" id="{C9F552B5-2D0D-4029-A75C-37DCD890FEA6}"/>
               </a:ext>
             </a:extLst>
           </p:cNvPr>
@@ -14346,7 +14378,7 @@
           <p:cNvPr id="6" name="Foliennummernplatzhalter 5">
             <a:extLst>
               <a:ext uri="{FF2B5EF4-FFF2-40B4-BE49-F238E27FC236}">
-                <a16:creationId xmlns:a16="http://schemas.microsoft.com/office/drawing/2014/main" id="{40420AB0-E90D-40E9-AA57-D249EE156849}"/>
+                <a16:creationId xmlns:a16="http://schemas.microsoft.com/office/drawing/2014/main" xmlns="" id="{40420AB0-E90D-40E9-AA57-D249EE156849}"/>
               </a:ext>
             </a:extLst>
           </p:cNvPr>
@@ -14375,7 +14407,7 @@
           <p:cNvPr id="8" name="Grafik 7">
             <a:extLst>
               <a:ext uri="{FF2B5EF4-FFF2-40B4-BE49-F238E27FC236}">
-                <a16:creationId xmlns:a16="http://schemas.microsoft.com/office/drawing/2014/main" id="{8FCDA493-E166-40A3-9155-7AA8C4020AA8}"/>
+                <a16:creationId xmlns:a16="http://schemas.microsoft.com/office/drawing/2014/main" xmlns="" id="{8FCDA493-E166-40A3-9155-7AA8C4020AA8}"/>
               </a:ext>
             </a:extLst>
           </p:cNvPr>
@@ -14435,7 +14467,7 @@
           <p:cNvPr id="2" name="Titel 1">
             <a:extLst>
               <a:ext uri="{FF2B5EF4-FFF2-40B4-BE49-F238E27FC236}">
-                <a16:creationId xmlns:a16="http://schemas.microsoft.com/office/drawing/2014/main" id="{AFCEF019-CE9E-40CF-A159-7AE918388E53}"/>
+                <a16:creationId xmlns:a16="http://schemas.microsoft.com/office/drawing/2014/main" xmlns="" id="{AFCEF019-CE9E-40CF-A159-7AE918388E53}"/>
               </a:ext>
             </a:extLst>
           </p:cNvPr>
@@ -14463,7 +14495,7 @@
           <p:cNvPr id="3" name="Inhaltsplatzhalter 2">
             <a:extLst>
               <a:ext uri="{FF2B5EF4-FFF2-40B4-BE49-F238E27FC236}">
-                <a16:creationId xmlns:a16="http://schemas.microsoft.com/office/drawing/2014/main" id="{9A27E359-10C0-44A9-86DC-B267E93683F5}"/>
+                <a16:creationId xmlns:a16="http://schemas.microsoft.com/office/drawing/2014/main" xmlns="" id="{9A27E359-10C0-44A9-86DC-B267E93683F5}"/>
               </a:ext>
             </a:extLst>
           </p:cNvPr>
@@ -14496,7 +14528,7 @@
           <p:cNvPr id="4" name="Datumsplatzhalter 3">
             <a:extLst>
               <a:ext uri="{FF2B5EF4-FFF2-40B4-BE49-F238E27FC236}">
-                <a16:creationId xmlns:a16="http://schemas.microsoft.com/office/drawing/2014/main" id="{956BD410-1B64-470D-908B-449E595EC2D8}"/>
+                <a16:creationId xmlns:a16="http://schemas.microsoft.com/office/drawing/2014/main" xmlns="" id="{956BD410-1B64-470D-908B-449E595EC2D8}"/>
               </a:ext>
             </a:extLst>
           </p:cNvPr>
@@ -14514,7 +14546,7 @@
           <a:p>
             <a:fld id="{DAFA5E08-56C4-4D00-93E8-8E8047A8DE89}" type="datetime1">
               <a:rPr lang="de-DE" smtClean="0"/>
-              <a:t>22.02.2022</a:t>
+              <a:t>23.02.2022</a:t>
             </a:fld>
             <a:endParaRPr lang="de-DE"/>
           </a:p>
@@ -14525,7 +14557,7 @@
           <p:cNvPr id="5" name="Fußzeilenplatzhalter 4">
             <a:extLst>
               <a:ext uri="{FF2B5EF4-FFF2-40B4-BE49-F238E27FC236}">
-                <a16:creationId xmlns:a16="http://schemas.microsoft.com/office/drawing/2014/main" id="{4D50C99E-EC17-42F9-937E-A8764B7AC7CC}"/>
+                <a16:creationId xmlns:a16="http://schemas.microsoft.com/office/drawing/2014/main" xmlns="" id="{4D50C99E-EC17-42F9-937E-A8764B7AC7CC}"/>
               </a:ext>
             </a:extLst>
           </p:cNvPr>
@@ -14553,7 +14585,7 @@
           <p:cNvPr id="6" name="Foliennummernplatzhalter 5">
             <a:extLst>
               <a:ext uri="{FF2B5EF4-FFF2-40B4-BE49-F238E27FC236}">
-                <a16:creationId xmlns:a16="http://schemas.microsoft.com/office/drawing/2014/main" id="{1F71DAAE-C308-4314-ADB8-31E89CC245E5}"/>
+                <a16:creationId xmlns:a16="http://schemas.microsoft.com/office/drawing/2014/main" xmlns="" id="{1F71DAAE-C308-4314-ADB8-31E89CC245E5}"/>
               </a:ext>
             </a:extLst>
           </p:cNvPr>
@@ -14582,7 +14614,7 @@
           <p:cNvPr id="11" name="Grafik 10">
             <a:extLst>
               <a:ext uri="{FF2B5EF4-FFF2-40B4-BE49-F238E27FC236}">
-                <a16:creationId xmlns:a16="http://schemas.microsoft.com/office/drawing/2014/main" id="{1B16811F-C16A-466A-A80F-B495CB174DC2}"/>
+                <a16:creationId xmlns:a16="http://schemas.microsoft.com/office/drawing/2014/main" xmlns="" id="{1B16811F-C16A-466A-A80F-B495CB174DC2}"/>
               </a:ext>
             </a:extLst>
           </p:cNvPr>
@@ -14612,7 +14644,7 @@
           <p:cNvPr id="12" name="Rechteck 11">
             <a:extLst>
               <a:ext uri="{FF2B5EF4-FFF2-40B4-BE49-F238E27FC236}">
-                <a16:creationId xmlns:a16="http://schemas.microsoft.com/office/drawing/2014/main" id="{32A98E5E-0348-40EF-AA83-C4B7128C7948}"/>
+                <a16:creationId xmlns:a16="http://schemas.microsoft.com/office/drawing/2014/main" xmlns="" id="{32A98E5E-0348-40EF-AA83-C4B7128C7948}"/>
               </a:ext>
             </a:extLst>
           </p:cNvPr>
@@ -14694,7 +14726,7 @@
           <p:cNvPr id="2" name="Titel 1">
             <a:extLst>
               <a:ext uri="{FF2B5EF4-FFF2-40B4-BE49-F238E27FC236}">
-                <a16:creationId xmlns:a16="http://schemas.microsoft.com/office/drawing/2014/main" id="{0A49550C-5EB1-4A77-A3CD-3ECF3C11B25D}"/>
+                <a16:creationId xmlns:a16="http://schemas.microsoft.com/office/drawing/2014/main" xmlns="" id="{0A49550C-5EB1-4A77-A3CD-3ECF3C11B25D}"/>
               </a:ext>
             </a:extLst>
           </p:cNvPr>
@@ -14722,7 +14754,7 @@
           <p:cNvPr id="3" name="Inhaltsplatzhalter 2">
             <a:extLst>
               <a:ext uri="{FF2B5EF4-FFF2-40B4-BE49-F238E27FC236}">
-                <a16:creationId xmlns:a16="http://schemas.microsoft.com/office/drawing/2014/main" id="{0E42A3E6-A13F-4FA0-92E4-DA55FFF6D19D}"/>
+                <a16:creationId xmlns:a16="http://schemas.microsoft.com/office/drawing/2014/main" xmlns="" id="{0E42A3E6-A13F-4FA0-92E4-DA55FFF6D19D}"/>
               </a:ext>
             </a:extLst>
           </p:cNvPr>
@@ -14759,7 +14791,7 @@
           <p:cNvPr id="4" name="Datumsplatzhalter 3">
             <a:extLst>
               <a:ext uri="{FF2B5EF4-FFF2-40B4-BE49-F238E27FC236}">
-                <a16:creationId xmlns:a16="http://schemas.microsoft.com/office/drawing/2014/main" id="{FE47D2B2-B7B2-4990-B994-205A3D84883D}"/>
+                <a16:creationId xmlns:a16="http://schemas.microsoft.com/office/drawing/2014/main" xmlns="" id="{FE47D2B2-B7B2-4990-B994-205A3D84883D}"/>
               </a:ext>
             </a:extLst>
           </p:cNvPr>
@@ -14777,7 +14809,7 @@
           <a:p>
             <a:fld id="{DAFA5E08-56C4-4D00-93E8-8E8047A8DE89}" type="datetime1">
               <a:rPr lang="de-DE" smtClean="0"/>
-              <a:t>22.02.2022</a:t>
+              <a:t>23.02.2022</a:t>
             </a:fld>
             <a:endParaRPr lang="de-DE"/>
           </a:p>
@@ -14788,7 +14820,7 @@
           <p:cNvPr id="5" name="Fußzeilenplatzhalter 4">
             <a:extLst>
               <a:ext uri="{FF2B5EF4-FFF2-40B4-BE49-F238E27FC236}">
-                <a16:creationId xmlns:a16="http://schemas.microsoft.com/office/drawing/2014/main" id="{20262332-6229-454E-B11F-3E162E581BA0}"/>
+                <a16:creationId xmlns:a16="http://schemas.microsoft.com/office/drawing/2014/main" xmlns="" id="{20262332-6229-454E-B11F-3E162E581BA0}"/>
               </a:ext>
             </a:extLst>
           </p:cNvPr>
@@ -14816,7 +14848,7 @@
           <p:cNvPr id="6" name="Foliennummernplatzhalter 5">
             <a:extLst>
               <a:ext uri="{FF2B5EF4-FFF2-40B4-BE49-F238E27FC236}">
-                <a16:creationId xmlns:a16="http://schemas.microsoft.com/office/drawing/2014/main" id="{D152F93E-6A32-4413-ACB0-3B9460675DD9}"/>
+                <a16:creationId xmlns:a16="http://schemas.microsoft.com/office/drawing/2014/main" xmlns="" id="{D152F93E-6A32-4413-ACB0-3B9460675DD9}"/>
               </a:ext>
             </a:extLst>
           </p:cNvPr>
@@ -14845,7 +14877,7 @@
           <p:cNvPr id="10" name="Grafik 9">
             <a:extLst>
               <a:ext uri="{FF2B5EF4-FFF2-40B4-BE49-F238E27FC236}">
-                <a16:creationId xmlns:a16="http://schemas.microsoft.com/office/drawing/2014/main" id="{4E2DE4C2-B8A8-4A8E-9AA0-34DD53741D18}"/>
+                <a16:creationId xmlns:a16="http://schemas.microsoft.com/office/drawing/2014/main" xmlns="" id="{4E2DE4C2-B8A8-4A8E-9AA0-34DD53741D18}"/>
               </a:ext>
             </a:extLst>
           </p:cNvPr>
@@ -14875,7 +14907,7 @@
           <p:cNvPr id="12" name="Rechteck 11">
             <a:extLst>
               <a:ext uri="{FF2B5EF4-FFF2-40B4-BE49-F238E27FC236}">
-                <a16:creationId xmlns:a16="http://schemas.microsoft.com/office/drawing/2014/main" id="{05F195C1-A00F-4FF4-880D-24F37478CF8F}"/>
+                <a16:creationId xmlns:a16="http://schemas.microsoft.com/office/drawing/2014/main" xmlns="" id="{05F195C1-A00F-4FF4-880D-24F37478CF8F}"/>
               </a:ext>
             </a:extLst>
           </p:cNvPr>
@@ -14957,7 +14989,7 @@
           <p:cNvPr id="2" name="Titel 1">
             <a:extLst>
               <a:ext uri="{FF2B5EF4-FFF2-40B4-BE49-F238E27FC236}">
-                <a16:creationId xmlns:a16="http://schemas.microsoft.com/office/drawing/2014/main" id="{08211B96-32A9-4DBA-AAFA-F99A8E5AA2B3}"/>
+                <a16:creationId xmlns:a16="http://schemas.microsoft.com/office/drawing/2014/main" xmlns="" id="{08211B96-32A9-4DBA-AAFA-F99A8E5AA2B3}"/>
               </a:ext>
             </a:extLst>
           </p:cNvPr>
@@ -14985,7 +15017,7 @@
           <p:cNvPr id="3" name="Inhaltsplatzhalter 2">
             <a:extLst>
               <a:ext uri="{FF2B5EF4-FFF2-40B4-BE49-F238E27FC236}">
-                <a16:creationId xmlns:a16="http://schemas.microsoft.com/office/drawing/2014/main" id="{C4D470EF-E8F1-45DD-8B9D-EFA8046B70D3}"/>
+                <a16:creationId xmlns:a16="http://schemas.microsoft.com/office/drawing/2014/main" xmlns="" id="{C4D470EF-E8F1-45DD-8B9D-EFA8046B70D3}"/>
               </a:ext>
             </a:extLst>
           </p:cNvPr>
@@ -15067,7 +15099,7 @@
           <p:cNvPr id="4" name="Datumsplatzhalter 3">
             <a:extLst>
               <a:ext uri="{FF2B5EF4-FFF2-40B4-BE49-F238E27FC236}">
-                <a16:creationId xmlns:a16="http://schemas.microsoft.com/office/drawing/2014/main" id="{D94E54DC-3B63-439A-AC28-1BA021B1A2CF}"/>
+                <a16:creationId xmlns:a16="http://schemas.microsoft.com/office/drawing/2014/main" xmlns="" id="{D94E54DC-3B63-439A-AC28-1BA021B1A2CF}"/>
               </a:ext>
             </a:extLst>
           </p:cNvPr>
@@ -15085,7 +15117,7 @@
           <a:p>
             <a:fld id="{DAFA5E08-56C4-4D00-93E8-8E8047A8DE89}" type="datetime1">
               <a:rPr lang="de-DE" smtClean="0"/>
-              <a:t>22.02.2022</a:t>
+              <a:t>23.02.2022</a:t>
             </a:fld>
             <a:endParaRPr lang="de-DE"/>
           </a:p>
@@ -15096,7 +15128,7 @@
           <p:cNvPr id="5" name="Fußzeilenplatzhalter 4">
             <a:extLst>
               <a:ext uri="{FF2B5EF4-FFF2-40B4-BE49-F238E27FC236}">
-                <a16:creationId xmlns:a16="http://schemas.microsoft.com/office/drawing/2014/main" id="{BE201530-B89C-4B05-91B4-F7ED12211F80}"/>
+                <a16:creationId xmlns:a16="http://schemas.microsoft.com/office/drawing/2014/main" xmlns="" id="{BE201530-B89C-4B05-91B4-F7ED12211F80}"/>
               </a:ext>
             </a:extLst>
           </p:cNvPr>
@@ -15124,7 +15156,7 @@
           <p:cNvPr id="6" name="Foliennummernplatzhalter 5">
             <a:extLst>
               <a:ext uri="{FF2B5EF4-FFF2-40B4-BE49-F238E27FC236}">
-                <a16:creationId xmlns:a16="http://schemas.microsoft.com/office/drawing/2014/main" id="{3D219C50-A7B1-4733-91CF-BC65626DF1F8}"/>
+                <a16:creationId xmlns:a16="http://schemas.microsoft.com/office/drawing/2014/main" xmlns="" id="{3D219C50-A7B1-4733-91CF-BC65626DF1F8}"/>
               </a:ext>
             </a:extLst>
           </p:cNvPr>
@@ -15153,7 +15185,7 @@
           <p:cNvPr id="8" name="Grafik 7">
             <a:extLst>
               <a:ext uri="{FF2B5EF4-FFF2-40B4-BE49-F238E27FC236}">
-                <a16:creationId xmlns:a16="http://schemas.microsoft.com/office/drawing/2014/main" id="{16C2DDEA-C55C-445E-839B-7C449367F42E}"/>
+                <a16:creationId xmlns:a16="http://schemas.microsoft.com/office/drawing/2014/main" xmlns="" id="{16C2DDEA-C55C-445E-839B-7C449367F42E}"/>
               </a:ext>
             </a:extLst>
           </p:cNvPr>
@@ -15183,7 +15215,7 @@
           <p:cNvPr id="9" name="Rechteck 8">
             <a:extLst>
               <a:ext uri="{FF2B5EF4-FFF2-40B4-BE49-F238E27FC236}">
-                <a16:creationId xmlns:a16="http://schemas.microsoft.com/office/drawing/2014/main" id="{BD60D9F6-3309-4B0C-9F0B-20D4EAC30575}"/>
+                <a16:creationId xmlns:a16="http://schemas.microsoft.com/office/drawing/2014/main" xmlns="" id="{BD60D9F6-3309-4B0C-9F0B-20D4EAC30575}"/>
               </a:ext>
             </a:extLst>
           </p:cNvPr>
@@ -15235,7 +15267,7 @@
           <p:cNvPr id="10" name="Rechteck 9">
             <a:extLst>
               <a:ext uri="{FF2B5EF4-FFF2-40B4-BE49-F238E27FC236}">
-                <a16:creationId xmlns:a16="http://schemas.microsoft.com/office/drawing/2014/main" id="{A98BE879-4D75-4B24-922A-0A8B24DE0322}"/>
+                <a16:creationId xmlns:a16="http://schemas.microsoft.com/office/drawing/2014/main" xmlns="" id="{A98BE879-4D75-4B24-922A-0A8B24DE0322}"/>
               </a:ext>
             </a:extLst>
           </p:cNvPr>
@@ -15287,7 +15319,7 @@
           <p:cNvPr id="11" name="Rechteck 10">
             <a:extLst>
               <a:ext uri="{FF2B5EF4-FFF2-40B4-BE49-F238E27FC236}">
-                <a16:creationId xmlns:a16="http://schemas.microsoft.com/office/drawing/2014/main" id="{41E54B5A-68AE-427C-9AD4-7E7369A80FF0}"/>
+                <a16:creationId xmlns:a16="http://schemas.microsoft.com/office/drawing/2014/main" xmlns="" id="{41E54B5A-68AE-427C-9AD4-7E7369A80FF0}"/>
               </a:ext>
             </a:extLst>
           </p:cNvPr>
@@ -15369,7 +15401,7 @@
           <p:cNvPr id="2" name="Titel 1">
             <a:extLst>
               <a:ext uri="{FF2B5EF4-FFF2-40B4-BE49-F238E27FC236}">
-                <a16:creationId xmlns:a16="http://schemas.microsoft.com/office/drawing/2014/main" id="{08211B96-32A9-4DBA-AAFA-F99A8E5AA2B3}"/>
+                <a16:creationId xmlns:a16="http://schemas.microsoft.com/office/drawing/2014/main" xmlns="" id="{08211B96-32A9-4DBA-AAFA-F99A8E5AA2B3}"/>
               </a:ext>
             </a:extLst>
           </p:cNvPr>
@@ -15397,7 +15429,7 @@
           <p:cNvPr id="3" name="Inhaltsplatzhalter 2">
             <a:extLst>
               <a:ext uri="{FF2B5EF4-FFF2-40B4-BE49-F238E27FC236}">
-                <a16:creationId xmlns:a16="http://schemas.microsoft.com/office/drawing/2014/main" id="{C4D470EF-E8F1-45DD-8B9D-EFA8046B70D3}"/>
+                <a16:creationId xmlns:a16="http://schemas.microsoft.com/office/drawing/2014/main" xmlns="" id="{C4D470EF-E8F1-45DD-8B9D-EFA8046B70D3}"/>
               </a:ext>
             </a:extLst>
           </p:cNvPr>
@@ -15451,7 +15483,7 @@
           <p:cNvPr id="4" name="Datumsplatzhalter 3">
             <a:extLst>
               <a:ext uri="{FF2B5EF4-FFF2-40B4-BE49-F238E27FC236}">
-                <a16:creationId xmlns:a16="http://schemas.microsoft.com/office/drawing/2014/main" id="{D94E54DC-3B63-439A-AC28-1BA021B1A2CF}"/>
+                <a16:creationId xmlns:a16="http://schemas.microsoft.com/office/drawing/2014/main" xmlns="" id="{D94E54DC-3B63-439A-AC28-1BA021B1A2CF}"/>
               </a:ext>
             </a:extLst>
           </p:cNvPr>
@@ -15469,7 +15501,7 @@
           <a:p>
             <a:fld id="{DAFA5E08-56C4-4D00-93E8-8E8047A8DE89}" type="datetime1">
               <a:rPr lang="de-DE" smtClean="0"/>
-              <a:t>22.02.2022</a:t>
+              <a:t>23.02.2022</a:t>
             </a:fld>
             <a:endParaRPr lang="de-DE"/>
           </a:p>
@@ -15480,7 +15512,7 @@
           <p:cNvPr id="5" name="Fußzeilenplatzhalter 4">
             <a:extLst>
               <a:ext uri="{FF2B5EF4-FFF2-40B4-BE49-F238E27FC236}">
-                <a16:creationId xmlns:a16="http://schemas.microsoft.com/office/drawing/2014/main" id="{BE201530-B89C-4B05-91B4-F7ED12211F80}"/>
+                <a16:creationId xmlns:a16="http://schemas.microsoft.com/office/drawing/2014/main" xmlns="" id="{BE201530-B89C-4B05-91B4-F7ED12211F80}"/>
               </a:ext>
             </a:extLst>
           </p:cNvPr>
@@ -15508,7 +15540,7 @@
           <p:cNvPr id="6" name="Foliennummernplatzhalter 5">
             <a:extLst>
               <a:ext uri="{FF2B5EF4-FFF2-40B4-BE49-F238E27FC236}">
-                <a16:creationId xmlns:a16="http://schemas.microsoft.com/office/drawing/2014/main" id="{3D219C50-A7B1-4733-91CF-BC65626DF1F8}"/>
+                <a16:creationId xmlns:a16="http://schemas.microsoft.com/office/drawing/2014/main" xmlns="" id="{3D219C50-A7B1-4733-91CF-BC65626DF1F8}"/>
               </a:ext>
             </a:extLst>
           </p:cNvPr>
@@ -15537,7 +15569,7 @@
           <p:cNvPr id="12" name="Grafik 11">
             <a:extLst>
               <a:ext uri="{FF2B5EF4-FFF2-40B4-BE49-F238E27FC236}">
-                <a16:creationId xmlns:a16="http://schemas.microsoft.com/office/drawing/2014/main" id="{93E75452-6C67-4A6B-A537-A50008381568}"/>
+                <a16:creationId xmlns:a16="http://schemas.microsoft.com/office/drawing/2014/main" xmlns="" id="{93E75452-6C67-4A6B-A537-A50008381568}"/>
               </a:ext>
             </a:extLst>
           </p:cNvPr>
@@ -15567,7 +15599,7 @@
           <p:cNvPr id="9" name="Rechteck 8">
             <a:extLst>
               <a:ext uri="{FF2B5EF4-FFF2-40B4-BE49-F238E27FC236}">
-                <a16:creationId xmlns:a16="http://schemas.microsoft.com/office/drawing/2014/main" id="{BD60D9F6-3309-4B0C-9F0B-20D4EAC30575}"/>
+                <a16:creationId xmlns:a16="http://schemas.microsoft.com/office/drawing/2014/main" xmlns="" id="{BD60D9F6-3309-4B0C-9F0B-20D4EAC30575}"/>
               </a:ext>
             </a:extLst>
           </p:cNvPr>
@@ -15619,7 +15651,7 @@
           <p:cNvPr id="14" name="Grafik 13">
             <a:extLst>
               <a:ext uri="{FF2B5EF4-FFF2-40B4-BE49-F238E27FC236}">
-                <a16:creationId xmlns:a16="http://schemas.microsoft.com/office/drawing/2014/main" id="{324AA184-F91C-4C18-B156-A50D2CC21BEB}"/>
+                <a16:creationId xmlns:a16="http://schemas.microsoft.com/office/drawing/2014/main" xmlns="" id="{324AA184-F91C-4C18-B156-A50D2CC21BEB}"/>
               </a:ext>
             </a:extLst>
           </p:cNvPr>
@@ -15679,7 +15711,7 @@
           <p:cNvPr id="2" name="Titel 1">
             <a:extLst>
               <a:ext uri="{FF2B5EF4-FFF2-40B4-BE49-F238E27FC236}">
-                <a16:creationId xmlns:a16="http://schemas.microsoft.com/office/drawing/2014/main" id="{A00C8FA2-3D0F-4462-B489-9D479E59C16D}"/>
+                <a16:creationId xmlns:a16="http://schemas.microsoft.com/office/drawing/2014/main" xmlns="" id="{A00C8FA2-3D0F-4462-B489-9D479E59C16D}"/>
               </a:ext>
             </a:extLst>
           </p:cNvPr>
@@ -15707,7 +15739,7 @@
           <p:cNvPr id="3" name="Inhaltsplatzhalter 2">
             <a:extLst>
               <a:ext uri="{FF2B5EF4-FFF2-40B4-BE49-F238E27FC236}">
-                <a16:creationId xmlns:a16="http://schemas.microsoft.com/office/drawing/2014/main" id="{EF420444-B9D9-449D-9F83-EDAC6443C9E0}"/>
+                <a16:creationId xmlns:a16="http://schemas.microsoft.com/office/drawing/2014/main" xmlns="" id="{EF420444-B9D9-449D-9F83-EDAC6443C9E0}"/>
               </a:ext>
             </a:extLst>
           </p:cNvPr>
@@ -15735,7 +15767,7 @@
           <p:cNvPr id="4" name="Datumsplatzhalter 3">
             <a:extLst>
               <a:ext uri="{FF2B5EF4-FFF2-40B4-BE49-F238E27FC236}">
-                <a16:creationId xmlns:a16="http://schemas.microsoft.com/office/drawing/2014/main" id="{B9F44BAF-14C3-4189-B74D-915E8CF56F5B}"/>
+                <a16:creationId xmlns:a16="http://schemas.microsoft.com/office/drawing/2014/main" xmlns="" id="{B9F44BAF-14C3-4189-B74D-915E8CF56F5B}"/>
               </a:ext>
             </a:extLst>
           </p:cNvPr>
@@ -15753,7 +15785,7 @@
           <a:p>
             <a:fld id="{DAFA5E08-56C4-4D00-93E8-8E8047A8DE89}" type="datetime1">
               <a:rPr lang="de-DE" smtClean="0"/>
-              <a:t>22.02.2022</a:t>
+              <a:t>23.02.2022</a:t>
             </a:fld>
             <a:endParaRPr lang="de-DE"/>
           </a:p>
@@ -15764,7 +15796,7 @@
           <p:cNvPr id="5" name="Fußzeilenplatzhalter 4">
             <a:extLst>
               <a:ext uri="{FF2B5EF4-FFF2-40B4-BE49-F238E27FC236}">
-                <a16:creationId xmlns:a16="http://schemas.microsoft.com/office/drawing/2014/main" id="{2C6060AF-582E-4CB3-BA70-301162BF6574}"/>
+                <a16:creationId xmlns:a16="http://schemas.microsoft.com/office/drawing/2014/main" xmlns="" id="{2C6060AF-582E-4CB3-BA70-301162BF6574}"/>
               </a:ext>
             </a:extLst>
           </p:cNvPr>
@@ -15792,7 +15824,7 @@
           <p:cNvPr id="6" name="Foliennummernplatzhalter 5">
             <a:extLst>
               <a:ext uri="{FF2B5EF4-FFF2-40B4-BE49-F238E27FC236}">
-                <a16:creationId xmlns:a16="http://schemas.microsoft.com/office/drawing/2014/main" id="{BB168572-FF3C-485B-934A-3CBFA358045B}"/>
+                <a16:creationId xmlns:a16="http://schemas.microsoft.com/office/drawing/2014/main" xmlns="" id="{BB168572-FF3C-485B-934A-3CBFA358045B}"/>
               </a:ext>
             </a:extLst>
           </p:cNvPr>
@@ -15821,7 +15853,7 @@
           <p:cNvPr id="8" name="Grafik 7">
             <a:extLst>
               <a:ext uri="{FF2B5EF4-FFF2-40B4-BE49-F238E27FC236}">
-                <a16:creationId xmlns:a16="http://schemas.microsoft.com/office/drawing/2014/main" id="{970E2186-F6EB-4ABD-B6EC-5618BDBA933F}"/>
+                <a16:creationId xmlns:a16="http://schemas.microsoft.com/office/drawing/2014/main" xmlns="" id="{970E2186-F6EB-4ABD-B6EC-5618BDBA933F}"/>
               </a:ext>
             </a:extLst>
           </p:cNvPr>
@@ -15851,7 +15883,7 @@
           <p:cNvPr id="10" name="Grafik 9">
             <a:extLst>
               <a:ext uri="{FF2B5EF4-FFF2-40B4-BE49-F238E27FC236}">
-                <a16:creationId xmlns:a16="http://schemas.microsoft.com/office/drawing/2014/main" id="{269A59FE-E3B1-4A6F-A9B0-4FBA07CF8CD1}"/>
+                <a16:creationId xmlns:a16="http://schemas.microsoft.com/office/drawing/2014/main" xmlns="" id="{269A59FE-E3B1-4A6F-A9B0-4FBA07CF8CD1}"/>
               </a:ext>
             </a:extLst>
           </p:cNvPr>
@@ -15881,7 +15913,7 @@
           <p:cNvPr id="11" name="Rechteck 10">
             <a:extLst>
               <a:ext uri="{FF2B5EF4-FFF2-40B4-BE49-F238E27FC236}">
-                <a16:creationId xmlns:a16="http://schemas.microsoft.com/office/drawing/2014/main" id="{F645A135-C4B9-4B3A-B5F1-9E232362AB84}"/>
+                <a16:creationId xmlns:a16="http://schemas.microsoft.com/office/drawing/2014/main" xmlns="" id="{F645A135-C4B9-4B3A-B5F1-9E232362AB84}"/>
               </a:ext>
             </a:extLst>
           </p:cNvPr>
@@ -15933,7 +15965,7 @@
           <p:cNvPr id="12" name="Rechteck 11">
             <a:extLst>
               <a:ext uri="{FF2B5EF4-FFF2-40B4-BE49-F238E27FC236}">
-                <a16:creationId xmlns:a16="http://schemas.microsoft.com/office/drawing/2014/main" id="{85560B81-A6BE-4DC9-B69C-4241C54B1911}"/>
+                <a16:creationId xmlns:a16="http://schemas.microsoft.com/office/drawing/2014/main" xmlns="" id="{85560B81-A6BE-4DC9-B69C-4241C54B1911}"/>
               </a:ext>
             </a:extLst>
           </p:cNvPr>
@@ -16015,7 +16047,7 @@
           <p:cNvPr id="2" name="Titel 1">
             <a:extLst>
               <a:ext uri="{FF2B5EF4-FFF2-40B4-BE49-F238E27FC236}">
-                <a16:creationId xmlns:a16="http://schemas.microsoft.com/office/drawing/2014/main" id="{FF42BAE0-45C1-44C2-A239-33EA0901AA61}"/>
+                <a16:creationId xmlns:a16="http://schemas.microsoft.com/office/drawing/2014/main" xmlns="" id="{FF42BAE0-45C1-44C2-A239-33EA0901AA61}"/>
               </a:ext>
             </a:extLst>
           </p:cNvPr>
@@ -16043,7 +16075,7 @@
           <p:cNvPr id="3" name="Inhaltsplatzhalter 2">
             <a:extLst>
               <a:ext uri="{FF2B5EF4-FFF2-40B4-BE49-F238E27FC236}">
-                <a16:creationId xmlns:a16="http://schemas.microsoft.com/office/drawing/2014/main" id="{494D6467-A2E3-442F-A44E-F6D399AA5FF8}"/>
+                <a16:creationId xmlns:a16="http://schemas.microsoft.com/office/drawing/2014/main" xmlns="" id="{494D6467-A2E3-442F-A44E-F6D399AA5FF8}"/>
               </a:ext>
             </a:extLst>
           </p:cNvPr>
@@ -16071,7 +16103,7 @@
           <p:cNvPr id="4" name="Datumsplatzhalter 3">
             <a:extLst>
               <a:ext uri="{FF2B5EF4-FFF2-40B4-BE49-F238E27FC236}">
-                <a16:creationId xmlns:a16="http://schemas.microsoft.com/office/drawing/2014/main" id="{30FAF8C3-2F4B-4EF7-8353-40DFA0E6A115}"/>
+                <a16:creationId xmlns:a16="http://schemas.microsoft.com/office/drawing/2014/main" xmlns="" id="{30FAF8C3-2F4B-4EF7-8353-40DFA0E6A115}"/>
               </a:ext>
             </a:extLst>
           </p:cNvPr>
@@ -16089,7 +16121,7 @@
           <a:p>
             <a:fld id="{DAFA5E08-56C4-4D00-93E8-8E8047A8DE89}" type="datetime1">
               <a:rPr lang="de-DE" smtClean="0"/>
-              <a:t>22.02.2022</a:t>
+              <a:t>23.02.2022</a:t>
             </a:fld>
             <a:endParaRPr lang="de-DE"/>
           </a:p>
@@ -16100,7 +16132,7 @@
           <p:cNvPr id="5" name="Fußzeilenplatzhalter 4">
             <a:extLst>
               <a:ext uri="{FF2B5EF4-FFF2-40B4-BE49-F238E27FC236}">
-                <a16:creationId xmlns:a16="http://schemas.microsoft.com/office/drawing/2014/main" id="{4540F2C8-4CB7-44C4-97EB-AB137F741496}"/>
+                <a16:creationId xmlns:a16="http://schemas.microsoft.com/office/drawing/2014/main" xmlns="" id="{4540F2C8-4CB7-44C4-97EB-AB137F741496}"/>
               </a:ext>
             </a:extLst>
           </p:cNvPr>
@@ -16128,7 +16160,7 @@
           <p:cNvPr id="6" name="Foliennummernplatzhalter 5">
             <a:extLst>
               <a:ext uri="{FF2B5EF4-FFF2-40B4-BE49-F238E27FC236}">
-                <a16:creationId xmlns:a16="http://schemas.microsoft.com/office/drawing/2014/main" id="{E32B2891-69AA-4D94-8CE7-8F34AF5F8119}"/>
+                <a16:creationId xmlns:a16="http://schemas.microsoft.com/office/drawing/2014/main" xmlns="" id="{E32B2891-69AA-4D94-8CE7-8F34AF5F8119}"/>
               </a:ext>
             </a:extLst>
           </p:cNvPr>
@@ -16157,7 +16189,7 @@
           <p:cNvPr id="8" name="Grafik 7">
             <a:extLst>
               <a:ext uri="{FF2B5EF4-FFF2-40B4-BE49-F238E27FC236}">
-                <a16:creationId xmlns:a16="http://schemas.microsoft.com/office/drawing/2014/main" id="{C9CE4F96-5708-48BE-AA3C-1663A45333F6}"/>
+                <a16:creationId xmlns:a16="http://schemas.microsoft.com/office/drawing/2014/main" xmlns="" id="{C9CE4F96-5708-48BE-AA3C-1663A45333F6}"/>
               </a:ext>
             </a:extLst>
           </p:cNvPr>
@@ -16187,7 +16219,7 @@
           <p:cNvPr id="10" name="Grafik 9">
             <a:extLst>
               <a:ext uri="{FF2B5EF4-FFF2-40B4-BE49-F238E27FC236}">
-                <a16:creationId xmlns:a16="http://schemas.microsoft.com/office/drawing/2014/main" id="{C30A7C00-821A-4FC0-BE2E-DFAC85E7D283}"/>
+                <a16:creationId xmlns:a16="http://schemas.microsoft.com/office/drawing/2014/main" xmlns="" id="{C30A7C00-821A-4FC0-BE2E-DFAC85E7D283}"/>
               </a:ext>
             </a:extLst>
           </p:cNvPr>
@@ -16217,7 +16249,7 @@
           <p:cNvPr id="11" name="Rechteck 10">
             <a:extLst>
               <a:ext uri="{FF2B5EF4-FFF2-40B4-BE49-F238E27FC236}">
-                <a16:creationId xmlns:a16="http://schemas.microsoft.com/office/drawing/2014/main" id="{03762DDA-8FBA-49EA-BBE9-2AA78349EB16}"/>
+                <a16:creationId xmlns:a16="http://schemas.microsoft.com/office/drawing/2014/main" xmlns="" id="{03762DDA-8FBA-49EA-BBE9-2AA78349EB16}"/>
               </a:ext>
             </a:extLst>
           </p:cNvPr>
@@ -16269,7 +16301,7 @@
           <p:cNvPr id="12" name="Rechteck 11">
             <a:extLst>
               <a:ext uri="{FF2B5EF4-FFF2-40B4-BE49-F238E27FC236}">
-                <a16:creationId xmlns:a16="http://schemas.microsoft.com/office/drawing/2014/main" id="{42780FD6-E617-47E2-B961-3642793E1C8D}"/>
+                <a16:creationId xmlns:a16="http://schemas.microsoft.com/office/drawing/2014/main" xmlns="" id="{42780FD6-E617-47E2-B961-3642793E1C8D}"/>
               </a:ext>
             </a:extLst>
           </p:cNvPr>
@@ -16351,7 +16383,7 @@
           <p:cNvPr id="2" name="Titel 1">
             <a:extLst>
               <a:ext uri="{FF2B5EF4-FFF2-40B4-BE49-F238E27FC236}">
-                <a16:creationId xmlns:a16="http://schemas.microsoft.com/office/drawing/2014/main" id="{FF42BAE0-45C1-44C2-A239-33EA0901AA61}"/>
+                <a16:creationId xmlns:a16="http://schemas.microsoft.com/office/drawing/2014/main" xmlns="" id="{FF42BAE0-45C1-44C2-A239-33EA0901AA61}"/>
               </a:ext>
             </a:extLst>
           </p:cNvPr>
@@ -16379,7 +16411,7 @@
           <p:cNvPr id="3" name="Inhaltsplatzhalter 2">
             <a:extLst>
               <a:ext uri="{FF2B5EF4-FFF2-40B4-BE49-F238E27FC236}">
-                <a16:creationId xmlns:a16="http://schemas.microsoft.com/office/drawing/2014/main" id="{494D6467-A2E3-442F-A44E-F6D399AA5FF8}"/>
+                <a16:creationId xmlns:a16="http://schemas.microsoft.com/office/drawing/2014/main" xmlns="" id="{494D6467-A2E3-442F-A44E-F6D399AA5FF8}"/>
               </a:ext>
             </a:extLst>
           </p:cNvPr>
@@ -16407,7 +16439,7 @@
           <p:cNvPr id="4" name="Datumsplatzhalter 3">
             <a:extLst>
               <a:ext uri="{FF2B5EF4-FFF2-40B4-BE49-F238E27FC236}">
-                <a16:creationId xmlns:a16="http://schemas.microsoft.com/office/drawing/2014/main" id="{30FAF8C3-2F4B-4EF7-8353-40DFA0E6A115}"/>
+                <a16:creationId xmlns:a16="http://schemas.microsoft.com/office/drawing/2014/main" xmlns="" id="{30FAF8C3-2F4B-4EF7-8353-40DFA0E6A115}"/>
               </a:ext>
             </a:extLst>
           </p:cNvPr>
@@ -16425,7 +16457,7 @@
           <a:p>
             <a:fld id="{DAFA5E08-56C4-4D00-93E8-8E8047A8DE89}" type="datetime1">
               <a:rPr lang="de-DE" smtClean="0"/>
-              <a:t>22.02.2022</a:t>
+              <a:t>23.02.2022</a:t>
             </a:fld>
             <a:endParaRPr lang="de-DE"/>
           </a:p>
@@ -16436,7 +16468,7 @@
           <p:cNvPr id="5" name="Fußzeilenplatzhalter 4">
             <a:extLst>
               <a:ext uri="{FF2B5EF4-FFF2-40B4-BE49-F238E27FC236}">
-                <a16:creationId xmlns:a16="http://schemas.microsoft.com/office/drawing/2014/main" id="{4540F2C8-4CB7-44C4-97EB-AB137F741496}"/>
+                <a16:creationId xmlns:a16="http://schemas.microsoft.com/office/drawing/2014/main" xmlns="" id="{4540F2C8-4CB7-44C4-97EB-AB137F741496}"/>
               </a:ext>
             </a:extLst>
           </p:cNvPr>
@@ -16464,7 +16496,7 @@
           <p:cNvPr id="6" name="Foliennummernplatzhalter 5">
             <a:extLst>
               <a:ext uri="{FF2B5EF4-FFF2-40B4-BE49-F238E27FC236}">
-                <a16:creationId xmlns:a16="http://schemas.microsoft.com/office/drawing/2014/main" id="{E32B2891-69AA-4D94-8CE7-8F34AF5F8119}"/>
+                <a16:creationId xmlns:a16="http://schemas.microsoft.com/office/drawing/2014/main" xmlns="" id="{E32B2891-69AA-4D94-8CE7-8F34AF5F8119}"/>
               </a:ext>
             </a:extLst>
           </p:cNvPr>
@@ -16493,7 +16525,7 @@
           <p:cNvPr id="9" name="Grafik 8">
             <a:extLst>
               <a:ext uri="{FF2B5EF4-FFF2-40B4-BE49-F238E27FC236}">
-                <a16:creationId xmlns:a16="http://schemas.microsoft.com/office/drawing/2014/main" id="{6759845D-3EAF-449C-BDFE-98B491E6DF76}"/>
+                <a16:creationId xmlns:a16="http://schemas.microsoft.com/office/drawing/2014/main" xmlns="" id="{6759845D-3EAF-449C-BDFE-98B491E6DF76}"/>
               </a:ext>
             </a:extLst>
           </p:cNvPr>
@@ -16523,7 +16555,7 @@
           <p:cNvPr id="13" name="Rechteck 12">
             <a:extLst>
               <a:ext uri="{FF2B5EF4-FFF2-40B4-BE49-F238E27FC236}">
-                <a16:creationId xmlns:a16="http://schemas.microsoft.com/office/drawing/2014/main" id="{A3147154-E7CA-492E-896A-72964F85C065}"/>
+                <a16:creationId xmlns:a16="http://schemas.microsoft.com/office/drawing/2014/main" xmlns="" id="{A3147154-E7CA-492E-896A-72964F85C065}"/>
               </a:ext>
             </a:extLst>
           </p:cNvPr>
@@ -16575,7 +16607,7 @@
           <p:cNvPr id="14" name="Rechteck 13">
             <a:extLst>
               <a:ext uri="{FF2B5EF4-FFF2-40B4-BE49-F238E27FC236}">
-                <a16:creationId xmlns:a16="http://schemas.microsoft.com/office/drawing/2014/main" id="{349683F2-9D2D-4D4B-8684-EF599EC32FAD}"/>
+                <a16:creationId xmlns:a16="http://schemas.microsoft.com/office/drawing/2014/main" xmlns="" id="{349683F2-9D2D-4D4B-8684-EF599EC32FAD}"/>
               </a:ext>
             </a:extLst>
           </p:cNvPr>
@@ -16767,7 +16799,7 @@
           <a:p>
             <a:fld id="{D3F43C91-2841-4495-8685-AEB6BC46864F}" type="datetime1">
               <a:rPr lang="de-DE" smtClean="0"/>
-              <a:t>22.02.2022</a:t>
+              <a:t>23.02.2022</a:t>
             </a:fld>
             <a:endParaRPr lang="de-DE"/>
           </a:p>
@@ -16823,7 +16855,7 @@
           <p:cNvPr id="3" name="Grafik 2">
             <a:extLst>
               <a:ext uri="{FF2B5EF4-FFF2-40B4-BE49-F238E27FC236}">
-                <a16:creationId xmlns:a16="http://schemas.microsoft.com/office/drawing/2014/main" id="{86FBEC41-37A1-4089-8129-60A3F4053EB0}"/>
+                <a16:creationId xmlns:a16="http://schemas.microsoft.com/office/drawing/2014/main" xmlns="" id="{86FBEC41-37A1-4089-8129-60A3F4053EB0}"/>
               </a:ext>
             </a:extLst>
           </p:cNvPr>
@@ -16858,7 +16890,7 @@
           <p:cNvPr id="6" name="Textfeld 5">
             <a:extLst>
               <a:ext uri="{FF2B5EF4-FFF2-40B4-BE49-F238E27FC236}">
-                <a16:creationId xmlns:a16="http://schemas.microsoft.com/office/drawing/2014/main" id="{3CD3E6B3-8050-4387-9964-57E263F2F3B4}"/>
+                <a16:creationId xmlns:a16="http://schemas.microsoft.com/office/drawing/2014/main" xmlns="" id="{3CD3E6B3-8050-4387-9964-57E263F2F3B4}"/>
               </a:ext>
             </a:extLst>
           </p:cNvPr>
@@ -16893,7 +16925,7 @@
           <p:cNvPr id="10" name="Textfeld 9">
             <a:extLst>
               <a:ext uri="{FF2B5EF4-FFF2-40B4-BE49-F238E27FC236}">
-                <a16:creationId xmlns:a16="http://schemas.microsoft.com/office/drawing/2014/main" id="{A12B12FE-B084-4F79-ACB5-6348E82CDDF3}"/>
+                <a16:creationId xmlns:a16="http://schemas.microsoft.com/office/drawing/2014/main" xmlns="" id="{A12B12FE-B084-4F79-ACB5-6348E82CDDF3}"/>
               </a:ext>
             </a:extLst>
           </p:cNvPr>
@@ -16928,7 +16960,7 @@
           <p:cNvPr id="11" name="Textfeld 10">
             <a:extLst>
               <a:ext uri="{FF2B5EF4-FFF2-40B4-BE49-F238E27FC236}">
-                <a16:creationId xmlns:a16="http://schemas.microsoft.com/office/drawing/2014/main" id="{55E7A4EF-BD24-4371-82AF-255A3CAE0FB4}"/>
+                <a16:creationId xmlns:a16="http://schemas.microsoft.com/office/drawing/2014/main" xmlns="" id="{55E7A4EF-BD24-4371-82AF-255A3CAE0FB4}"/>
               </a:ext>
             </a:extLst>
           </p:cNvPr>
@@ -16963,7 +16995,7 @@
           <p:cNvPr id="12" name="Textfeld 11">
             <a:extLst>
               <a:ext uri="{FF2B5EF4-FFF2-40B4-BE49-F238E27FC236}">
-                <a16:creationId xmlns:a16="http://schemas.microsoft.com/office/drawing/2014/main" id="{E4E87817-DDEB-4664-B0DF-DEA759380E1E}"/>
+                <a16:creationId xmlns:a16="http://schemas.microsoft.com/office/drawing/2014/main" xmlns="" id="{E4E87817-DDEB-4664-B0DF-DEA759380E1E}"/>
               </a:ext>
             </a:extLst>
           </p:cNvPr>
@@ -16998,7 +17030,7 @@
           <p:cNvPr id="13" name="Textfeld 12">
             <a:extLst>
               <a:ext uri="{FF2B5EF4-FFF2-40B4-BE49-F238E27FC236}">
-                <a16:creationId xmlns:a16="http://schemas.microsoft.com/office/drawing/2014/main" id="{0BE72CEB-1296-4DAC-B415-DCEF8C4A93F0}"/>
+                <a16:creationId xmlns:a16="http://schemas.microsoft.com/office/drawing/2014/main" xmlns="" id="{0BE72CEB-1296-4DAC-B415-DCEF8C4A93F0}"/>
               </a:ext>
             </a:extLst>
           </p:cNvPr>
@@ -17033,7 +17065,7 @@
           <p:cNvPr id="14" name="Textfeld 13">
             <a:extLst>
               <a:ext uri="{FF2B5EF4-FFF2-40B4-BE49-F238E27FC236}">
-                <a16:creationId xmlns:a16="http://schemas.microsoft.com/office/drawing/2014/main" id="{E6CE0659-DB27-4CCC-9DBF-CCD7EEE235B9}"/>
+                <a16:creationId xmlns:a16="http://schemas.microsoft.com/office/drawing/2014/main" xmlns="" id="{E6CE0659-DB27-4CCC-9DBF-CCD7EEE235B9}"/>
               </a:ext>
             </a:extLst>
           </p:cNvPr>
@@ -17107,7 +17139,7 @@
           <p:cNvPr id="2" name="Titel 1">
             <a:extLst>
               <a:ext uri="{FF2B5EF4-FFF2-40B4-BE49-F238E27FC236}">
-                <a16:creationId xmlns:a16="http://schemas.microsoft.com/office/drawing/2014/main" id="{8DF454F3-4497-451A-AC54-789CCA2590C9}"/>
+                <a16:creationId xmlns:a16="http://schemas.microsoft.com/office/drawing/2014/main" xmlns="" id="{8DF454F3-4497-451A-AC54-789CCA2590C9}"/>
               </a:ext>
             </a:extLst>
           </p:cNvPr>
@@ -17135,7 +17167,7 @@
           <p:cNvPr id="3" name="Inhaltsplatzhalter 2">
             <a:extLst>
               <a:ext uri="{FF2B5EF4-FFF2-40B4-BE49-F238E27FC236}">
-                <a16:creationId xmlns:a16="http://schemas.microsoft.com/office/drawing/2014/main" id="{86853F22-14DF-4817-8443-4B52B8CC22AF}"/>
+                <a16:creationId xmlns:a16="http://schemas.microsoft.com/office/drawing/2014/main" xmlns="" id="{86853F22-14DF-4817-8443-4B52B8CC22AF}"/>
               </a:ext>
             </a:extLst>
           </p:cNvPr>
@@ -17168,7 +17200,7 @@
           <p:cNvPr id="4" name="Datumsplatzhalter 3">
             <a:extLst>
               <a:ext uri="{FF2B5EF4-FFF2-40B4-BE49-F238E27FC236}">
-                <a16:creationId xmlns:a16="http://schemas.microsoft.com/office/drawing/2014/main" id="{80EDBEE7-F95A-4152-9979-6A8847127CE3}"/>
+                <a16:creationId xmlns:a16="http://schemas.microsoft.com/office/drawing/2014/main" xmlns="" id="{80EDBEE7-F95A-4152-9979-6A8847127CE3}"/>
               </a:ext>
             </a:extLst>
           </p:cNvPr>
@@ -17186,7 +17218,7 @@
           <a:p>
             <a:fld id="{DAFA5E08-56C4-4D00-93E8-8E8047A8DE89}" type="datetime1">
               <a:rPr lang="de-DE" smtClean="0"/>
-              <a:t>22.02.2022</a:t>
+              <a:t>23.02.2022</a:t>
             </a:fld>
             <a:endParaRPr lang="de-DE"/>
           </a:p>
@@ -17197,7 +17229,7 @@
           <p:cNvPr id="5" name="Fußzeilenplatzhalter 4">
             <a:extLst>
               <a:ext uri="{FF2B5EF4-FFF2-40B4-BE49-F238E27FC236}">
-                <a16:creationId xmlns:a16="http://schemas.microsoft.com/office/drawing/2014/main" id="{B9438231-66E5-4D5F-BE6F-9468D9CB05DF}"/>
+                <a16:creationId xmlns:a16="http://schemas.microsoft.com/office/drawing/2014/main" xmlns="" id="{B9438231-66E5-4D5F-BE6F-9468D9CB05DF}"/>
               </a:ext>
             </a:extLst>
           </p:cNvPr>
@@ -17225,7 +17257,7 @@
           <p:cNvPr id="6" name="Foliennummernplatzhalter 5">
             <a:extLst>
               <a:ext uri="{FF2B5EF4-FFF2-40B4-BE49-F238E27FC236}">
-                <a16:creationId xmlns:a16="http://schemas.microsoft.com/office/drawing/2014/main" id="{C3BEA64F-3A50-4353-B3BD-9C9392B1AF78}"/>
+                <a16:creationId xmlns:a16="http://schemas.microsoft.com/office/drawing/2014/main" xmlns="" id="{C3BEA64F-3A50-4353-B3BD-9C9392B1AF78}"/>
               </a:ext>
             </a:extLst>
           </p:cNvPr>
@@ -17254,7 +17286,7 @@
           <p:cNvPr id="8" name="Grafik 7">
             <a:extLst>
               <a:ext uri="{FF2B5EF4-FFF2-40B4-BE49-F238E27FC236}">
-                <a16:creationId xmlns:a16="http://schemas.microsoft.com/office/drawing/2014/main" id="{813CDD06-B5BD-49BD-AB1B-0033BEEF5DD0}"/>
+                <a16:creationId xmlns:a16="http://schemas.microsoft.com/office/drawing/2014/main" xmlns="" id="{813CDD06-B5BD-49BD-AB1B-0033BEEF5DD0}"/>
               </a:ext>
             </a:extLst>
           </p:cNvPr>
@@ -17284,7 +17316,7 @@
           <p:cNvPr id="9" name="Rechteck 8">
             <a:extLst>
               <a:ext uri="{FF2B5EF4-FFF2-40B4-BE49-F238E27FC236}">
-                <a16:creationId xmlns:a16="http://schemas.microsoft.com/office/drawing/2014/main" id="{79276152-E2E5-4A9A-A037-92B89AD3EC4E}"/>
+                <a16:creationId xmlns:a16="http://schemas.microsoft.com/office/drawing/2014/main" xmlns="" id="{79276152-E2E5-4A9A-A037-92B89AD3EC4E}"/>
               </a:ext>
             </a:extLst>
           </p:cNvPr>
@@ -17366,7 +17398,7 @@
           <p:cNvPr id="2" name="Titel 1">
             <a:extLst>
               <a:ext uri="{FF2B5EF4-FFF2-40B4-BE49-F238E27FC236}">
-                <a16:creationId xmlns:a16="http://schemas.microsoft.com/office/drawing/2014/main" id="{0CB06ECF-1513-49AA-9F88-B06B02271295}"/>
+                <a16:creationId xmlns:a16="http://schemas.microsoft.com/office/drawing/2014/main" xmlns="" id="{0CB06ECF-1513-49AA-9F88-B06B02271295}"/>
               </a:ext>
             </a:extLst>
           </p:cNvPr>
@@ -17394,7 +17426,7 @@
           <p:cNvPr id="3" name="Inhaltsplatzhalter 2">
             <a:extLst>
               <a:ext uri="{FF2B5EF4-FFF2-40B4-BE49-F238E27FC236}">
-                <a16:creationId xmlns:a16="http://schemas.microsoft.com/office/drawing/2014/main" id="{78FDEB00-1B53-4BDA-8482-84D18CD32E31}"/>
+                <a16:creationId xmlns:a16="http://schemas.microsoft.com/office/drawing/2014/main" xmlns="" id="{78FDEB00-1B53-4BDA-8482-84D18CD32E31}"/>
               </a:ext>
             </a:extLst>
           </p:cNvPr>
@@ -17422,7 +17454,7 @@
           <p:cNvPr id="4" name="Datumsplatzhalter 3">
             <a:extLst>
               <a:ext uri="{FF2B5EF4-FFF2-40B4-BE49-F238E27FC236}">
-                <a16:creationId xmlns:a16="http://schemas.microsoft.com/office/drawing/2014/main" id="{749C8C97-BA0C-4DA9-88AC-BE1722F3E071}"/>
+                <a16:creationId xmlns:a16="http://schemas.microsoft.com/office/drawing/2014/main" xmlns="" id="{749C8C97-BA0C-4DA9-88AC-BE1722F3E071}"/>
               </a:ext>
             </a:extLst>
           </p:cNvPr>
@@ -17440,7 +17472,7 @@
           <a:p>
             <a:fld id="{DAFA5E08-56C4-4D00-93E8-8E8047A8DE89}" type="datetime1">
               <a:rPr lang="de-DE" smtClean="0"/>
-              <a:t>22.02.2022</a:t>
+              <a:t>23.02.2022</a:t>
             </a:fld>
             <a:endParaRPr lang="de-DE"/>
           </a:p>
@@ -17451,7 +17483,7 @@
           <p:cNvPr id="5" name="Fußzeilenplatzhalter 4">
             <a:extLst>
               <a:ext uri="{FF2B5EF4-FFF2-40B4-BE49-F238E27FC236}">
-                <a16:creationId xmlns:a16="http://schemas.microsoft.com/office/drawing/2014/main" id="{C8A8652E-68DB-4BE0-91A9-FCF6EA95856D}"/>
+                <a16:creationId xmlns:a16="http://schemas.microsoft.com/office/drawing/2014/main" xmlns="" id="{C8A8652E-68DB-4BE0-91A9-FCF6EA95856D}"/>
               </a:ext>
             </a:extLst>
           </p:cNvPr>
@@ -17479,7 +17511,7 @@
           <p:cNvPr id="6" name="Foliennummernplatzhalter 5">
             <a:extLst>
               <a:ext uri="{FF2B5EF4-FFF2-40B4-BE49-F238E27FC236}">
-                <a16:creationId xmlns:a16="http://schemas.microsoft.com/office/drawing/2014/main" id="{F99D947A-0299-46F6-B833-DAB23DA60E8F}"/>
+                <a16:creationId xmlns:a16="http://schemas.microsoft.com/office/drawing/2014/main" xmlns="" id="{F99D947A-0299-46F6-B833-DAB23DA60E8F}"/>
               </a:ext>
             </a:extLst>
           </p:cNvPr>
@@ -17508,7 +17540,7 @@
           <p:cNvPr id="8" name="Grafik 7">
             <a:extLst>
               <a:ext uri="{FF2B5EF4-FFF2-40B4-BE49-F238E27FC236}">
-                <a16:creationId xmlns:a16="http://schemas.microsoft.com/office/drawing/2014/main" id="{0E385604-59D7-4DEB-9C60-32646B4B499F}"/>
+                <a16:creationId xmlns:a16="http://schemas.microsoft.com/office/drawing/2014/main" xmlns="" id="{0E385604-59D7-4DEB-9C60-32646B4B499F}"/>
               </a:ext>
             </a:extLst>
           </p:cNvPr>
@@ -17538,7 +17570,7 @@
           <p:cNvPr id="9" name="Rechteck 8">
             <a:extLst>
               <a:ext uri="{FF2B5EF4-FFF2-40B4-BE49-F238E27FC236}">
-                <a16:creationId xmlns:a16="http://schemas.microsoft.com/office/drawing/2014/main" id="{EEE995E0-A763-49AE-8B68-65D7FFE0DBC4}"/>
+                <a16:creationId xmlns:a16="http://schemas.microsoft.com/office/drawing/2014/main" xmlns="" id="{EEE995E0-A763-49AE-8B68-65D7FFE0DBC4}"/>
               </a:ext>
             </a:extLst>
           </p:cNvPr>
@@ -17620,7 +17652,7 @@
           <p:cNvPr id="2" name="Titel 1">
             <a:extLst>
               <a:ext uri="{FF2B5EF4-FFF2-40B4-BE49-F238E27FC236}">
-                <a16:creationId xmlns:a16="http://schemas.microsoft.com/office/drawing/2014/main" id="{17BEC33B-94E9-44FF-8274-4B9A33CB9BE7}"/>
+                <a16:creationId xmlns:a16="http://schemas.microsoft.com/office/drawing/2014/main" xmlns="" id="{17BEC33B-94E9-44FF-8274-4B9A33CB9BE7}"/>
               </a:ext>
             </a:extLst>
           </p:cNvPr>
@@ -17648,7 +17680,7 @@
           <p:cNvPr id="3" name="Inhaltsplatzhalter 2">
             <a:extLst>
               <a:ext uri="{FF2B5EF4-FFF2-40B4-BE49-F238E27FC236}">
-                <a16:creationId xmlns:a16="http://schemas.microsoft.com/office/drawing/2014/main" id="{41BA17CF-99F6-4CED-9A83-2D038437896F}"/>
+                <a16:creationId xmlns:a16="http://schemas.microsoft.com/office/drawing/2014/main" xmlns="" id="{41BA17CF-99F6-4CED-9A83-2D038437896F}"/>
               </a:ext>
             </a:extLst>
           </p:cNvPr>
@@ -17676,7 +17708,7 @@
           <p:cNvPr id="4" name="Datumsplatzhalter 3">
             <a:extLst>
               <a:ext uri="{FF2B5EF4-FFF2-40B4-BE49-F238E27FC236}">
-                <a16:creationId xmlns:a16="http://schemas.microsoft.com/office/drawing/2014/main" id="{2EADB003-E907-497A-A332-D95676EDE97B}"/>
+                <a16:creationId xmlns:a16="http://schemas.microsoft.com/office/drawing/2014/main" xmlns="" id="{2EADB003-E907-497A-A332-D95676EDE97B}"/>
               </a:ext>
             </a:extLst>
           </p:cNvPr>
@@ -17694,7 +17726,7 @@
           <a:p>
             <a:fld id="{DAFA5E08-56C4-4D00-93E8-8E8047A8DE89}" type="datetime1">
               <a:rPr lang="de-DE" smtClean="0"/>
-              <a:t>22.02.2022</a:t>
+              <a:t>23.02.2022</a:t>
             </a:fld>
             <a:endParaRPr lang="de-DE"/>
           </a:p>
@@ -17705,7 +17737,7 @@
           <p:cNvPr id="5" name="Fußzeilenplatzhalter 4">
             <a:extLst>
               <a:ext uri="{FF2B5EF4-FFF2-40B4-BE49-F238E27FC236}">
-                <a16:creationId xmlns:a16="http://schemas.microsoft.com/office/drawing/2014/main" id="{4ADFBC2A-2B94-41EF-A7E5-67798723C6D0}"/>
+                <a16:creationId xmlns:a16="http://schemas.microsoft.com/office/drawing/2014/main" xmlns="" id="{4ADFBC2A-2B94-41EF-A7E5-67798723C6D0}"/>
               </a:ext>
             </a:extLst>
           </p:cNvPr>
@@ -17733,7 +17765,7 @@
           <p:cNvPr id="6" name="Foliennummernplatzhalter 5">
             <a:extLst>
               <a:ext uri="{FF2B5EF4-FFF2-40B4-BE49-F238E27FC236}">
-                <a16:creationId xmlns:a16="http://schemas.microsoft.com/office/drawing/2014/main" id="{B694AD4A-76F5-4E5E-99D9-BB1DB239D465}"/>
+                <a16:creationId xmlns:a16="http://schemas.microsoft.com/office/drawing/2014/main" xmlns="" id="{B694AD4A-76F5-4E5E-99D9-BB1DB239D465}"/>
               </a:ext>
             </a:extLst>
           </p:cNvPr>
@@ -17762,7 +17794,7 @@
           <p:cNvPr id="8" name="Grafik 7">
             <a:extLst>
               <a:ext uri="{FF2B5EF4-FFF2-40B4-BE49-F238E27FC236}">
-                <a16:creationId xmlns:a16="http://schemas.microsoft.com/office/drawing/2014/main" id="{41F1FEFA-CF75-4BC4-AF35-1F18060CCB9C}"/>
+                <a16:creationId xmlns:a16="http://schemas.microsoft.com/office/drawing/2014/main" xmlns="" id="{41F1FEFA-CF75-4BC4-AF35-1F18060CCB9C}"/>
               </a:ext>
             </a:extLst>
           </p:cNvPr>
@@ -17792,7 +17824,7 @@
           <p:cNvPr id="9" name="Rechteck 8">
             <a:extLst>
               <a:ext uri="{FF2B5EF4-FFF2-40B4-BE49-F238E27FC236}">
-                <a16:creationId xmlns:a16="http://schemas.microsoft.com/office/drawing/2014/main" id="{D0472EDB-F30E-4DA4-B0F4-FC9CAB6EF889}"/>
+                <a16:creationId xmlns:a16="http://schemas.microsoft.com/office/drawing/2014/main" xmlns="" id="{D0472EDB-F30E-4DA4-B0F4-FC9CAB6EF889}"/>
               </a:ext>
             </a:extLst>
           </p:cNvPr>
@@ -17874,7 +17906,7 @@
           <p:cNvPr id="2" name="Titel 1">
             <a:extLst>
               <a:ext uri="{FF2B5EF4-FFF2-40B4-BE49-F238E27FC236}">
-                <a16:creationId xmlns:a16="http://schemas.microsoft.com/office/drawing/2014/main" id="{9622A451-64BF-476F-B587-9257A8C1FD0A}"/>
+                <a16:creationId xmlns:a16="http://schemas.microsoft.com/office/drawing/2014/main" xmlns="" id="{9622A451-64BF-476F-B587-9257A8C1FD0A}"/>
               </a:ext>
             </a:extLst>
           </p:cNvPr>
@@ -17902,7 +17934,7 @@
           <p:cNvPr id="3" name="Inhaltsplatzhalter 2">
             <a:extLst>
               <a:ext uri="{FF2B5EF4-FFF2-40B4-BE49-F238E27FC236}">
-                <a16:creationId xmlns:a16="http://schemas.microsoft.com/office/drawing/2014/main" id="{63CCB5D6-5F74-4559-83B8-730EC00B7EAB}"/>
+                <a16:creationId xmlns:a16="http://schemas.microsoft.com/office/drawing/2014/main" xmlns="" id="{63CCB5D6-5F74-4559-83B8-730EC00B7EAB}"/>
               </a:ext>
             </a:extLst>
           </p:cNvPr>
@@ -17930,7 +17962,7 @@
           <p:cNvPr id="4" name="Datumsplatzhalter 3">
             <a:extLst>
               <a:ext uri="{FF2B5EF4-FFF2-40B4-BE49-F238E27FC236}">
-                <a16:creationId xmlns:a16="http://schemas.microsoft.com/office/drawing/2014/main" id="{8525DD59-D41F-4AA6-B700-5B33F5E5E268}"/>
+                <a16:creationId xmlns:a16="http://schemas.microsoft.com/office/drawing/2014/main" xmlns="" id="{8525DD59-D41F-4AA6-B700-5B33F5E5E268}"/>
               </a:ext>
             </a:extLst>
           </p:cNvPr>
@@ -17948,7 +17980,7 @@
           <a:p>
             <a:fld id="{DAFA5E08-56C4-4D00-93E8-8E8047A8DE89}" type="datetime1">
               <a:rPr lang="de-DE" smtClean="0"/>
-              <a:t>22.02.2022</a:t>
+              <a:t>23.02.2022</a:t>
             </a:fld>
             <a:endParaRPr lang="de-DE"/>
           </a:p>
@@ -17959,7 +17991,7 @@
           <p:cNvPr id="5" name="Fußzeilenplatzhalter 4">
             <a:extLst>
               <a:ext uri="{FF2B5EF4-FFF2-40B4-BE49-F238E27FC236}">
-                <a16:creationId xmlns:a16="http://schemas.microsoft.com/office/drawing/2014/main" id="{D5D2FE9C-F4D0-4E00-A71B-F5879C369226}"/>
+                <a16:creationId xmlns:a16="http://schemas.microsoft.com/office/drawing/2014/main" xmlns="" id="{D5D2FE9C-F4D0-4E00-A71B-F5879C369226}"/>
               </a:ext>
             </a:extLst>
           </p:cNvPr>
@@ -17987,7 +18019,7 @@
           <p:cNvPr id="6" name="Foliennummernplatzhalter 5">
             <a:extLst>
               <a:ext uri="{FF2B5EF4-FFF2-40B4-BE49-F238E27FC236}">
-                <a16:creationId xmlns:a16="http://schemas.microsoft.com/office/drawing/2014/main" id="{E3B2A07C-28E6-4363-88DB-51E2410D266C}"/>
+                <a16:creationId xmlns:a16="http://schemas.microsoft.com/office/drawing/2014/main" xmlns="" id="{E3B2A07C-28E6-4363-88DB-51E2410D266C}"/>
               </a:ext>
             </a:extLst>
           </p:cNvPr>
@@ -18016,7 +18048,7 @@
           <p:cNvPr id="8" name="Grafik 7">
             <a:extLst>
               <a:ext uri="{FF2B5EF4-FFF2-40B4-BE49-F238E27FC236}">
-                <a16:creationId xmlns:a16="http://schemas.microsoft.com/office/drawing/2014/main" id="{8BA1EAD2-0B65-492B-9263-E4417983ABB9}"/>
+                <a16:creationId xmlns:a16="http://schemas.microsoft.com/office/drawing/2014/main" xmlns="" id="{8BA1EAD2-0B65-492B-9263-E4417983ABB9}"/>
               </a:ext>
             </a:extLst>
           </p:cNvPr>
@@ -18046,7 +18078,7 @@
           <p:cNvPr id="9" name="Rechteck 8">
             <a:extLst>
               <a:ext uri="{FF2B5EF4-FFF2-40B4-BE49-F238E27FC236}">
-                <a16:creationId xmlns:a16="http://schemas.microsoft.com/office/drawing/2014/main" id="{88C76C34-CAC4-4BD8-B936-D173168B5BFC}"/>
+                <a16:creationId xmlns:a16="http://schemas.microsoft.com/office/drawing/2014/main" xmlns="" id="{88C76C34-CAC4-4BD8-B936-D173168B5BFC}"/>
               </a:ext>
             </a:extLst>
           </p:cNvPr>
@@ -18128,7 +18160,7 @@
           <p:cNvPr id="2" name="Titel 1">
             <a:extLst>
               <a:ext uri="{FF2B5EF4-FFF2-40B4-BE49-F238E27FC236}">
-                <a16:creationId xmlns:a16="http://schemas.microsoft.com/office/drawing/2014/main" id="{AF572405-AA93-48E2-9758-0D6D454B650C}"/>
+                <a16:creationId xmlns:a16="http://schemas.microsoft.com/office/drawing/2014/main" xmlns="" id="{AF572405-AA93-48E2-9758-0D6D454B650C}"/>
               </a:ext>
             </a:extLst>
           </p:cNvPr>
@@ -18156,7 +18188,7 @@
           <p:cNvPr id="3" name="Inhaltsplatzhalter 2">
             <a:extLst>
               <a:ext uri="{FF2B5EF4-FFF2-40B4-BE49-F238E27FC236}">
-                <a16:creationId xmlns:a16="http://schemas.microsoft.com/office/drawing/2014/main" id="{2913F135-B601-4351-9038-4D1EABF29085}"/>
+                <a16:creationId xmlns:a16="http://schemas.microsoft.com/office/drawing/2014/main" xmlns="" id="{2913F135-B601-4351-9038-4D1EABF29085}"/>
               </a:ext>
             </a:extLst>
           </p:cNvPr>
@@ -18184,7 +18216,7 @@
           <p:cNvPr id="4" name="Datumsplatzhalter 3">
             <a:extLst>
               <a:ext uri="{FF2B5EF4-FFF2-40B4-BE49-F238E27FC236}">
-                <a16:creationId xmlns:a16="http://schemas.microsoft.com/office/drawing/2014/main" id="{32193F0A-F504-41E3-BBBF-FAF230DD5913}"/>
+                <a16:creationId xmlns:a16="http://schemas.microsoft.com/office/drawing/2014/main" xmlns="" id="{32193F0A-F504-41E3-BBBF-FAF230DD5913}"/>
               </a:ext>
             </a:extLst>
           </p:cNvPr>
@@ -18202,7 +18234,7 @@
           <a:p>
             <a:fld id="{DAFA5E08-56C4-4D00-93E8-8E8047A8DE89}" type="datetime1">
               <a:rPr lang="de-DE" smtClean="0"/>
-              <a:t>22.02.2022</a:t>
+              <a:t>23.02.2022</a:t>
             </a:fld>
             <a:endParaRPr lang="de-DE"/>
           </a:p>
@@ -18213,7 +18245,7 @@
           <p:cNvPr id="5" name="Fußzeilenplatzhalter 4">
             <a:extLst>
               <a:ext uri="{FF2B5EF4-FFF2-40B4-BE49-F238E27FC236}">
-                <a16:creationId xmlns:a16="http://schemas.microsoft.com/office/drawing/2014/main" id="{AD59E32A-93AB-450A-9118-23BB44B6536B}"/>
+                <a16:creationId xmlns:a16="http://schemas.microsoft.com/office/drawing/2014/main" xmlns="" id="{AD59E32A-93AB-450A-9118-23BB44B6536B}"/>
               </a:ext>
             </a:extLst>
           </p:cNvPr>
@@ -18241,7 +18273,7 @@
           <p:cNvPr id="6" name="Foliennummernplatzhalter 5">
             <a:extLst>
               <a:ext uri="{FF2B5EF4-FFF2-40B4-BE49-F238E27FC236}">
-                <a16:creationId xmlns:a16="http://schemas.microsoft.com/office/drawing/2014/main" id="{AE6910A8-6E1B-40DC-9A8B-FF74D1FD6C3C}"/>
+                <a16:creationId xmlns:a16="http://schemas.microsoft.com/office/drawing/2014/main" xmlns="" id="{AE6910A8-6E1B-40DC-9A8B-FF74D1FD6C3C}"/>
               </a:ext>
             </a:extLst>
           </p:cNvPr>
@@ -18270,7 +18302,7 @@
           <p:cNvPr id="8" name="Grafik 7">
             <a:extLst>
               <a:ext uri="{FF2B5EF4-FFF2-40B4-BE49-F238E27FC236}">
-                <a16:creationId xmlns:a16="http://schemas.microsoft.com/office/drawing/2014/main" id="{55C25C56-E080-4F82-AEB0-C8E02E52C5D5}"/>
+                <a16:creationId xmlns:a16="http://schemas.microsoft.com/office/drawing/2014/main" xmlns="" id="{55C25C56-E080-4F82-AEB0-C8E02E52C5D5}"/>
               </a:ext>
             </a:extLst>
           </p:cNvPr>
@@ -18300,7 +18332,7 @@
           <p:cNvPr id="9" name="Rechteck 8">
             <a:extLst>
               <a:ext uri="{FF2B5EF4-FFF2-40B4-BE49-F238E27FC236}">
-                <a16:creationId xmlns:a16="http://schemas.microsoft.com/office/drawing/2014/main" id="{3299AFB2-B8B8-4C19-B0C0-50E338859774}"/>
+                <a16:creationId xmlns:a16="http://schemas.microsoft.com/office/drawing/2014/main" xmlns="" id="{3299AFB2-B8B8-4C19-B0C0-50E338859774}"/>
               </a:ext>
             </a:extLst>
           </p:cNvPr>
@@ -18382,7 +18414,7 @@
           <p:cNvPr id="2" name="Titel 1">
             <a:extLst>
               <a:ext uri="{FF2B5EF4-FFF2-40B4-BE49-F238E27FC236}">
-                <a16:creationId xmlns:a16="http://schemas.microsoft.com/office/drawing/2014/main" id="{AF572405-AA93-48E2-9758-0D6D454B650C}"/>
+                <a16:creationId xmlns:a16="http://schemas.microsoft.com/office/drawing/2014/main" xmlns="" id="{AF572405-AA93-48E2-9758-0D6D454B650C}"/>
               </a:ext>
             </a:extLst>
           </p:cNvPr>
@@ -18410,7 +18442,7 @@
           <p:cNvPr id="3" name="Inhaltsplatzhalter 2">
             <a:extLst>
               <a:ext uri="{FF2B5EF4-FFF2-40B4-BE49-F238E27FC236}">
-                <a16:creationId xmlns:a16="http://schemas.microsoft.com/office/drawing/2014/main" id="{2913F135-B601-4351-9038-4D1EABF29085}"/>
+                <a16:creationId xmlns:a16="http://schemas.microsoft.com/office/drawing/2014/main" xmlns="" id="{2913F135-B601-4351-9038-4D1EABF29085}"/>
               </a:ext>
             </a:extLst>
           </p:cNvPr>
@@ -18455,7 +18487,7 @@
           <p:cNvPr id="4" name="Datumsplatzhalter 3">
             <a:extLst>
               <a:ext uri="{FF2B5EF4-FFF2-40B4-BE49-F238E27FC236}">
-                <a16:creationId xmlns:a16="http://schemas.microsoft.com/office/drawing/2014/main" id="{32193F0A-F504-41E3-BBBF-FAF230DD5913}"/>
+                <a16:creationId xmlns:a16="http://schemas.microsoft.com/office/drawing/2014/main" xmlns="" id="{32193F0A-F504-41E3-BBBF-FAF230DD5913}"/>
               </a:ext>
             </a:extLst>
           </p:cNvPr>
@@ -18473,7 +18505,7 @@
           <a:p>
             <a:fld id="{DAFA5E08-56C4-4D00-93E8-8E8047A8DE89}" type="datetime1">
               <a:rPr lang="de-DE" smtClean="0"/>
-              <a:t>22.02.2022</a:t>
+              <a:t>23.02.2022</a:t>
             </a:fld>
             <a:endParaRPr lang="de-DE"/>
           </a:p>
@@ -18484,7 +18516,7 @@
           <p:cNvPr id="5" name="Fußzeilenplatzhalter 4">
             <a:extLst>
               <a:ext uri="{FF2B5EF4-FFF2-40B4-BE49-F238E27FC236}">
-                <a16:creationId xmlns:a16="http://schemas.microsoft.com/office/drawing/2014/main" id="{AD59E32A-93AB-450A-9118-23BB44B6536B}"/>
+                <a16:creationId xmlns:a16="http://schemas.microsoft.com/office/drawing/2014/main" xmlns="" id="{AD59E32A-93AB-450A-9118-23BB44B6536B}"/>
               </a:ext>
             </a:extLst>
           </p:cNvPr>
@@ -18512,7 +18544,7 @@
           <p:cNvPr id="6" name="Foliennummernplatzhalter 5">
             <a:extLst>
               <a:ext uri="{FF2B5EF4-FFF2-40B4-BE49-F238E27FC236}">
-                <a16:creationId xmlns:a16="http://schemas.microsoft.com/office/drawing/2014/main" id="{AE6910A8-6E1B-40DC-9A8B-FF74D1FD6C3C}"/>
+                <a16:creationId xmlns:a16="http://schemas.microsoft.com/office/drawing/2014/main" xmlns="" id="{AE6910A8-6E1B-40DC-9A8B-FF74D1FD6C3C}"/>
               </a:ext>
             </a:extLst>
           </p:cNvPr>
@@ -18541,7 +18573,7 @@
           <p:cNvPr id="10" name="Grafik 9">
             <a:extLst>
               <a:ext uri="{FF2B5EF4-FFF2-40B4-BE49-F238E27FC236}">
-                <a16:creationId xmlns:a16="http://schemas.microsoft.com/office/drawing/2014/main" id="{5E0F97A0-73E6-4660-9F17-4876A90E3B8D}"/>
+                <a16:creationId xmlns:a16="http://schemas.microsoft.com/office/drawing/2014/main" xmlns="" id="{5E0F97A0-73E6-4660-9F17-4876A90E3B8D}"/>
               </a:ext>
             </a:extLst>
           </p:cNvPr>
@@ -18571,7 +18603,7 @@
           <p:cNvPr id="9" name="Rechteck 8">
             <a:extLst>
               <a:ext uri="{FF2B5EF4-FFF2-40B4-BE49-F238E27FC236}">
-                <a16:creationId xmlns:a16="http://schemas.microsoft.com/office/drawing/2014/main" id="{3299AFB2-B8B8-4C19-B0C0-50E338859774}"/>
+                <a16:creationId xmlns:a16="http://schemas.microsoft.com/office/drawing/2014/main" xmlns="" id="{3299AFB2-B8B8-4C19-B0C0-50E338859774}"/>
               </a:ext>
             </a:extLst>
           </p:cNvPr>
@@ -18623,7 +18655,7 @@
           <p:cNvPr id="11" name="Rechteck 10">
             <a:extLst>
               <a:ext uri="{FF2B5EF4-FFF2-40B4-BE49-F238E27FC236}">
-                <a16:creationId xmlns:a16="http://schemas.microsoft.com/office/drawing/2014/main" id="{75005434-A059-4AEA-B2EC-7B2735A94F9C}"/>
+                <a16:creationId xmlns:a16="http://schemas.microsoft.com/office/drawing/2014/main" xmlns="" id="{75005434-A059-4AEA-B2EC-7B2735A94F9C}"/>
               </a:ext>
             </a:extLst>
           </p:cNvPr>
@@ -18675,7 +18707,7 @@
           <p:cNvPr id="12" name="Rechteck 11">
             <a:extLst>
               <a:ext uri="{FF2B5EF4-FFF2-40B4-BE49-F238E27FC236}">
-                <a16:creationId xmlns:a16="http://schemas.microsoft.com/office/drawing/2014/main" id="{B71BBD8E-75A4-4870-9D92-91EF1167BB28}"/>
+                <a16:creationId xmlns:a16="http://schemas.microsoft.com/office/drawing/2014/main" xmlns="" id="{B71BBD8E-75A4-4870-9D92-91EF1167BB28}"/>
               </a:ext>
             </a:extLst>
           </p:cNvPr>
@@ -18727,7 +18759,7 @@
           <p:cNvPr id="14" name="Grafik 13">
             <a:extLst>
               <a:ext uri="{FF2B5EF4-FFF2-40B4-BE49-F238E27FC236}">
-                <a16:creationId xmlns:a16="http://schemas.microsoft.com/office/drawing/2014/main" id="{72C6601B-51C8-436C-88C9-B067BD5D3005}"/>
+                <a16:creationId xmlns:a16="http://schemas.microsoft.com/office/drawing/2014/main" xmlns="" id="{72C6601B-51C8-436C-88C9-B067BD5D3005}"/>
               </a:ext>
             </a:extLst>
           </p:cNvPr>
@@ -18757,7 +18789,7 @@
           <p:cNvPr id="15" name="Textfeld 14">
             <a:extLst>
               <a:ext uri="{FF2B5EF4-FFF2-40B4-BE49-F238E27FC236}">
-                <a16:creationId xmlns:a16="http://schemas.microsoft.com/office/drawing/2014/main" id="{5941C7F5-7A09-48BB-87E6-A9F6EB96DBE3}"/>
+                <a16:creationId xmlns:a16="http://schemas.microsoft.com/office/drawing/2014/main" xmlns="" id="{5941C7F5-7A09-48BB-87E6-A9F6EB96DBE3}"/>
               </a:ext>
             </a:extLst>
           </p:cNvPr>
@@ -18796,7 +18828,7 @@
           <p:cNvPr id="16" name="Textfeld 15">
             <a:extLst>
               <a:ext uri="{FF2B5EF4-FFF2-40B4-BE49-F238E27FC236}">
-                <a16:creationId xmlns:a16="http://schemas.microsoft.com/office/drawing/2014/main" id="{C03CDD47-E9C8-4E06-B500-FBC2A56EA321}"/>
+                <a16:creationId xmlns:a16="http://schemas.microsoft.com/office/drawing/2014/main" xmlns="" id="{C03CDD47-E9C8-4E06-B500-FBC2A56EA321}"/>
               </a:ext>
             </a:extLst>
           </p:cNvPr>
@@ -18835,7 +18867,7 @@
           <p:cNvPr id="17" name="Textfeld 16">
             <a:extLst>
               <a:ext uri="{FF2B5EF4-FFF2-40B4-BE49-F238E27FC236}">
-                <a16:creationId xmlns:a16="http://schemas.microsoft.com/office/drawing/2014/main" id="{204C307E-416F-498B-AE6E-D28662960977}"/>
+                <a16:creationId xmlns:a16="http://schemas.microsoft.com/office/drawing/2014/main" xmlns="" id="{204C307E-416F-498B-AE6E-D28662960977}"/>
               </a:ext>
             </a:extLst>
           </p:cNvPr>
@@ -18874,7 +18906,7 @@
           <p:cNvPr id="18" name="Rechteck 17">
             <a:extLst>
               <a:ext uri="{FF2B5EF4-FFF2-40B4-BE49-F238E27FC236}">
-                <a16:creationId xmlns:a16="http://schemas.microsoft.com/office/drawing/2014/main" id="{90DC0F51-266D-42A5-9CCD-54BF331636BF}"/>
+                <a16:creationId xmlns:a16="http://schemas.microsoft.com/office/drawing/2014/main" xmlns="" id="{90DC0F51-266D-42A5-9CCD-54BF331636BF}"/>
               </a:ext>
             </a:extLst>
           </p:cNvPr>
@@ -18926,7 +18958,7 @@
           <p:cNvPr id="19" name="Textfeld 18">
             <a:extLst>
               <a:ext uri="{FF2B5EF4-FFF2-40B4-BE49-F238E27FC236}">
-                <a16:creationId xmlns:a16="http://schemas.microsoft.com/office/drawing/2014/main" id="{DF6EA910-19EA-49FA-AAB9-3B5B3BC1CAD5}"/>
+                <a16:creationId xmlns:a16="http://schemas.microsoft.com/office/drawing/2014/main" xmlns="" id="{DF6EA910-19EA-49FA-AAB9-3B5B3BC1CAD5}"/>
               </a:ext>
             </a:extLst>
           </p:cNvPr>
@@ -18965,7 +18997,7 @@
           <p:cNvPr id="20" name="Textfeld 19">
             <a:extLst>
               <a:ext uri="{FF2B5EF4-FFF2-40B4-BE49-F238E27FC236}">
-                <a16:creationId xmlns:a16="http://schemas.microsoft.com/office/drawing/2014/main" id="{0A6EF321-A884-4ADA-91F7-BC1F6EC855AA}"/>
+                <a16:creationId xmlns:a16="http://schemas.microsoft.com/office/drawing/2014/main" xmlns="" id="{0A6EF321-A884-4ADA-91F7-BC1F6EC855AA}"/>
               </a:ext>
             </a:extLst>
           </p:cNvPr>
@@ -19036,7 +19068,7 @@
           <p:cNvPr id="2" name="Titel 1">
             <a:extLst>
               <a:ext uri="{FF2B5EF4-FFF2-40B4-BE49-F238E27FC236}">
-                <a16:creationId xmlns:a16="http://schemas.microsoft.com/office/drawing/2014/main" id="{CC75B289-7CB6-4F77-A9BE-2DD7573CA67A}"/>
+                <a16:creationId xmlns:a16="http://schemas.microsoft.com/office/drawing/2014/main" xmlns="" id="{CC75B289-7CB6-4F77-A9BE-2DD7573CA67A}"/>
               </a:ext>
             </a:extLst>
           </p:cNvPr>
@@ -19064,7 +19096,7 @@
           <p:cNvPr id="3" name="Inhaltsplatzhalter 2">
             <a:extLst>
               <a:ext uri="{FF2B5EF4-FFF2-40B4-BE49-F238E27FC236}">
-                <a16:creationId xmlns:a16="http://schemas.microsoft.com/office/drawing/2014/main" id="{561B6C4E-B3BA-4ACF-9628-23EA18DDE36D}"/>
+                <a16:creationId xmlns:a16="http://schemas.microsoft.com/office/drawing/2014/main" xmlns="" id="{561B6C4E-B3BA-4ACF-9628-23EA18DDE36D}"/>
               </a:ext>
             </a:extLst>
           </p:cNvPr>
@@ -19089,7 +19121,7 @@
           <p:cNvPr id="4" name="Datumsplatzhalter 3">
             <a:extLst>
               <a:ext uri="{FF2B5EF4-FFF2-40B4-BE49-F238E27FC236}">
-                <a16:creationId xmlns:a16="http://schemas.microsoft.com/office/drawing/2014/main" id="{426139B0-D4F3-4F19-AA56-9FA59B918BE4}"/>
+                <a16:creationId xmlns:a16="http://schemas.microsoft.com/office/drawing/2014/main" xmlns="" id="{426139B0-D4F3-4F19-AA56-9FA59B918BE4}"/>
               </a:ext>
             </a:extLst>
           </p:cNvPr>
@@ -19107,7 +19139,7 @@
           <a:p>
             <a:fld id="{DAFA5E08-56C4-4D00-93E8-8E8047A8DE89}" type="datetime1">
               <a:rPr lang="de-DE" smtClean="0"/>
-              <a:t>22.02.2022</a:t>
+              <a:t>23.02.2022</a:t>
             </a:fld>
             <a:endParaRPr lang="de-DE"/>
           </a:p>
@@ -19118,7 +19150,7 @@
           <p:cNvPr id="5" name="Fußzeilenplatzhalter 4">
             <a:extLst>
               <a:ext uri="{FF2B5EF4-FFF2-40B4-BE49-F238E27FC236}">
-                <a16:creationId xmlns:a16="http://schemas.microsoft.com/office/drawing/2014/main" id="{365CD957-E03C-4D38-AFFB-323A1554F4D9}"/>
+                <a16:creationId xmlns:a16="http://schemas.microsoft.com/office/drawing/2014/main" xmlns="" id="{365CD957-E03C-4D38-AFFB-323A1554F4D9}"/>
               </a:ext>
             </a:extLst>
           </p:cNvPr>
@@ -19146,7 +19178,7 @@
           <p:cNvPr id="6" name="Foliennummernplatzhalter 5">
             <a:extLst>
               <a:ext uri="{FF2B5EF4-FFF2-40B4-BE49-F238E27FC236}">
-                <a16:creationId xmlns:a16="http://schemas.microsoft.com/office/drawing/2014/main" id="{2FA0442F-79CD-403C-8A0E-F33F7ABFE99B}"/>
+                <a16:creationId xmlns:a16="http://schemas.microsoft.com/office/drawing/2014/main" xmlns="" id="{2FA0442F-79CD-403C-8A0E-F33F7ABFE99B}"/>
               </a:ext>
             </a:extLst>
           </p:cNvPr>
@@ -19180,6 +19212,14 @@
   <p:clrMapOvr>
     <a:masterClrMapping/>
   </p:clrMapOvr>
+  <mc:AlternateContent xmlns:mc="http://schemas.openxmlformats.org/markup-compatibility/2006">
+    <mc:Choice xmlns:p14="http://schemas.microsoft.com/office/powerpoint/2010/main" Requires="p14">
+      <p:transition spd="slow" p14:dur="2000"/>
+    </mc:Choice>
+    <mc:Fallback>
+      <p:transition spd="slow"/>
+    </mc:Fallback>
+  </mc:AlternateContent>
 </p:sld>
 </file>
 
@@ -19294,7 +19334,7 @@
           <a:p>
             <a:fld id="{89ACDE42-010D-4487-A37F-627E4B397EF3}" type="datetime1">
               <a:rPr lang="de-DE" smtClean="0"/>
-              <a:t>22.02.2022</a:t>
+              <a:t>23.02.2022</a:t>
             </a:fld>
             <a:endParaRPr lang="de-DE"/>
           </a:p>
@@ -19414,7 +19454,7 @@
           <a:p>
             <a:fld id="{29F03F87-5FC1-454A-B924-57348B963929}" type="datetime1">
               <a:rPr lang="de-DE" smtClean="0"/>
-              <a:t>22.02.2022</a:t>
+              <a:t>23.02.2022</a:t>
             </a:fld>
             <a:endParaRPr lang="de-DE"/>
           </a:p>
@@ -19500,7 +19540,7 @@
           <p:cNvPr id="21" name="Grafik 20">
             <a:extLst>
               <a:ext uri="{FF2B5EF4-FFF2-40B4-BE49-F238E27FC236}">
-                <a16:creationId xmlns:a16="http://schemas.microsoft.com/office/drawing/2014/main" id="{2B46A86D-EEA7-41F7-944E-90169476D210}"/>
+                <a16:creationId xmlns:a16="http://schemas.microsoft.com/office/drawing/2014/main" xmlns="" id="{2B46A86D-EEA7-41F7-944E-90169476D210}"/>
               </a:ext>
             </a:extLst>
           </p:cNvPr>
@@ -19530,7 +19570,7 @@
           <p:cNvPr id="2" name="Titel 1">
             <a:extLst>
               <a:ext uri="{FF2B5EF4-FFF2-40B4-BE49-F238E27FC236}">
-                <a16:creationId xmlns:a16="http://schemas.microsoft.com/office/drawing/2014/main" id="{3D06AC85-31DB-46E1-85F8-8923FA1CEB1B}"/>
+                <a16:creationId xmlns:a16="http://schemas.microsoft.com/office/drawing/2014/main" xmlns="" id="{3D06AC85-31DB-46E1-85F8-8923FA1CEB1B}"/>
               </a:ext>
             </a:extLst>
           </p:cNvPr>
@@ -19563,7 +19603,7 @@
           <p:cNvPr id="3" name="Inhaltsplatzhalter 2">
             <a:extLst>
               <a:ext uri="{FF2B5EF4-FFF2-40B4-BE49-F238E27FC236}">
-                <a16:creationId xmlns:a16="http://schemas.microsoft.com/office/drawing/2014/main" id="{1BB1FAFF-BD9C-4662-B9FB-A392A294B4B2}"/>
+                <a16:creationId xmlns:a16="http://schemas.microsoft.com/office/drawing/2014/main" xmlns="" id="{1BB1FAFF-BD9C-4662-B9FB-A392A294B4B2}"/>
               </a:ext>
             </a:extLst>
           </p:cNvPr>
@@ -19636,7 +19676,7 @@
           <p:cNvPr id="4" name="Datumsplatzhalter 3">
             <a:extLst>
               <a:ext uri="{FF2B5EF4-FFF2-40B4-BE49-F238E27FC236}">
-                <a16:creationId xmlns:a16="http://schemas.microsoft.com/office/drawing/2014/main" id="{C37515A2-6923-4204-96D7-4F86D5B29C4A}"/>
+                <a16:creationId xmlns:a16="http://schemas.microsoft.com/office/drawing/2014/main" xmlns="" id="{C37515A2-6923-4204-96D7-4F86D5B29C4A}"/>
               </a:ext>
             </a:extLst>
           </p:cNvPr>
@@ -19654,7 +19694,7 @@
           <a:p>
             <a:fld id="{DAFA5E08-56C4-4D00-93E8-8E8047A8DE89}" type="datetime1">
               <a:rPr lang="de-DE" smtClean="0"/>
-              <a:t>22.02.2022</a:t>
+              <a:t>23.02.2022</a:t>
             </a:fld>
             <a:endParaRPr lang="de-DE"/>
           </a:p>
@@ -19665,7 +19705,7 @@
           <p:cNvPr id="5" name="Fußzeilenplatzhalter 4">
             <a:extLst>
               <a:ext uri="{FF2B5EF4-FFF2-40B4-BE49-F238E27FC236}">
-                <a16:creationId xmlns:a16="http://schemas.microsoft.com/office/drawing/2014/main" id="{A727A03D-FEEC-4A08-8782-CD5AB534433E}"/>
+                <a16:creationId xmlns:a16="http://schemas.microsoft.com/office/drawing/2014/main" xmlns="" id="{A727A03D-FEEC-4A08-8782-CD5AB534433E}"/>
               </a:ext>
             </a:extLst>
           </p:cNvPr>
@@ -19693,7 +19733,7 @@
           <p:cNvPr id="6" name="Foliennummernplatzhalter 5">
             <a:extLst>
               <a:ext uri="{FF2B5EF4-FFF2-40B4-BE49-F238E27FC236}">
-                <a16:creationId xmlns:a16="http://schemas.microsoft.com/office/drawing/2014/main" id="{5135177D-A485-4CA0-837E-DEF719D98F6F}"/>
+                <a16:creationId xmlns:a16="http://schemas.microsoft.com/office/drawing/2014/main" xmlns="" id="{5135177D-A485-4CA0-837E-DEF719D98F6F}"/>
               </a:ext>
             </a:extLst>
           </p:cNvPr>
@@ -19722,7 +19762,7 @@
           <p:cNvPr id="9" name="Rechteck 8">
             <a:extLst>
               <a:ext uri="{FF2B5EF4-FFF2-40B4-BE49-F238E27FC236}">
-                <a16:creationId xmlns:a16="http://schemas.microsoft.com/office/drawing/2014/main" id="{DAB80900-F1F5-469B-BE24-B625BB3CA31F}"/>
+                <a16:creationId xmlns:a16="http://schemas.microsoft.com/office/drawing/2014/main" xmlns="" id="{DAB80900-F1F5-469B-BE24-B625BB3CA31F}"/>
               </a:ext>
             </a:extLst>
           </p:cNvPr>
@@ -19774,7 +19814,7 @@
           <p:cNvPr id="10" name="Rechteck 9">
             <a:extLst>
               <a:ext uri="{FF2B5EF4-FFF2-40B4-BE49-F238E27FC236}">
-                <a16:creationId xmlns:a16="http://schemas.microsoft.com/office/drawing/2014/main" id="{F394505C-D33A-4D34-A580-6FB766C94B6B}"/>
+                <a16:creationId xmlns:a16="http://schemas.microsoft.com/office/drawing/2014/main" xmlns="" id="{F394505C-D33A-4D34-A580-6FB766C94B6B}"/>
               </a:ext>
             </a:extLst>
           </p:cNvPr>
@@ -19826,7 +19866,7 @@
           <p:cNvPr id="11" name="Textfeld 10">
             <a:extLst>
               <a:ext uri="{FF2B5EF4-FFF2-40B4-BE49-F238E27FC236}">
-                <a16:creationId xmlns:a16="http://schemas.microsoft.com/office/drawing/2014/main" id="{0819711E-1774-4D86-B4E4-490B5E53FB22}"/>
+                <a16:creationId xmlns:a16="http://schemas.microsoft.com/office/drawing/2014/main" xmlns="" id="{0819711E-1774-4D86-B4E4-490B5E53FB22}"/>
               </a:ext>
             </a:extLst>
           </p:cNvPr>
@@ -19875,7 +19915,7 @@
           <p:cNvPr id="13" name="Gerade Verbindung mit Pfeil 12">
             <a:extLst>
               <a:ext uri="{FF2B5EF4-FFF2-40B4-BE49-F238E27FC236}">
-                <a16:creationId xmlns:a16="http://schemas.microsoft.com/office/drawing/2014/main" id="{D825E028-E7EA-41D4-8B7E-D6C1C96426A7}"/>
+                <a16:creationId xmlns:a16="http://schemas.microsoft.com/office/drawing/2014/main" xmlns="" id="{D825E028-E7EA-41D4-8B7E-D6C1C96426A7}"/>
               </a:ext>
             </a:extLst>
           </p:cNvPr>
@@ -19916,7 +19956,7 @@
           <p:cNvPr id="14" name="Textfeld 13">
             <a:extLst>
               <a:ext uri="{FF2B5EF4-FFF2-40B4-BE49-F238E27FC236}">
-                <a16:creationId xmlns:a16="http://schemas.microsoft.com/office/drawing/2014/main" id="{80E27F0A-E3B4-4B37-B859-078BC36041AE}"/>
+                <a16:creationId xmlns:a16="http://schemas.microsoft.com/office/drawing/2014/main" xmlns="" id="{80E27F0A-E3B4-4B37-B859-078BC36041AE}"/>
               </a:ext>
             </a:extLst>
           </p:cNvPr>
@@ -19951,7 +19991,7 @@
           <p:cNvPr id="15" name="Gerade Verbindung mit Pfeil 14">
             <a:extLst>
               <a:ext uri="{FF2B5EF4-FFF2-40B4-BE49-F238E27FC236}">
-                <a16:creationId xmlns:a16="http://schemas.microsoft.com/office/drawing/2014/main" id="{1DBD54D6-D34F-45E3-85C4-6D580B9A0753}"/>
+                <a16:creationId xmlns:a16="http://schemas.microsoft.com/office/drawing/2014/main" xmlns="" id="{1DBD54D6-D34F-45E3-85C4-6D580B9A0753}"/>
               </a:ext>
             </a:extLst>
           </p:cNvPr>
@@ -19992,7 +20032,7 @@
           <p:cNvPr id="24" name="Gerade Verbindung mit Pfeil 23">
             <a:extLst>
               <a:ext uri="{FF2B5EF4-FFF2-40B4-BE49-F238E27FC236}">
-                <a16:creationId xmlns:a16="http://schemas.microsoft.com/office/drawing/2014/main" id="{177D5350-8D1C-428D-84C3-0DBA64B1CE4A}"/>
+                <a16:creationId xmlns:a16="http://schemas.microsoft.com/office/drawing/2014/main" xmlns="" id="{177D5350-8D1C-428D-84C3-0DBA64B1CE4A}"/>
               </a:ext>
             </a:extLst>
           </p:cNvPr>
@@ -20033,7 +20073,7 @@
           <p:cNvPr id="25" name="Gerade Verbindung mit Pfeil 24">
             <a:extLst>
               <a:ext uri="{FF2B5EF4-FFF2-40B4-BE49-F238E27FC236}">
-                <a16:creationId xmlns:a16="http://schemas.microsoft.com/office/drawing/2014/main" id="{3C19137C-B336-4B6F-97E7-44B3CC0505B9}"/>
+                <a16:creationId xmlns:a16="http://schemas.microsoft.com/office/drawing/2014/main" xmlns="" id="{3C19137C-B336-4B6F-97E7-44B3CC0505B9}"/>
               </a:ext>
             </a:extLst>
           </p:cNvPr>
@@ -20074,7 +20114,7 @@
           <p:cNvPr id="29" name="Textfeld 28">
             <a:extLst>
               <a:ext uri="{FF2B5EF4-FFF2-40B4-BE49-F238E27FC236}">
-                <a16:creationId xmlns:a16="http://schemas.microsoft.com/office/drawing/2014/main" id="{5E1B3BB4-1407-48C1-98E3-27FA191AF0D9}"/>
+                <a16:creationId xmlns:a16="http://schemas.microsoft.com/office/drawing/2014/main" xmlns="" id="{5E1B3BB4-1407-48C1-98E3-27FA191AF0D9}"/>
               </a:ext>
             </a:extLst>
           </p:cNvPr>
@@ -20109,7 +20149,7 @@
           <p:cNvPr id="30" name="Textfeld 29">
             <a:extLst>
               <a:ext uri="{FF2B5EF4-FFF2-40B4-BE49-F238E27FC236}">
-                <a16:creationId xmlns:a16="http://schemas.microsoft.com/office/drawing/2014/main" id="{F7919C57-3380-4BBB-A895-4481B9BDBA93}"/>
+                <a16:creationId xmlns:a16="http://schemas.microsoft.com/office/drawing/2014/main" xmlns="" id="{F7919C57-3380-4BBB-A895-4481B9BDBA93}"/>
               </a:ext>
             </a:extLst>
           </p:cNvPr>
@@ -20328,7 +20368,7 @@
           <a:p>
             <a:fld id="{83468713-7584-40CF-B812-011DDBE4027E}" type="datetime1">
               <a:rPr lang="de-DE" smtClean="0"/>
-              <a:t>22.02.2022</a:t>
+              <a:t>23.02.2022</a:t>
             </a:fld>
             <a:endParaRPr lang="de-DE"/>
           </a:p>
@@ -20415,7 +20455,7 @@
           <p:cNvPr id="2" name="Titel 1">
             <a:extLst>
               <a:ext uri="{FF2B5EF4-FFF2-40B4-BE49-F238E27FC236}">
-                <a16:creationId xmlns:a16="http://schemas.microsoft.com/office/drawing/2014/main" id="{8B277F54-A15D-4D49-99D2-2AFBBB4A4B1C}"/>
+                <a16:creationId xmlns:a16="http://schemas.microsoft.com/office/drawing/2014/main" xmlns="" id="{8B277F54-A15D-4D49-99D2-2AFBBB4A4B1C}"/>
               </a:ext>
             </a:extLst>
           </p:cNvPr>
@@ -20443,7 +20483,7 @@
           <p:cNvPr id="3" name="Inhaltsplatzhalter 2">
             <a:extLst>
               <a:ext uri="{FF2B5EF4-FFF2-40B4-BE49-F238E27FC236}">
-                <a16:creationId xmlns:a16="http://schemas.microsoft.com/office/drawing/2014/main" id="{CDA2709E-C78F-4900-A00A-10C3ED2F1445}"/>
+                <a16:creationId xmlns:a16="http://schemas.microsoft.com/office/drawing/2014/main" xmlns="" id="{CDA2709E-C78F-4900-A00A-10C3ED2F1445}"/>
               </a:ext>
             </a:extLst>
           </p:cNvPr>
@@ -20496,7 +20536,7 @@
           <p:cNvPr id="4" name="Datumsplatzhalter 3">
             <a:extLst>
               <a:ext uri="{FF2B5EF4-FFF2-40B4-BE49-F238E27FC236}">
-                <a16:creationId xmlns:a16="http://schemas.microsoft.com/office/drawing/2014/main" id="{8D6E21C6-1DA7-4D5C-B6A4-D980BE9EE166}"/>
+                <a16:creationId xmlns:a16="http://schemas.microsoft.com/office/drawing/2014/main" xmlns="" id="{8D6E21C6-1DA7-4D5C-B6A4-D980BE9EE166}"/>
               </a:ext>
             </a:extLst>
           </p:cNvPr>
@@ -20514,7 +20554,7 @@
           <a:p>
             <a:fld id="{DAFA5E08-56C4-4D00-93E8-8E8047A8DE89}" type="datetime1">
               <a:rPr lang="de-DE" smtClean="0"/>
-              <a:t>22.02.2022</a:t>
+              <a:t>23.02.2022</a:t>
             </a:fld>
             <a:endParaRPr lang="de-DE"/>
           </a:p>
@@ -20525,7 +20565,7 @@
           <p:cNvPr id="5" name="Fußzeilenplatzhalter 4">
             <a:extLst>
               <a:ext uri="{FF2B5EF4-FFF2-40B4-BE49-F238E27FC236}">
-                <a16:creationId xmlns:a16="http://schemas.microsoft.com/office/drawing/2014/main" id="{0CB95E1F-43AC-4F09-AB0C-462123C12AAB}"/>
+                <a16:creationId xmlns:a16="http://schemas.microsoft.com/office/drawing/2014/main" xmlns="" id="{0CB95E1F-43AC-4F09-AB0C-462123C12AAB}"/>
               </a:ext>
             </a:extLst>
           </p:cNvPr>
@@ -20553,7 +20593,7 @@
           <p:cNvPr id="6" name="Foliennummernplatzhalter 5">
             <a:extLst>
               <a:ext uri="{FF2B5EF4-FFF2-40B4-BE49-F238E27FC236}">
-                <a16:creationId xmlns:a16="http://schemas.microsoft.com/office/drawing/2014/main" id="{95FE5647-CCB4-4657-86BD-109B8BBE038A}"/>
+                <a16:creationId xmlns:a16="http://schemas.microsoft.com/office/drawing/2014/main" xmlns="" id="{95FE5647-CCB4-4657-86BD-109B8BBE038A}"/>
               </a:ext>
             </a:extLst>
           </p:cNvPr>
@@ -20582,7 +20622,7 @@
           <p:cNvPr id="8" name="Grafik 7">
             <a:extLst>
               <a:ext uri="{FF2B5EF4-FFF2-40B4-BE49-F238E27FC236}">
-                <a16:creationId xmlns:a16="http://schemas.microsoft.com/office/drawing/2014/main" id="{E33148F4-C6A0-4900-A3C4-DEF5A7AF8B36}"/>
+                <a16:creationId xmlns:a16="http://schemas.microsoft.com/office/drawing/2014/main" xmlns="" id="{E33148F4-C6A0-4900-A3C4-DEF5A7AF8B36}"/>
               </a:ext>
             </a:extLst>
           </p:cNvPr>
@@ -20792,7 +20832,7 @@
           <a:p>
             <a:fld id="{0989FCA3-C01A-4FEF-9059-6150E2C6978D}" type="datetime1">
               <a:rPr lang="de-DE" smtClean="0"/>
-              <a:t>22.02.2022</a:t>
+              <a:t>23.02.2022</a:t>
             </a:fld>
             <a:endParaRPr lang="de-DE"/>
           </a:p>
@@ -20848,7 +20888,7 @@
           <p:cNvPr id="3" name="Grafik 2">
             <a:extLst>
               <a:ext uri="{FF2B5EF4-FFF2-40B4-BE49-F238E27FC236}">
-                <a16:creationId xmlns:a16="http://schemas.microsoft.com/office/drawing/2014/main" id="{CBA3456D-5B5D-4C32-93E1-55B0F0E4940F}"/>
+                <a16:creationId xmlns:a16="http://schemas.microsoft.com/office/drawing/2014/main" xmlns="" id="{CBA3456D-5B5D-4C32-93E1-55B0F0E4940F}"/>
               </a:ext>
             </a:extLst>
           </p:cNvPr>
@@ -20878,7 +20918,7 @@
           <p:cNvPr id="10" name="Grafik 9">
             <a:extLst>
               <a:ext uri="{FF2B5EF4-FFF2-40B4-BE49-F238E27FC236}">
-                <a16:creationId xmlns:a16="http://schemas.microsoft.com/office/drawing/2014/main" id="{14E8D3ED-5FA6-4B04-A5F6-1AE4B834214A}"/>
+                <a16:creationId xmlns:a16="http://schemas.microsoft.com/office/drawing/2014/main" xmlns="" id="{14E8D3ED-5FA6-4B04-A5F6-1AE4B834214A}"/>
               </a:ext>
             </a:extLst>
           </p:cNvPr>
@@ -20944,7 +20984,7 @@
           <p:cNvPr id="2" name="Titel 1">
             <a:extLst>
               <a:ext uri="{FF2B5EF4-FFF2-40B4-BE49-F238E27FC236}">
-                <a16:creationId xmlns:a16="http://schemas.microsoft.com/office/drawing/2014/main" id="{5A010D8D-89C8-4ABC-986F-874A74340C7C}"/>
+                <a16:creationId xmlns:a16="http://schemas.microsoft.com/office/drawing/2014/main" xmlns="" id="{5A010D8D-89C8-4ABC-986F-874A74340C7C}"/>
               </a:ext>
             </a:extLst>
           </p:cNvPr>
@@ -20972,7 +21012,7 @@
           <p:cNvPr id="3" name="Inhaltsplatzhalter 2">
             <a:extLst>
               <a:ext uri="{FF2B5EF4-FFF2-40B4-BE49-F238E27FC236}">
-                <a16:creationId xmlns:a16="http://schemas.microsoft.com/office/drawing/2014/main" id="{F9BB43DC-282D-4E27-8BF1-4C3C10E36909}"/>
+                <a16:creationId xmlns:a16="http://schemas.microsoft.com/office/drawing/2014/main" xmlns="" id="{F9BB43DC-282D-4E27-8BF1-4C3C10E36909}"/>
               </a:ext>
             </a:extLst>
           </p:cNvPr>
@@ -21034,7 +21074,7 @@
           <p:cNvPr id="4" name="Datumsplatzhalter 3">
             <a:extLst>
               <a:ext uri="{FF2B5EF4-FFF2-40B4-BE49-F238E27FC236}">
-                <a16:creationId xmlns:a16="http://schemas.microsoft.com/office/drawing/2014/main" id="{848A1A9E-248E-4E1E-AEA6-E3EAB45FE11F}"/>
+                <a16:creationId xmlns:a16="http://schemas.microsoft.com/office/drawing/2014/main" xmlns="" id="{848A1A9E-248E-4E1E-AEA6-E3EAB45FE11F}"/>
               </a:ext>
             </a:extLst>
           </p:cNvPr>
@@ -21052,7 +21092,7 @@
           <a:p>
             <a:fld id="{DAFA5E08-56C4-4D00-93E8-8E8047A8DE89}" type="datetime1">
               <a:rPr lang="de-DE" smtClean="0"/>
-              <a:t>22.02.2022</a:t>
+              <a:t>23.02.2022</a:t>
             </a:fld>
             <a:endParaRPr lang="de-DE"/>
           </a:p>
@@ -21063,7 +21103,7 @@
           <p:cNvPr id="5" name="Fußzeilenplatzhalter 4">
             <a:extLst>
               <a:ext uri="{FF2B5EF4-FFF2-40B4-BE49-F238E27FC236}">
-                <a16:creationId xmlns:a16="http://schemas.microsoft.com/office/drawing/2014/main" id="{48499E36-0E7A-47EF-BB8C-2886CED1A8D0}"/>
+                <a16:creationId xmlns:a16="http://schemas.microsoft.com/office/drawing/2014/main" xmlns="" id="{48499E36-0E7A-47EF-BB8C-2886CED1A8D0}"/>
               </a:ext>
             </a:extLst>
           </p:cNvPr>
@@ -21091,7 +21131,7 @@
           <p:cNvPr id="6" name="Foliennummernplatzhalter 5">
             <a:extLst>
               <a:ext uri="{FF2B5EF4-FFF2-40B4-BE49-F238E27FC236}">
-                <a16:creationId xmlns:a16="http://schemas.microsoft.com/office/drawing/2014/main" id="{A8777733-978E-49A7-9F79-1C8AF1BB3846}"/>
+                <a16:creationId xmlns:a16="http://schemas.microsoft.com/office/drawing/2014/main" xmlns="" id="{A8777733-978E-49A7-9F79-1C8AF1BB3846}"/>
               </a:ext>
             </a:extLst>
           </p:cNvPr>
@@ -21120,7 +21160,7 @@
           <p:cNvPr id="7" name="Textfeld 6">
             <a:extLst>
               <a:ext uri="{FF2B5EF4-FFF2-40B4-BE49-F238E27FC236}">
-                <a16:creationId xmlns:a16="http://schemas.microsoft.com/office/drawing/2014/main" id="{2DD32699-6BDF-4158-8D25-687621C41E3D}"/>
+                <a16:creationId xmlns:a16="http://schemas.microsoft.com/office/drawing/2014/main" xmlns="" id="{2DD32699-6BDF-4158-8D25-687621C41E3D}"/>
               </a:ext>
             </a:extLst>
           </p:cNvPr>
@@ -21151,6 +21191,10 @@
           <a:lstStyle/>
           <a:p>
             <a:pPr algn="ctr"/>
+            <a:r>
+              <a:rPr lang="de-DE" dirty="0"/>
+              <a:t/>
+            </a:r>
             <a:br>
               <a:rPr lang="de-DE" dirty="0"/>
             </a:br>
@@ -21197,7 +21241,7 @@
           <p:cNvPr id="9" name="Grafik 8">
             <a:extLst>
               <a:ext uri="{FF2B5EF4-FFF2-40B4-BE49-F238E27FC236}">
-                <a16:creationId xmlns:a16="http://schemas.microsoft.com/office/drawing/2014/main" id="{AEC4CA29-FFCB-4EB8-9306-D1F74E39BB7F}"/>
+                <a16:creationId xmlns:a16="http://schemas.microsoft.com/office/drawing/2014/main" xmlns="" id="{AEC4CA29-FFCB-4EB8-9306-D1F74E39BB7F}"/>
               </a:ext>
             </a:extLst>
           </p:cNvPr>
